--- a/L1.pptx
+++ b/L1.pptx
@@ -6,6 +6,8 @@
   </p:sldMasterIdLst>
   <p:sldIdLst>
     <p:sldId id="256" r:id="rId2"/>
+    <p:sldId id="257" r:id="rId3"/>
+    <p:sldId id="258" r:id="rId4"/>
   </p:sldIdLst>
   <p:sldSz cx="12192000" cy="6858000"/>
   <p:notesSz cx="6858000" cy="9144000"/>
@@ -104,6 +106,11 @@
       </a:defRPr>
     </a:lvl9pPr>
   </p:defaultTextStyle>
+  <p:extLst>
+    <p:ext uri="{EFAFB233-063F-42B5-8137-9DF3F51BA10A}">
+      <p15:sldGuideLst xmlns:p15="http://schemas.microsoft.com/office/powerpoint/2012/main"/>
+    </p:ext>
+  </p:extLst>
 </p:presentation>
 </file>
 
@@ -3363,7 +3370,11 @@
           <a:bodyPr/>
           <a:lstStyle/>
           <a:p>
-            <a:endParaRPr lang="en-US"/>
+            <a:r>
+              <a:rPr lang="en-US" altLang="zh-CN" dirty="0"/>
+              <a:t>Web (React) Course</a:t>
+            </a:r>
+            <a:endParaRPr lang="en-US" dirty="0"/>
           </a:p>
         </p:txBody>
       </p:sp>
@@ -3388,7 +3399,27 @@
           <a:bodyPr/>
           <a:lstStyle/>
           <a:p>
-            <a:endParaRPr lang="en-US"/>
+            <a:r>
+              <a:rPr lang="en-US" dirty="0"/>
+              <a:t>Polaris Studio</a:t>
+            </a:r>
+          </a:p>
+          <a:p>
+            <a:r>
+              <a:rPr lang="en-US" dirty="0"/>
+              <a:t>Lecturer: XIE Guochao (David)</a:t>
+            </a:r>
+          </a:p>
+          <a:p>
+            <a:r>
+              <a:rPr lang="en-US" dirty="0"/>
+              <a:t>SHI </a:t>
+            </a:r>
+            <a:r>
+              <a:rPr lang="en-US" dirty="0" err="1"/>
+              <a:t>Xiaoyu</a:t>
+            </a:r>
+            <a:endParaRPr lang="en-US" dirty="0"/>
           </a:p>
         </p:txBody>
       </p:sp>
@@ -3396,6 +3427,650 @@
     <p:extLst>
       <p:ext uri="{BB962C8B-B14F-4D97-AF65-F5344CB8AC3E}">
         <p14:creationId xmlns:p14="http://schemas.microsoft.com/office/powerpoint/2010/main" val="2251932195"/>
+      </p:ext>
+    </p:extLst>
+  </p:cSld>
+  <p:clrMapOvr>
+    <a:masterClrMapping/>
+  </p:clrMapOvr>
+</p:sld>
+</file>
+
+<file path=ppt/slides/slide2.xml><?xml version="1.0" encoding="utf-8"?>
+<p:sld xmlns:a="http://schemas.openxmlformats.org/drawingml/2006/main" xmlns:r="http://schemas.openxmlformats.org/officeDocument/2006/relationships" xmlns:p="http://schemas.openxmlformats.org/presentationml/2006/main">
+  <p:cSld>
+    <p:spTree>
+      <p:nvGrpSpPr>
+        <p:cNvPr id="1" name=""/>
+        <p:cNvGrpSpPr/>
+        <p:nvPr/>
+      </p:nvGrpSpPr>
+      <p:grpSpPr>
+        <a:xfrm>
+          <a:off x="0" y="0"/>
+          <a:ext cx="0" cy="0"/>
+          <a:chOff x="0" y="0"/>
+          <a:chExt cx="0" cy="0"/>
+        </a:xfrm>
+      </p:grpSpPr>
+      <p:sp>
+        <p:nvSpPr>
+          <p:cNvPr id="2" name="标题 1">
+            <a:extLst>
+              <a:ext uri="{FF2B5EF4-FFF2-40B4-BE49-F238E27FC236}">
+                <a16:creationId xmlns:a16="http://schemas.microsoft.com/office/drawing/2014/main" id="{DEC5B95C-6A05-4345-8CC8-E74A521FC604}"/>
+              </a:ext>
+            </a:extLst>
+          </p:cNvPr>
+          <p:cNvSpPr>
+            <a:spLocks noGrp="1"/>
+          </p:cNvSpPr>
+          <p:nvPr>
+            <p:ph type="title"/>
+          </p:nvPr>
+        </p:nvSpPr>
+        <p:spPr>
+          <a:xfrm>
+            <a:off x="838200" y="261608"/>
+            <a:ext cx="10515600" cy="1325563"/>
+          </a:xfrm>
+        </p:spPr>
+        <p:txBody>
+          <a:bodyPr/>
+          <a:lstStyle/>
+          <a:p>
+            <a:r>
+              <a:rPr lang="en-US" dirty="0"/>
+              <a:t>Course Outline</a:t>
+            </a:r>
+          </a:p>
+        </p:txBody>
+      </p:sp>
+      <p:sp>
+        <p:nvSpPr>
+          <p:cNvPr id="3" name="内容占位符 2">
+            <a:extLst>
+              <a:ext uri="{FF2B5EF4-FFF2-40B4-BE49-F238E27FC236}">
+                <a16:creationId xmlns:a16="http://schemas.microsoft.com/office/drawing/2014/main" id="{5E06A09B-62F5-4F4D-8481-F248ABA010A7}"/>
+              </a:ext>
+            </a:extLst>
+          </p:cNvPr>
+          <p:cNvSpPr>
+            <a:spLocks noGrp="1"/>
+          </p:cNvSpPr>
+          <p:nvPr>
+            <p:ph idx="1"/>
+          </p:nvPr>
+        </p:nvSpPr>
+        <p:spPr>
+          <a:xfrm>
+            <a:off x="746185" y="1175768"/>
+            <a:ext cx="10515600" cy="5682231"/>
+          </a:xfrm>
+        </p:spPr>
+        <p:txBody>
+          <a:bodyPr>
+            <a:normAutofit/>
+          </a:bodyPr>
+          <a:lstStyle/>
+          <a:p>
+            <a:r>
+              <a:rPr lang="en-US" dirty="0">
+                <a:solidFill>
+                  <a:schemeClr val="bg1"/>
+                </a:solidFill>
+                <a:effectLst>
+                  <a:outerShdw blurRad="38100" dist="38100" dir="2700000" algn="tl">
+                    <a:srgbClr val="000000">
+                      <a:alpha val="43137"/>
+                    </a:srgbClr>
+                  </a:outerShdw>
+                </a:effectLst>
+                <a:highlight>
+                  <a:srgbClr val="FF0000"/>
+                </a:highlight>
+              </a:rPr>
+              <a:t>1. </a:t>
+            </a:r>
+            <a:r>
+              <a:rPr lang="en-US" b="1" dirty="0">
+                <a:solidFill>
+                  <a:schemeClr val="bg1"/>
+                </a:solidFill>
+                <a:effectLst>
+                  <a:outerShdw blurRad="38100" dist="38100" dir="2700000" algn="tl">
+                    <a:srgbClr val="000000">
+                      <a:alpha val="43137"/>
+                    </a:srgbClr>
+                  </a:outerShdw>
+                </a:effectLst>
+                <a:highlight>
+                  <a:srgbClr val="FF0000"/>
+                </a:highlight>
+              </a:rPr>
+              <a:t>Introduction to HTML5 and styling skills </a:t>
+            </a:r>
+          </a:p>
+          <a:p>
+            <a:r>
+              <a:rPr lang="en-US" dirty="0"/>
+              <a:t>2. CSS3 and basic UI design</a:t>
+            </a:r>
+          </a:p>
+          <a:p>
+            <a:r>
+              <a:rPr lang="en-US" dirty="0"/>
+              <a:t>3. CDN, using libraries (Bootstrap), JavaScript Level 1</a:t>
+            </a:r>
+          </a:p>
+          <a:p>
+            <a:r>
+              <a:rPr lang="en-US" dirty="0"/>
+              <a:t>4. JavaScript Level 2</a:t>
+            </a:r>
+          </a:p>
+          <a:p>
+            <a:r>
+              <a:rPr lang="en-US" dirty="0"/>
+              <a:t>5. DOM and JavaScript Level 3</a:t>
+            </a:r>
+          </a:p>
+          <a:p>
+            <a:r>
+              <a:rPr lang="en-US" dirty="0"/>
+              <a:t>6. Introduction to React</a:t>
+            </a:r>
+          </a:p>
+          <a:p>
+            <a:r>
+              <a:rPr lang="en-US" dirty="0"/>
+              <a:t>7. React Level 1</a:t>
+            </a:r>
+          </a:p>
+          <a:p>
+            <a:r>
+              <a:rPr lang="en-US" dirty="0"/>
+              <a:t>8. React Level 2</a:t>
+            </a:r>
+          </a:p>
+          <a:p>
+            <a:r>
+              <a:rPr lang="en-US" dirty="0"/>
+              <a:t>9. React Level 3</a:t>
+            </a:r>
+          </a:p>
+          <a:p>
+            <a:r>
+              <a:rPr lang="en-US" dirty="0"/>
+              <a:t>10. React UI Examples</a:t>
+            </a:r>
+          </a:p>
+          <a:p>
+            <a:r>
+              <a:rPr lang="en-US" dirty="0"/>
+              <a:t>11. Conclusion and further study </a:t>
+            </a:r>
+            <a:r>
+              <a:rPr lang="zh-CN" altLang="en-US" dirty="0">
+                <a:solidFill>
+                  <a:srgbClr val="FF0000"/>
+                </a:solidFill>
+              </a:rPr>
+              <a:t>😀</a:t>
+            </a:r>
+            <a:endParaRPr lang="en-US" dirty="0">
+              <a:solidFill>
+                <a:srgbClr val="FF0000"/>
+              </a:solidFill>
+            </a:endParaRPr>
+          </a:p>
+        </p:txBody>
+      </p:sp>
+    </p:spTree>
+    <p:extLst>
+      <p:ext uri="{BB962C8B-B14F-4D97-AF65-F5344CB8AC3E}">
+        <p14:creationId xmlns:p14="http://schemas.microsoft.com/office/powerpoint/2010/main" val="4079023699"/>
+      </p:ext>
+    </p:extLst>
+  </p:cSld>
+  <p:clrMapOvr>
+    <a:masterClrMapping/>
+  </p:clrMapOvr>
+</p:sld>
+</file>
+
+<file path=ppt/slides/slide3.xml><?xml version="1.0" encoding="utf-8"?>
+<p:sld xmlns:a="http://schemas.openxmlformats.org/drawingml/2006/main" xmlns:r="http://schemas.openxmlformats.org/officeDocument/2006/relationships" xmlns:p="http://schemas.openxmlformats.org/presentationml/2006/main">
+  <p:cSld>
+    <p:spTree>
+      <p:nvGrpSpPr>
+        <p:cNvPr id="1" name=""/>
+        <p:cNvGrpSpPr/>
+        <p:nvPr/>
+      </p:nvGrpSpPr>
+      <p:grpSpPr>
+        <a:xfrm>
+          <a:off x="0" y="0"/>
+          <a:ext cx="0" cy="0"/>
+          <a:chOff x="0" y="0"/>
+          <a:chExt cx="0" cy="0"/>
+        </a:xfrm>
+      </p:grpSpPr>
+      <p:sp>
+        <p:nvSpPr>
+          <p:cNvPr id="2" name="标题 1">
+            <a:extLst>
+              <a:ext uri="{FF2B5EF4-FFF2-40B4-BE49-F238E27FC236}">
+                <a16:creationId xmlns:a16="http://schemas.microsoft.com/office/drawing/2014/main" id="{663FC83A-3FFC-4067-848B-CDF5C48F9950}"/>
+              </a:ext>
+            </a:extLst>
+          </p:cNvPr>
+          <p:cNvSpPr>
+            <a:spLocks noGrp="1"/>
+          </p:cNvSpPr>
+          <p:nvPr>
+            <p:ph type="title"/>
+          </p:nvPr>
+        </p:nvSpPr>
+        <p:spPr/>
+        <p:txBody>
+          <a:bodyPr/>
+          <a:lstStyle/>
+          <a:p>
+            <a:r>
+              <a:rPr lang="en-US" altLang="zh-CN"/>
+              <a:t>Why learn HTML5</a:t>
+            </a:r>
+            <a:r>
+              <a:rPr lang="en-US" altLang="zh-CN" dirty="0"/>
+              <a:t>?</a:t>
+            </a:r>
+            <a:endParaRPr lang="en-US" dirty="0"/>
+          </a:p>
+        </p:txBody>
+      </p:sp>
+      <p:sp>
+        <p:nvSpPr>
+          <p:cNvPr id="3" name="内容占位符 2">
+            <a:extLst>
+              <a:ext uri="{FF2B5EF4-FFF2-40B4-BE49-F238E27FC236}">
+                <a16:creationId xmlns:a16="http://schemas.microsoft.com/office/drawing/2014/main" id="{5914FC85-FAA1-4C5F-BFD4-58C98E72FBB7}"/>
+              </a:ext>
+            </a:extLst>
+          </p:cNvPr>
+          <p:cNvSpPr>
+            <a:spLocks noGrp="1"/>
+          </p:cNvSpPr>
+          <p:nvPr>
+            <p:ph idx="1"/>
+          </p:nvPr>
+        </p:nvSpPr>
+        <p:spPr/>
+        <p:txBody>
+          <a:bodyPr/>
+          <a:lstStyle/>
+          <a:p>
+            <a:r>
+              <a:rPr lang="en-US" dirty="0"/>
+              <a:t>HTML: </a:t>
+            </a:r>
+            <a:r>
+              <a:rPr lang="zh-CN" altLang="en-US" u="sng" dirty="0">
+                <a:hlinkClick r:id="rId2"/>
+              </a:rPr>
+              <a:t>超文本标记语言</a:t>
+            </a:r>
+            <a:r>
+              <a:rPr lang="zh-CN" altLang="en-US" u="sng" dirty="0"/>
+              <a:t> </a:t>
+            </a:r>
+            <a:endParaRPr lang="en-US" altLang="zh-CN" dirty="0"/>
+          </a:p>
+          <a:p>
+            <a:r>
+              <a:rPr lang="en-US" dirty="0"/>
+              <a:t>HTML5: HTML</a:t>
+            </a:r>
+            <a:r>
+              <a:rPr lang="zh-CN" altLang="en-US" dirty="0"/>
+              <a:t>的第五版，于</a:t>
+            </a:r>
+            <a:r>
+              <a:rPr lang="en-US" altLang="zh-CN" dirty="0"/>
+              <a:t>2014</a:t>
+            </a:r>
+            <a:r>
+              <a:rPr lang="zh-CN" altLang="en-US" dirty="0"/>
+              <a:t>年修订完成</a:t>
+            </a:r>
+            <a:endParaRPr lang="en-US" altLang="zh-CN" dirty="0"/>
+          </a:p>
+        </p:txBody>
+      </p:sp>
+      <p:graphicFrame>
+        <p:nvGraphicFramePr>
+          <p:cNvPr id="4" name="表格 3">
+            <a:extLst>
+              <a:ext uri="{FF2B5EF4-FFF2-40B4-BE49-F238E27FC236}">
+                <a16:creationId xmlns:a16="http://schemas.microsoft.com/office/drawing/2014/main" id="{0CC4E16F-69D5-4818-9D8A-85527772E526}"/>
+              </a:ext>
+            </a:extLst>
+          </p:cNvPr>
+          <p:cNvGraphicFramePr>
+            <a:graphicFrameLocks noGrp="1"/>
+          </p:cNvGraphicFramePr>
+          <p:nvPr>
+            <p:extLst>
+              <p:ext uri="{D42A27DB-BD31-4B8C-83A1-F6EECF244321}">
+                <p14:modId xmlns:p14="http://schemas.microsoft.com/office/powerpoint/2010/main" val="3699944073"/>
+              </p:ext>
+            </p:extLst>
+          </p:nvPr>
+        </p:nvGraphicFramePr>
+        <p:xfrm>
+          <a:off x="838200" y="2882020"/>
+          <a:ext cx="10335882" cy="3495774"/>
+        </p:xfrm>
+        <a:graphic>
+          <a:graphicData uri="http://schemas.openxmlformats.org/drawingml/2006/table">
+            <a:tbl>
+              <a:tblPr firstCol="1" bandRow="1">
+                <a:tableStyleId>{5C22544A-7EE6-4342-B048-85BDC9FD1C3A}</a:tableStyleId>
+              </a:tblPr>
+              <a:tblGrid>
+                <a:gridCol w="1243642">
+                  <a:extLst>
+                    <a:ext uri="{9D8B030D-6E8A-4147-A177-3AD203B41FA5}">
+                      <a16:colId xmlns:a16="http://schemas.microsoft.com/office/drawing/2014/main" val="1574169249"/>
+                    </a:ext>
+                  </a:extLst>
+                </a:gridCol>
+                <a:gridCol w="4192437">
+                  <a:extLst>
+                    <a:ext uri="{9D8B030D-6E8A-4147-A177-3AD203B41FA5}">
+                      <a16:colId xmlns:a16="http://schemas.microsoft.com/office/drawing/2014/main" val="3411588546"/>
+                    </a:ext>
+                  </a:extLst>
+                </a:gridCol>
+                <a:gridCol w="4899803">
+                  <a:extLst>
+                    <a:ext uri="{9D8B030D-6E8A-4147-A177-3AD203B41FA5}">
+                      <a16:colId xmlns:a16="http://schemas.microsoft.com/office/drawing/2014/main" val="2104424213"/>
+                    </a:ext>
+                  </a:extLst>
+                </a:gridCol>
+              </a:tblGrid>
+              <a:tr h="1165258">
+                <a:tc>
+                  <a:txBody>
+                    <a:bodyPr/>
+                    <a:lstStyle/>
+                    <a:p>
+                      <a:r>
+                        <a:rPr lang="en-US" altLang="zh-CN" sz="2800" dirty="0"/>
+                        <a:t>Before</a:t>
+                      </a:r>
+                      <a:endParaRPr lang="en-US" sz="2800" dirty="0"/>
+                    </a:p>
+                  </a:txBody>
+                  <a:tcPr anchor="ctr"/>
+                </a:tc>
+                <a:tc>
+                  <a:txBody>
+                    <a:bodyPr/>
+                    <a:lstStyle/>
+                    <a:p>
+                      <a:r>
+                        <a:rPr lang="zh-CN" altLang="en-US" sz="2800" dirty="0"/>
+                        <a:t>网站比较丑（就跟</a:t>
+                      </a:r>
+                      <a:r>
+                        <a:rPr lang="en-US" altLang="zh-CN" sz="2800" dirty="0"/>
+                        <a:t>Word</a:t>
+                      </a:r>
+                      <a:r>
+                        <a:rPr lang="zh-CN" altLang="en-US" sz="2800" dirty="0"/>
+                        <a:t>排版出来的差不多）</a:t>
+                      </a:r>
+                      <a:endParaRPr lang="en-US" sz="2800" dirty="0"/>
+                    </a:p>
+                  </a:txBody>
+                  <a:tcPr anchor="ctr"/>
+                </a:tc>
+                <a:tc>
+                  <a:txBody>
+                    <a:bodyPr/>
+                    <a:lstStyle/>
+                    <a:p>
+                      <a:pPr marL="0" marR="0" lvl="0" indent="0" algn="l" defTabSz="914400" rtl="0" eaLnBrk="1" fontAlgn="auto" latinLnBrk="0" hangingPunct="1">
+                        <a:lnSpc>
+                          <a:spcPct val="100000"/>
+                        </a:lnSpc>
+                        <a:spcBef>
+                          <a:spcPts val="0"/>
+                        </a:spcBef>
+                        <a:spcAft>
+                          <a:spcPts val="0"/>
+                        </a:spcAft>
+                        <a:buClrTx/>
+                        <a:buSzTx/>
+                        <a:buFontTx/>
+                        <a:buNone/>
+                        <a:tabLst/>
+                        <a:defRPr/>
+                      </a:pPr>
+                      <a:r>
+                        <a:rPr lang="zh-CN" altLang="en-US" sz="2800" dirty="0"/>
+                        <a:t>网站功能简单</a:t>
+                      </a:r>
+                      <a:endParaRPr lang="en-US" altLang="zh-CN" sz="2800" dirty="0"/>
+                    </a:p>
+                    <a:p>
+                      <a:endParaRPr lang="en-US" sz="2800" dirty="0"/>
+                    </a:p>
+                  </a:txBody>
+                  <a:tcPr anchor="ctr"/>
+                </a:tc>
+                <a:extLst>
+                  <a:ext uri="{0D108BD9-81ED-4DB2-BD59-A6C34878D82A}">
+                    <a16:rowId xmlns:a16="http://schemas.microsoft.com/office/drawing/2014/main" val="1624930884"/>
+                  </a:ext>
+                </a:extLst>
+              </a:tr>
+              <a:tr h="1165258">
+                <a:tc>
+                  <a:txBody>
+                    <a:bodyPr/>
+                    <a:lstStyle/>
+                    <a:p>
+                      <a:r>
+                        <a:rPr lang="en-US" altLang="zh-CN" sz="2800" dirty="0"/>
+                        <a:t>After</a:t>
+                      </a:r>
+                      <a:endParaRPr lang="en-US" sz="2800" dirty="0"/>
+                    </a:p>
+                  </a:txBody>
+                  <a:tcPr anchor="ctr"/>
+                </a:tc>
+                <a:tc>
+                  <a:txBody>
+                    <a:bodyPr/>
+                    <a:lstStyle/>
+                    <a:p>
+                      <a:r>
+                        <a:rPr lang="zh-CN" altLang="en-US" sz="2800" dirty="0"/>
+                        <a:t>网站更好看了（更多开源</a:t>
+                      </a:r>
+                      <a:r>
+                        <a:rPr lang="en-US" altLang="zh-CN" sz="2800" dirty="0"/>
+                        <a:t>UI</a:t>
+                      </a:r>
+                      <a:r>
+                        <a:rPr lang="zh-CN" altLang="en-US" sz="2800" dirty="0"/>
+                        <a:t>库了）</a:t>
+                      </a:r>
+                      <a:endParaRPr lang="en-US" sz="2800" dirty="0"/>
+                    </a:p>
+                  </a:txBody>
+                  <a:tcPr anchor="ctr"/>
+                </a:tc>
+                <a:tc>
+                  <a:txBody>
+                    <a:bodyPr/>
+                    <a:lstStyle/>
+                    <a:p>
+                      <a:r>
+                        <a:rPr lang="zh-CN" altLang="en-US" sz="2800" dirty="0"/>
+                        <a:t>网站功能更丰富</a:t>
+                      </a:r>
+                      <a:endParaRPr lang="en-US" sz="2800" dirty="0"/>
+                    </a:p>
+                  </a:txBody>
+                  <a:tcPr anchor="ctr"/>
+                </a:tc>
+                <a:extLst>
+                  <a:ext uri="{0D108BD9-81ED-4DB2-BD59-A6C34878D82A}">
+                    <a16:rowId xmlns:a16="http://schemas.microsoft.com/office/drawing/2014/main" val="342513685"/>
+                  </a:ext>
+                </a:extLst>
+              </a:tr>
+              <a:tr h="1165258">
+                <a:tc>
+                  <a:txBody>
+                    <a:bodyPr/>
+                    <a:lstStyle/>
+                    <a:p>
+                      <a:r>
+                        <a:rPr lang="en-US" altLang="zh-CN" sz="2800" dirty="0"/>
+                        <a:t>Result</a:t>
+                      </a:r>
+                      <a:endParaRPr lang="en-US" sz="2800" dirty="0"/>
+                    </a:p>
+                  </a:txBody>
+                  <a:tcPr anchor="ctr"/>
+                </a:tc>
+                <a:tc>
+                  <a:txBody>
+                    <a:bodyPr/>
+                    <a:lstStyle/>
+                    <a:p>
+                      <a:r>
+                        <a:rPr lang="zh-CN" altLang="en-US" sz="2800" dirty="0"/>
+                        <a:t>之前的前端程序猿失业</a:t>
+                      </a:r>
+                      <a:r>
+                        <a:rPr lang="en-US" altLang="zh-CN" sz="2800" dirty="0"/>
+                        <a:t>/</a:t>
+                      </a:r>
+                      <a:r>
+                        <a:rPr lang="zh-CN" altLang="en-US" sz="2800" dirty="0"/>
+                        <a:t>退休</a:t>
+                      </a:r>
+                      <a:r>
+                        <a:rPr lang="en-US" altLang="zh-CN" sz="2800" dirty="0"/>
+                        <a:t>/</a:t>
+                      </a:r>
+                      <a:r>
+                        <a:rPr lang="zh-CN" altLang="en-US" sz="2800" dirty="0"/>
+                        <a:t>重新学</a:t>
+                      </a:r>
+                      <a:endParaRPr lang="en-US" sz="2800" dirty="0"/>
+                    </a:p>
+                  </a:txBody>
+                  <a:tcPr anchor="ctr"/>
+                </a:tc>
+                <a:tc>
+                  <a:txBody>
+                    <a:bodyPr/>
+                    <a:lstStyle/>
+                    <a:p>
+                      <a:r>
+                        <a:rPr lang="zh-CN" altLang="en-US" sz="2800" b="1" dirty="0">
+                          <a:solidFill>
+                            <a:schemeClr val="bg1"/>
+                          </a:solidFill>
+                          <a:effectLst>
+                            <a:outerShdw blurRad="38100" dist="38100" dir="2700000" algn="tl">
+                              <a:srgbClr val="000000">
+                                <a:alpha val="43137"/>
+                              </a:srgbClr>
+                            </a:outerShdw>
+                          </a:effectLst>
+                          <a:highlight>
+                            <a:srgbClr val="FF0000"/>
+                          </a:highlight>
+                        </a:rPr>
+                        <a:t>这是我们学习</a:t>
+                      </a:r>
+                      <a:r>
+                        <a:rPr lang="en-US" altLang="zh-CN" sz="2800" b="1" dirty="0">
+                          <a:solidFill>
+                            <a:schemeClr val="bg1"/>
+                          </a:solidFill>
+                          <a:effectLst>
+                            <a:outerShdw blurRad="38100" dist="38100" dir="2700000" algn="tl">
+                              <a:srgbClr val="000000">
+                                <a:alpha val="43137"/>
+                              </a:srgbClr>
+                            </a:outerShdw>
+                          </a:effectLst>
+                          <a:highlight>
+                            <a:srgbClr val="FF0000"/>
+                          </a:highlight>
+                        </a:rPr>
+                        <a:t>HTML5</a:t>
+                      </a:r>
+                      <a:r>
+                        <a:rPr lang="zh-CN" altLang="en-US" sz="2800" b="1" dirty="0">
+                          <a:solidFill>
+                            <a:schemeClr val="bg1"/>
+                          </a:solidFill>
+                          <a:effectLst>
+                            <a:outerShdw blurRad="38100" dist="38100" dir="2700000" algn="tl">
+                              <a:srgbClr val="000000">
+                                <a:alpha val="43137"/>
+                              </a:srgbClr>
+                            </a:outerShdw>
+                          </a:effectLst>
+                          <a:highlight>
+                            <a:srgbClr val="FF0000"/>
+                          </a:highlight>
+                        </a:rPr>
+                        <a:t>的最成熟且最好的时机</a:t>
+                      </a:r>
+                      <a:endParaRPr lang="en-US" sz="2800" b="1" dirty="0">
+                        <a:solidFill>
+                          <a:schemeClr val="bg1"/>
+                        </a:solidFill>
+                        <a:effectLst>
+                          <a:outerShdw blurRad="38100" dist="38100" dir="2700000" algn="tl">
+                            <a:srgbClr val="000000">
+                              <a:alpha val="43137"/>
+                            </a:srgbClr>
+                          </a:outerShdw>
+                        </a:effectLst>
+                        <a:highlight>
+                          <a:srgbClr val="FF0000"/>
+                        </a:highlight>
+                      </a:endParaRPr>
+                    </a:p>
+                  </a:txBody>
+                  <a:tcPr anchor="ctr"/>
+                </a:tc>
+                <a:extLst>
+                  <a:ext uri="{0D108BD9-81ED-4DB2-BD59-A6C34878D82A}">
+                    <a16:rowId xmlns:a16="http://schemas.microsoft.com/office/drawing/2014/main" val="2154519115"/>
+                  </a:ext>
+                </a:extLst>
+              </a:tr>
+            </a:tbl>
+          </a:graphicData>
+        </a:graphic>
+      </p:graphicFrame>
+    </p:spTree>
+    <p:extLst>
+      <p:ext uri="{BB962C8B-B14F-4D97-AF65-F5344CB8AC3E}">
+        <p14:creationId xmlns:p14="http://schemas.microsoft.com/office/powerpoint/2010/main" val="405725691"/>
       </p:ext>
     </p:extLst>
   </p:cSld>

--- a/L1.pptx
+++ b/L1.pptx
@@ -4,10 +4,32 @@
   <p:sldMasterIdLst>
     <p:sldMasterId id="2147483648" r:id="rId1"/>
   </p:sldMasterIdLst>
+  <p:notesMasterIdLst>
+    <p:notesMasterId r:id="rId24"/>
+  </p:notesMasterIdLst>
   <p:sldIdLst>
     <p:sldId id="256" r:id="rId2"/>
     <p:sldId id="257" r:id="rId3"/>
-    <p:sldId id="258" r:id="rId4"/>
+    <p:sldId id="259" r:id="rId4"/>
+    <p:sldId id="262" r:id="rId5"/>
+    <p:sldId id="260" r:id="rId6"/>
+    <p:sldId id="261" r:id="rId7"/>
+    <p:sldId id="263" r:id="rId8"/>
+    <p:sldId id="264" r:id="rId9"/>
+    <p:sldId id="265" r:id="rId10"/>
+    <p:sldId id="267" r:id="rId11"/>
+    <p:sldId id="268" r:id="rId12"/>
+    <p:sldId id="269" r:id="rId13"/>
+    <p:sldId id="266" r:id="rId14"/>
+    <p:sldId id="270" r:id="rId15"/>
+    <p:sldId id="271" r:id="rId16"/>
+    <p:sldId id="272" r:id="rId17"/>
+    <p:sldId id="273" r:id="rId18"/>
+    <p:sldId id="274" r:id="rId19"/>
+    <p:sldId id="275" r:id="rId20"/>
+    <p:sldId id="276" r:id="rId21"/>
+    <p:sldId id="277" r:id="rId22"/>
+    <p:sldId id="278" r:id="rId23"/>
   </p:sldIdLst>
   <p:sldSz cx="12192000" cy="6858000"/>
   <p:notesSz cx="6858000" cy="9144000"/>
@@ -114,6 +136,524 @@
 </p:presentation>
 </file>
 
+<file path=ppt/notesMasters/notesMaster1.xml><?xml version="1.0" encoding="utf-8"?>
+<p:notesMaster xmlns:a="http://schemas.openxmlformats.org/drawingml/2006/main" xmlns:r="http://schemas.openxmlformats.org/officeDocument/2006/relationships" xmlns:p="http://schemas.openxmlformats.org/presentationml/2006/main">
+  <p:cSld>
+    <p:bg>
+      <p:bgRef idx="1001">
+        <a:schemeClr val="bg1"/>
+      </p:bgRef>
+    </p:bg>
+    <p:spTree>
+      <p:nvGrpSpPr>
+        <p:cNvPr id="1" name=""/>
+        <p:cNvGrpSpPr/>
+        <p:nvPr/>
+      </p:nvGrpSpPr>
+      <p:grpSpPr>
+        <a:xfrm>
+          <a:off x="0" y="0"/>
+          <a:ext cx="0" cy="0"/>
+          <a:chOff x="0" y="0"/>
+          <a:chExt cx="0" cy="0"/>
+        </a:xfrm>
+      </p:grpSpPr>
+      <p:sp>
+        <p:nvSpPr>
+          <p:cNvPr id="2" name="页眉占位符 1"/>
+          <p:cNvSpPr>
+            <a:spLocks noGrp="1"/>
+          </p:cNvSpPr>
+          <p:nvPr>
+            <p:ph type="hdr" sz="quarter"/>
+          </p:nvPr>
+        </p:nvSpPr>
+        <p:spPr>
+          <a:xfrm>
+            <a:off x="0" y="0"/>
+            <a:ext cx="2971800" cy="458788"/>
+          </a:xfrm>
+          <a:prstGeom prst="rect">
+            <a:avLst/>
+          </a:prstGeom>
+        </p:spPr>
+        <p:txBody>
+          <a:bodyPr vert="horz" lIns="91440" tIns="45720" rIns="91440" bIns="45720" rtlCol="0"/>
+          <a:lstStyle>
+            <a:lvl1pPr algn="l">
+              <a:defRPr sz="1200"/>
+            </a:lvl1pPr>
+          </a:lstStyle>
+          <a:p>
+            <a:endParaRPr lang="en-US"/>
+          </a:p>
+        </p:txBody>
+      </p:sp>
+      <p:sp>
+        <p:nvSpPr>
+          <p:cNvPr id="3" name="日期占位符 2"/>
+          <p:cNvSpPr>
+            <a:spLocks noGrp="1"/>
+          </p:cNvSpPr>
+          <p:nvPr>
+            <p:ph type="dt" idx="1"/>
+          </p:nvPr>
+        </p:nvSpPr>
+        <p:spPr>
+          <a:xfrm>
+            <a:off x="3884613" y="0"/>
+            <a:ext cx="2971800" cy="458788"/>
+          </a:xfrm>
+          <a:prstGeom prst="rect">
+            <a:avLst/>
+          </a:prstGeom>
+        </p:spPr>
+        <p:txBody>
+          <a:bodyPr vert="horz" lIns="91440" tIns="45720" rIns="91440" bIns="45720" rtlCol="0"/>
+          <a:lstStyle>
+            <a:lvl1pPr algn="r">
+              <a:defRPr sz="1200"/>
+            </a:lvl1pPr>
+          </a:lstStyle>
+          <a:p>
+            <a:fld id="{E5E96972-8702-4646-9F75-00153E10148E}" type="datetimeFigureOut">
+              <a:rPr lang="en-US" smtClean="0"/>
+              <a:t>9/12/2018</a:t>
+            </a:fld>
+            <a:endParaRPr lang="en-US"/>
+          </a:p>
+        </p:txBody>
+      </p:sp>
+      <p:sp>
+        <p:nvSpPr>
+          <p:cNvPr id="4" name="幻灯片图像占位符 3"/>
+          <p:cNvSpPr>
+            <a:spLocks noGrp="1" noRot="1" noChangeAspect="1"/>
+          </p:cNvSpPr>
+          <p:nvPr>
+            <p:ph type="sldImg" idx="2"/>
+          </p:nvPr>
+        </p:nvSpPr>
+        <p:spPr>
+          <a:xfrm>
+            <a:off x="685800" y="1143000"/>
+            <a:ext cx="5486400" cy="3086100"/>
+          </a:xfrm>
+          <a:prstGeom prst="rect">
+            <a:avLst/>
+          </a:prstGeom>
+          <a:noFill/>
+          <a:ln w="12700">
+            <a:solidFill>
+              <a:prstClr val="black"/>
+            </a:solidFill>
+          </a:ln>
+        </p:spPr>
+        <p:txBody>
+          <a:bodyPr vert="horz" lIns="91440" tIns="45720" rIns="91440" bIns="45720" rtlCol="0" anchor="ctr"/>
+          <a:lstStyle/>
+          <a:p>
+            <a:endParaRPr lang="en-US"/>
+          </a:p>
+        </p:txBody>
+      </p:sp>
+      <p:sp>
+        <p:nvSpPr>
+          <p:cNvPr id="5" name="备注占位符 4"/>
+          <p:cNvSpPr>
+            <a:spLocks noGrp="1"/>
+          </p:cNvSpPr>
+          <p:nvPr>
+            <p:ph type="body" sz="quarter" idx="3"/>
+          </p:nvPr>
+        </p:nvSpPr>
+        <p:spPr>
+          <a:xfrm>
+            <a:off x="685800" y="4400550"/>
+            <a:ext cx="5486400" cy="3600450"/>
+          </a:xfrm>
+          <a:prstGeom prst="rect">
+            <a:avLst/>
+          </a:prstGeom>
+        </p:spPr>
+        <p:txBody>
+          <a:bodyPr vert="horz" lIns="91440" tIns="45720" rIns="91440" bIns="45720" rtlCol="0"/>
+          <a:lstStyle/>
+          <a:p>
+            <a:pPr lvl="0"/>
+            <a:r>
+              <a:rPr lang="zh-CN" altLang="en-US"/>
+              <a:t>编辑母版文本样式</a:t>
+            </a:r>
+          </a:p>
+          <a:p>
+            <a:pPr lvl="1"/>
+            <a:r>
+              <a:rPr lang="zh-CN" altLang="en-US"/>
+              <a:t>第二级</a:t>
+            </a:r>
+          </a:p>
+          <a:p>
+            <a:pPr lvl="2"/>
+            <a:r>
+              <a:rPr lang="zh-CN" altLang="en-US"/>
+              <a:t>第三级</a:t>
+            </a:r>
+          </a:p>
+          <a:p>
+            <a:pPr lvl="3"/>
+            <a:r>
+              <a:rPr lang="zh-CN" altLang="en-US"/>
+              <a:t>第四级</a:t>
+            </a:r>
+          </a:p>
+          <a:p>
+            <a:pPr lvl="4"/>
+            <a:r>
+              <a:rPr lang="zh-CN" altLang="en-US"/>
+              <a:t>第五级</a:t>
+            </a:r>
+            <a:endParaRPr lang="en-US"/>
+          </a:p>
+        </p:txBody>
+      </p:sp>
+      <p:sp>
+        <p:nvSpPr>
+          <p:cNvPr id="6" name="页脚占位符 5"/>
+          <p:cNvSpPr>
+            <a:spLocks noGrp="1"/>
+          </p:cNvSpPr>
+          <p:nvPr>
+            <p:ph type="ftr" sz="quarter" idx="4"/>
+          </p:nvPr>
+        </p:nvSpPr>
+        <p:spPr>
+          <a:xfrm>
+            <a:off x="0" y="8685213"/>
+            <a:ext cx="2971800" cy="458787"/>
+          </a:xfrm>
+          <a:prstGeom prst="rect">
+            <a:avLst/>
+          </a:prstGeom>
+        </p:spPr>
+        <p:txBody>
+          <a:bodyPr vert="horz" lIns="91440" tIns="45720" rIns="91440" bIns="45720" rtlCol="0" anchor="b"/>
+          <a:lstStyle>
+            <a:lvl1pPr algn="l">
+              <a:defRPr sz="1200"/>
+            </a:lvl1pPr>
+          </a:lstStyle>
+          <a:p>
+            <a:endParaRPr lang="en-US"/>
+          </a:p>
+        </p:txBody>
+      </p:sp>
+      <p:sp>
+        <p:nvSpPr>
+          <p:cNvPr id="7" name="灯片编号占位符 6"/>
+          <p:cNvSpPr>
+            <a:spLocks noGrp="1"/>
+          </p:cNvSpPr>
+          <p:nvPr>
+            <p:ph type="sldNum" sz="quarter" idx="5"/>
+          </p:nvPr>
+        </p:nvSpPr>
+        <p:spPr>
+          <a:xfrm>
+            <a:off x="3884613" y="8685213"/>
+            <a:ext cx="2971800" cy="458787"/>
+          </a:xfrm>
+          <a:prstGeom prst="rect">
+            <a:avLst/>
+          </a:prstGeom>
+        </p:spPr>
+        <p:txBody>
+          <a:bodyPr vert="horz" lIns="91440" tIns="45720" rIns="91440" bIns="45720" rtlCol="0" anchor="b"/>
+          <a:lstStyle>
+            <a:lvl1pPr algn="r">
+              <a:defRPr sz="1200"/>
+            </a:lvl1pPr>
+          </a:lstStyle>
+          <a:p>
+            <a:fld id="{81836B0C-5CC5-4BEA-B307-26422E26E756}" type="slidenum">
+              <a:rPr lang="en-US" smtClean="0"/>
+              <a:t>‹#›</a:t>
+            </a:fld>
+            <a:endParaRPr lang="en-US"/>
+          </a:p>
+        </p:txBody>
+      </p:sp>
+    </p:spTree>
+    <p:extLst>
+      <p:ext uri="{BB962C8B-B14F-4D97-AF65-F5344CB8AC3E}">
+        <p14:creationId xmlns:p14="http://schemas.microsoft.com/office/powerpoint/2010/main" val="2191126910"/>
+      </p:ext>
+    </p:extLst>
+  </p:cSld>
+  <p:clrMap bg1="lt1" tx1="dk1" bg2="lt2" tx2="dk2" accent1="accent1" accent2="accent2" accent3="accent3" accent4="accent4" accent5="accent5" accent6="accent6" hlink="hlink" folHlink="folHlink"/>
+  <p:notesStyle>
+    <a:lvl1pPr marL="0" algn="l" defTabSz="914400" rtl="0" eaLnBrk="1" latinLnBrk="0" hangingPunct="1">
+      <a:defRPr sz="1200" kern="1200">
+        <a:solidFill>
+          <a:schemeClr val="tx1"/>
+        </a:solidFill>
+        <a:latin typeface="+mn-lt"/>
+        <a:ea typeface="+mn-ea"/>
+        <a:cs typeface="+mn-cs"/>
+      </a:defRPr>
+    </a:lvl1pPr>
+    <a:lvl2pPr marL="457200" algn="l" defTabSz="914400" rtl="0" eaLnBrk="1" latinLnBrk="0" hangingPunct="1">
+      <a:defRPr sz="1200" kern="1200">
+        <a:solidFill>
+          <a:schemeClr val="tx1"/>
+        </a:solidFill>
+        <a:latin typeface="+mn-lt"/>
+        <a:ea typeface="+mn-ea"/>
+        <a:cs typeface="+mn-cs"/>
+      </a:defRPr>
+    </a:lvl2pPr>
+    <a:lvl3pPr marL="914400" algn="l" defTabSz="914400" rtl="0" eaLnBrk="1" latinLnBrk="0" hangingPunct="1">
+      <a:defRPr sz="1200" kern="1200">
+        <a:solidFill>
+          <a:schemeClr val="tx1"/>
+        </a:solidFill>
+        <a:latin typeface="+mn-lt"/>
+        <a:ea typeface="+mn-ea"/>
+        <a:cs typeface="+mn-cs"/>
+      </a:defRPr>
+    </a:lvl3pPr>
+    <a:lvl4pPr marL="1371600" algn="l" defTabSz="914400" rtl="0" eaLnBrk="1" latinLnBrk="0" hangingPunct="1">
+      <a:defRPr sz="1200" kern="1200">
+        <a:solidFill>
+          <a:schemeClr val="tx1"/>
+        </a:solidFill>
+        <a:latin typeface="+mn-lt"/>
+        <a:ea typeface="+mn-ea"/>
+        <a:cs typeface="+mn-cs"/>
+      </a:defRPr>
+    </a:lvl4pPr>
+    <a:lvl5pPr marL="1828800" algn="l" defTabSz="914400" rtl="0" eaLnBrk="1" latinLnBrk="0" hangingPunct="1">
+      <a:defRPr sz="1200" kern="1200">
+        <a:solidFill>
+          <a:schemeClr val="tx1"/>
+        </a:solidFill>
+        <a:latin typeface="+mn-lt"/>
+        <a:ea typeface="+mn-ea"/>
+        <a:cs typeface="+mn-cs"/>
+      </a:defRPr>
+    </a:lvl5pPr>
+    <a:lvl6pPr marL="2286000" algn="l" defTabSz="914400" rtl="0" eaLnBrk="1" latinLnBrk="0" hangingPunct="1">
+      <a:defRPr sz="1200" kern="1200">
+        <a:solidFill>
+          <a:schemeClr val="tx1"/>
+        </a:solidFill>
+        <a:latin typeface="+mn-lt"/>
+        <a:ea typeface="+mn-ea"/>
+        <a:cs typeface="+mn-cs"/>
+      </a:defRPr>
+    </a:lvl6pPr>
+    <a:lvl7pPr marL="2743200" algn="l" defTabSz="914400" rtl="0" eaLnBrk="1" latinLnBrk="0" hangingPunct="1">
+      <a:defRPr sz="1200" kern="1200">
+        <a:solidFill>
+          <a:schemeClr val="tx1"/>
+        </a:solidFill>
+        <a:latin typeface="+mn-lt"/>
+        <a:ea typeface="+mn-ea"/>
+        <a:cs typeface="+mn-cs"/>
+      </a:defRPr>
+    </a:lvl7pPr>
+    <a:lvl8pPr marL="3200400" algn="l" defTabSz="914400" rtl="0" eaLnBrk="1" latinLnBrk="0" hangingPunct="1">
+      <a:defRPr sz="1200" kern="1200">
+        <a:solidFill>
+          <a:schemeClr val="tx1"/>
+        </a:solidFill>
+        <a:latin typeface="+mn-lt"/>
+        <a:ea typeface="+mn-ea"/>
+        <a:cs typeface="+mn-cs"/>
+      </a:defRPr>
+    </a:lvl8pPr>
+    <a:lvl9pPr marL="3657600" algn="l" defTabSz="914400" rtl="0" eaLnBrk="1" latinLnBrk="0" hangingPunct="1">
+      <a:defRPr sz="1200" kern="1200">
+        <a:solidFill>
+          <a:schemeClr val="tx1"/>
+        </a:solidFill>
+        <a:latin typeface="+mn-lt"/>
+        <a:ea typeface="+mn-ea"/>
+        <a:cs typeface="+mn-cs"/>
+      </a:defRPr>
+    </a:lvl9pPr>
+  </p:notesStyle>
+</p:notesMaster>
+</file>
+
+<file path=ppt/notesSlides/notesSlide1.xml><?xml version="1.0" encoding="utf-8"?>
+<p:notes xmlns:a="http://schemas.openxmlformats.org/drawingml/2006/main" xmlns:r="http://schemas.openxmlformats.org/officeDocument/2006/relationships" xmlns:p="http://schemas.openxmlformats.org/presentationml/2006/main">
+  <p:cSld>
+    <p:spTree>
+      <p:nvGrpSpPr>
+        <p:cNvPr id="1" name=""/>
+        <p:cNvGrpSpPr/>
+        <p:nvPr/>
+      </p:nvGrpSpPr>
+      <p:grpSpPr>
+        <a:xfrm>
+          <a:off x="0" y="0"/>
+          <a:ext cx="0" cy="0"/>
+          <a:chOff x="0" y="0"/>
+          <a:chExt cx="0" cy="0"/>
+        </a:xfrm>
+      </p:grpSpPr>
+      <p:sp>
+        <p:nvSpPr>
+          <p:cNvPr id="2" name="幻灯片图像占位符 1"/>
+          <p:cNvSpPr>
+            <a:spLocks noGrp="1" noRot="1" noChangeAspect="1"/>
+          </p:cNvSpPr>
+          <p:nvPr>
+            <p:ph type="sldImg"/>
+          </p:nvPr>
+        </p:nvSpPr>
+        <p:spPr/>
+      </p:sp>
+      <p:sp>
+        <p:nvSpPr>
+          <p:cNvPr id="3" name="备注占位符 2"/>
+          <p:cNvSpPr>
+            <a:spLocks noGrp="1"/>
+          </p:cNvSpPr>
+          <p:nvPr>
+            <p:ph type="body" idx="1"/>
+          </p:nvPr>
+        </p:nvSpPr>
+        <p:spPr/>
+        <p:txBody>
+          <a:bodyPr/>
+          <a:lstStyle/>
+          <a:p>
+            <a:endParaRPr lang="en-US" dirty="0"/>
+          </a:p>
+        </p:txBody>
+      </p:sp>
+      <p:sp>
+        <p:nvSpPr>
+          <p:cNvPr id="4" name="灯片编号占位符 3"/>
+          <p:cNvSpPr>
+            <a:spLocks noGrp="1"/>
+          </p:cNvSpPr>
+          <p:nvPr>
+            <p:ph type="sldNum" sz="quarter" idx="10"/>
+          </p:nvPr>
+        </p:nvSpPr>
+        <p:spPr/>
+        <p:txBody>
+          <a:bodyPr/>
+          <a:lstStyle/>
+          <a:p>
+            <a:fld id="{81836B0C-5CC5-4BEA-B307-26422E26E756}" type="slidenum">
+              <a:rPr lang="en-US" smtClean="0"/>
+              <a:t>8</a:t>
+            </a:fld>
+            <a:endParaRPr lang="en-US"/>
+          </a:p>
+        </p:txBody>
+      </p:sp>
+    </p:spTree>
+    <p:extLst>
+      <p:ext uri="{BB962C8B-B14F-4D97-AF65-F5344CB8AC3E}">
+        <p14:creationId xmlns:p14="http://schemas.microsoft.com/office/powerpoint/2010/main" val="1535347879"/>
+      </p:ext>
+    </p:extLst>
+  </p:cSld>
+  <p:clrMapOvr>
+    <a:masterClrMapping/>
+  </p:clrMapOvr>
+</p:notes>
+</file>
+
+<file path=ppt/notesSlides/notesSlide2.xml><?xml version="1.0" encoding="utf-8"?>
+<p:notes xmlns:a="http://schemas.openxmlformats.org/drawingml/2006/main" xmlns:r="http://schemas.openxmlformats.org/officeDocument/2006/relationships" xmlns:p="http://schemas.openxmlformats.org/presentationml/2006/main">
+  <p:cSld>
+    <p:spTree>
+      <p:nvGrpSpPr>
+        <p:cNvPr id="1" name=""/>
+        <p:cNvGrpSpPr/>
+        <p:nvPr/>
+      </p:nvGrpSpPr>
+      <p:grpSpPr>
+        <a:xfrm>
+          <a:off x="0" y="0"/>
+          <a:ext cx="0" cy="0"/>
+          <a:chOff x="0" y="0"/>
+          <a:chExt cx="0" cy="0"/>
+        </a:xfrm>
+      </p:grpSpPr>
+      <p:sp>
+        <p:nvSpPr>
+          <p:cNvPr id="2" name="幻灯片图像占位符 1"/>
+          <p:cNvSpPr>
+            <a:spLocks noGrp="1" noRot="1" noChangeAspect="1"/>
+          </p:cNvSpPr>
+          <p:nvPr>
+            <p:ph type="sldImg"/>
+          </p:nvPr>
+        </p:nvSpPr>
+        <p:spPr/>
+      </p:sp>
+      <p:sp>
+        <p:nvSpPr>
+          <p:cNvPr id="3" name="备注占位符 2"/>
+          <p:cNvSpPr>
+            <a:spLocks noGrp="1"/>
+          </p:cNvSpPr>
+          <p:nvPr>
+            <p:ph type="body" idx="1"/>
+          </p:nvPr>
+        </p:nvSpPr>
+        <p:spPr/>
+        <p:txBody>
+          <a:bodyPr/>
+          <a:lstStyle/>
+          <a:p>
+            <a:endParaRPr lang="en-US" dirty="0"/>
+          </a:p>
+        </p:txBody>
+      </p:sp>
+      <p:sp>
+        <p:nvSpPr>
+          <p:cNvPr id="4" name="灯片编号占位符 3"/>
+          <p:cNvSpPr>
+            <a:spLocks noGrp="1"/>
+          </p:cNvSpPr>
+          <p:nvPr>
+            <p:ph type="sldNum" sz="quarter" idx="10"/>
+          </p:nvPr>
+        </p:nvSpPr>
+        <p:spPr/>
+        <p:txBody>
+          <a:bodyPr/>
+          <a:lstStyle/>
+          <a:p>
+            <a:fld id="{81836B0C-5CC5-4BEA-B307-26422E26E756}" type="slidenum">
+              <a:rPr lang="en-US" smtClean="0"/>
+              <a:t>19</a:t>
+            </a:fld>
+            <a:endParaRPr lang="en-US"/>
+          </a:p>
+        </p:txBody>
+      </p:sp>
+    </p:spTree>
+    <p:extLst>
+      <p:ext uri="{BB962C8B-B14F-4D97-AF65-F5344CB8AC3E}">
+        <p14:creationId xmlns:p14="http://schemas.microsoft.com/office/powerpoint/2010/main" val="4114057641"/>
+      </p:ext>
+    </p:extLst>
+  </p:cSld>
+  <p:clrMapOvr>
+    <a:masterClrMapping/>
+  </p:clrMapOvr>
+</p:notes>
+</file>
+
 <file path=ppt/slideLayouts/slideLayout1.xml><?xml version="1.0" encoding="utf-8"?>
 <p:sldLayout xmlns:a="http://schemas.openxmlformats.org/drawingml/2006/main" xmlns:r="http://schemas.openxmlformats.org/officeDocument/2006/relationships" xmlns:p="http://schemas.openxmlformats.org/presentationml/2006/main" type="title" preserve="1">
   <p:cSld name="标题幻灯片">
@@ -263,7 +803,7 @@
           <a:p>
             <a:fld id="{69FFDFE3-C991-43AD-9AA8-FD6407378F06}" type="datetimeFigureOut">
               <a:rPr lang="en-US" smtClean="0"/>
-              <a:t>9/11/2018</a:t>
+              <a:t>9/12/2018</a:t>
             </a:fld>
             <a:endParaRPr lang="en-US"/>
           </a:p>
@@ -463,7 +1003,7 @@
           <a:p>
             <a:fld id="{69FFDFE3-C991-43AD-9AA8-FD6407378F06}" type="datetimeFigureOut">
               <a:rPr lang="en-US" smtClean="0"/>
-              <a:t>9/11/2018</a:t>
+              <a:t>9/12/2018</a:t>
             </a:fld>
             <a:endParaRPr lang="en-US"/>
           </a:p>
@@ -673,7 +1213,7 @@
           <a:p>
             <a:fld id="{69FFDFE3-C991-43AD-9AA8-FD6407378F06}" type="datetimeFigureOut">
               <a:rPr lang="en-US" smtClean="0"/>
-              <a:t>9/11/2018</a:t>
+              <a:t>9/12/2018</a:t>
             </a:fld>
             <a:endParaRPr lang="en-US"/>
           </a:p>
@@ -873,7 +1413,7 @@
           <a:p>
             <a:fld id="{69FFDFE3-C991-43AD-9AA8-FD6407378F06}" type="datetimeFigureOut">
               <a:rPr lang="en-US" smtClean="0"/>
-              <a:t>9/11/2018</a:t>
+              <a:t>9/12/2018</a:t>
             </a:fld>
             <a:endParaRPr lang="en-US"/>
           </a:p>
@@ -1149,7 +1689,7 @@
           <a:p>
             <a:fld id="{69FFDFE3-C991-43AD-9AA8-FD6407378F06}" type="datetimeFigureOut">
               <a:rPr lang="en-US" smtClean="0"/>
-              <a:t>9/11/2018</a:t>
+              <a:t>9/12/2018</a:t>
             </a:fld>
             <a:endParaRPr lang="en-US"/>
           </a:p>
@@ -1417,7 +1957,7 @@
           <a:p>
             <a:fld id="{69FFDFE3-C991-43AD-9AA8-FD6407378F06}" type="datetimeFigureOut">
               <a:rPr lang="en-US" smtClean="0"/>
-              <a:t>9/11/2018</a:t>
+              <a:t>9/12/2018</a:t>
             </a:fld>
             <a:endParaRPr lang="en-US"/>
           </a:p>
@@ -1832,7 +2372,7 @@
           <a:p>
             <a:fld id="{69FFDFE3-C991-43AD-9AA8-FD6407378F06}" type="datetimeFigureOut">
               <a:rPr lang="en-US" smtClean="0"/>
-              <a:t>9/11/2018</a:t>
+              <a:t>9/12/2018</a:t>
             </a:fld>
             <a:endParaRPr lang="en-US"/>
           </a:p>
@@ -1974,7 +2514,7 @@
           <a:p>
             <a:fld id="{69FFDFE3-C991-43AD-9AA8-FD6407378F06}" type="datetimeFigureOut">
               <a:rPr lang="en-US" smtClean="0"/>
-              <a:t>9/11/2018</a:t>
+              <a:t>9/12/2018</a:t>
             </a:fld>
             <a:endParaRPr lang="en-US"/>
           </a:p>
@@ -2087,7 +2627,7 @@
           <a:p>
             <a:fld id="{69FFDFE3-C991-43AD-9AA8-FD6407378F06}" type="datetimeFigureOut">
               <a:rPr lang="en-US" smtClean="0"/>
-              <a:t>9/11/2018</a:t>
+              <a:t>9/12/2018</a:t>
             </a:fld>
             <a:endParaRPr lang="en-US"/>
           </a:p>
@@ -2400,7 +2940,7 @@
           <a:p>
             <a:fld id="{69FFDFE3-C991-43AD-9AA8-FD6407378F06}" type="datetimeFigureOut">
               <a:rPr lang="en-US" smtClean="0"/>
-              <a:t>9/11/2018</a:t>
+              <a:t>9/12/2018</a:t>
             </a:fld>
             <a:endParaRPr lang="en-US"/>
           </a:p>
@@ -2689,7 +3229,7 @@
           <a:p>
             <a:fld id="{69FFDFE3-C991-43AD-9AA8-FD6407378F06}" type="datetimeFigureOut">
               <a:rPr lang="en-US" smtClean="0"/>
-              <a:t>9/11/2018</a:t>
+              <a:t>9/12/2018</a:t>
             </a:fld>
             <a:endParaRPr lang="en-US"/>
           </a:p>
@@ -2932,7 +3472,7 @@
           <a:p>
             <a:fld id="{69FFDFE3-C991-43AD-9AA8-FD6407378F06}" type="datetimeFigureOut">
               <a:rPr lang="en-US" smtClean="0"/>
-              <a:t>9/11/2018</a:t>
+              <a:t>9/12/2018</a:t>
             </a:fld>
             <a:endParaRPr lang="en-US"/>
           </a:p>
@@ -3436,6 +3976,1650 @@
 </p:sld>
 </file>
 
+<file path=ppt/slides/slide10.xml><?xml version="1.0" encoding="utf-8"?>
+<p:sld xmlns:a="http://schemas.openxmlformats.org/drawingml/2006/main" xmlns:r="http://schemas.openxmlformats.org/officeDocument/2006/relationships" xmlns:p="http://schemas.openxmlformats.org/presentationml/2006/main">
+  <p:cSld>
+    <p:spTree>
+      <p:nvGrpSpPr>
+        <p:cNvPr id="1" name=""/>
+        <p:cNvGrpSpPr/>
+        <p:nvPr/>
+      </p:nvGrpSpPr>
+      <p:grpSpPr>
+        <a:xfrm>
+          <a:off x="0" y="0"/>
+          <a:ext cx="0" cy="0"/>
+          <a:chOff x="0" y="0"/>
+          <a:chExt cx="0" cy="0"/>
+        </a:xfrm>
+      </p:grpSpPr>
+      <p:sp>
+        <p:nvSpPr>
+          <p:cNvPr id="2" name="标题 1">
+            <a:extLst>
+              <a:ext uri="{FF2B5EF4-FFF2-40B4-BE49-F238E27FC236}">
+                <a16:creationId xmlns:a16="http://schemas.microsoft.com/office/drawing/2014/main" id="{8C4C6123-2BAB-4BD7-946F-CE55291FC5F6}"/>
+              </a:ext>
+            </a:extLst>
+          </p:cNvPr>
+          <p:cNvSpPr>
+            <a:spLocks noGrp="1"/>
+          </p:cNvSpPr>
+          <p:nvPr>
+            <p:ph type="title"/>
+          </p:nvPr>
+        </p:nvSpPr>
+        <p:spPr/>
+        <p:txBody>
+          <a:bodyPr/>
+          <a:lstStyle/>
+          <a:p>
+            <a:r>
+              <a:rPr lang="en-US" dirty="0"/>
+              <a:t>HTML5 – Complex usages</a:t>
+            </a:r>
+          </a:p>
+        </p:txBody>
+      </p:sp>
+      <p:sp>
+        <p:nvSpPr>
+          <p:cNvPr id="3" name="内容占位符 2">
+            <a:extLst>
+              <a:ext uri="{FF2B5EF4-FFF2-40B4-BE49-F238E27FC236}">
+                <a16:creationId xmlns:a16="http://schemas.microsoft.com/office/drawing/2014/main" id="{6703E766-1D29-46AA-B1F0-CA8BFF479C99}"/>
+              </a:ext>
+            </a:extLst>
+          </p:cNvPr>
+          <p:cNvSpPr>
+            <a:spLocks noGrp="1"/>
+          </p:cNvSpPr>
+          <p:nvPr>
+            <p:ph idx="1"/>
+          </p:nvPr>
+        </p:nvSpPr>
+        <p:spPr/>
+        <p:txBody>
+          <a:bodyPr/>
+          <a:lstStyle/>
+          <a:p>
+            <a:r>
+              <a:rPr lang="en-US" dirty="0"/>
+              <a:t>A list </a:t>
+            </a:r>
+            <a:r>
+              <a:rPr lang="zh-CN" altLang="en-US" dirty="0"/>
+              <a:t>列表</a:t>
+            </a:r>
+            <a:endParaRPr lang="en-US" dirty="0"/>
+          </a:p>
+          <a:p>
+            <a:pPr marL="0" indent="0">
+              <a:buNone/>
+            </a:pPr>
+            <a:r>
+              <a:rPr lang="en-US" dirty="0"/>
+              <a:t>&lt;ul&gt;</a:t>
+            </a:r>
+          </a:p>
+          <a:p>
+            <a:pPr marL="0" indent="0">
+              <a:buNone/>
+            </a:pPr>
+            <a:r>
+              <a:rPr lang="en-US" dirty="0"/>
+              <a:t>	&lt;li&gt;</a:t>
+            </a:r>
+            <a:r>
+              <a:rPr lang="zh-CN" altLang="en-US" dirty="0"/>
+              <a:t>  </a:t>
+            </a:r>
+            <a:r>
+              <a:rPr lang="en-US" altLang="zh-CN" dirty="0"/>
+              <a:t>&lt;a </a:t>
+            </a:r>
+            <a:r>
+              <a:rPr lang="en-US" altLang="zh-CN" dirty="0" err="1"/>
+              <a:t>href</a:t>
+            </a:r>
+            <a:r>
+              <a:rPr lang="en-US" altLang="zh-CN" dirty="0"/>
+              <a:t>=“https://www.baidu.com”&gt;</a:t>
+            </a:r>
+            <a:r>
+              <a:rPr lang="zh-CN" altLang="en-US" dirty="0"/>
+              <a:t>百度</a:t>
+            </a:r>
+            <a:r>
+              <a:rPr lang="en-US" altLang="zh-CN" dirty="0"/>
+              <a:t>&lt;/a&gt;  &lt;/li&gt;</a:t>
+            </a:r>
+          </a:p>
+          <a:p>
+            <a:pPr marL="0" indent="0">
+              <a:buNone/>
+            </a:pPr>
+            <a:r>
+              <a:rPr lang="en-US" dirty="0"/>
+              <a:t>	&lt;li&gt; </a:t>
+            </a:r>
+            <a:r>
+              <a:rPr lang="en-US" altLang="zh-CN" dirty="0"/>
+              <a:t>&lt;a </a:t>
+            </a:r>
+            <a:r>
+              <a:rPr lang="en-US" altLang="zh-CN" dirty="0" err="1"/>
+              <a:t>href</a:t>
+            </a:r>
+            <a:r>
+              <a:rPr lang="en-US" altLang="zh-CN" dirty="0"/>
+              <a:t>=“https://www.google.com.hk”&gt;Google&lt;/a&gt;  &lt;/li&gt;</a:t>
+            </a:r>
+            <a:endParaRPr lang="en-US" dirty="0"/>
+          </a:p>
+          <a:p>
+            <a:pPr marL="0" indent="0">
+              <a:buNone/>
+            </a:pPr>
+            <a:r>
+              <a:rPr lang="en-US" dirty="0"/>
+              <a:t>	&lt;li&gt; </a:t>
+            </a:r>
+            <a:r>
+              <a:rPr lang="en-US" altLang="zh-CN" dirty="0"/>
+              <a:t>&lt;a </a:t>
+            </a:r>
+            <a:r>
+              <a:rPr lang="en-US" altLang="zh-CN" dirty="0" err="1"/>
+              <a:t>href</a:t>
+            </a:r>
+            <a:r>
+              <a:rPr lang="en-US" altLang="zh-CN" dirty="0"/>
+              <a:t>=“https://github.com”&gt;</a:t>
+            </a:r>
+            <a:r>
+              <a:rPr lang="en-US" altLang="zh-CN" dirty="0" err="1"/>
+              <a:t>Github</a:t>
+            </a:r>
+            <a:r>
+              <a:rPr lang="en-US" altLang="zh-CN" dirty="0"/>
+              <a:t>&lt;/a&gt;  &lt;/li&gt;</a:t>
+            </a:r>
+            <a:endParaRPr lang="en-US" dirty="0"/>
+          </a:p>
+          <a:p>
+            <a:pPr marL="0" indent="0">
+              <a:buNone/>
+            </a:pPr>
+            <a:r>
+              <a:rPr lang="en-US" dirty="0"/>
+              <a:t>&lt;/ul&gt;</a:t>
+            </a:r>
+          </a:p>
+        </p:txBody>
+      </p:sp>
+    </p:spTree>
+    <p:extLst>
+      <p:ext uri="{BB962C8B-B14F-4D97-AF65-F5344CB8AC3E}">
+        <p14:creationId xmlns:p14="http://schemas.microsoft.com/office/powerpoint/2010/main" val="1660509393"/>
+      </p:ext>
+    </p:extLst>
+  </p:cSld>
+  <p:clrMapOvr>
+    <a:masterClrMapping/>
+  </p:clrMapOvr>
+</p:sld>
+</file>
+
+<file path=ppt/slides/slide11.xml><?xml version="1.0" encoding="utf-8"?>
+<p:sld xmlns:a="http://schemas.openxmlformats.org/drawingml/2006/main" xmlns:r="http://schemas.openxmlformats.org/officeDocument/2006/relationships" xmlns:p="http://schemas.openxmlformats.org/presentationml/2006/main">
+  <p:cSld>
+    <p:spTree>
+      <p:nvGrpSpPr>
+        <p:cNvPr id="1" name=""/>
+        <p:cNvGrpSpPr/>
+        <p:nvPr/>
+      </p:nvGrpSpPr>
+      <p:grpSpPr>
+        <a:xfrm>
+          <a:off x="0" y="0"/>
+          <a:ext cx="0" cy="0"/>
+          <a:chOff x="0" y="0"/>
+          <a:chExt cx="0" cy="0"/>
+        </a:xfrm>
+      </p:grpSpPr>
+      <p:sp>
+        <p:nvSpPr>
+          <p:cNvPr id="2" name="标题 1">
+            <a:extLst>
+              <a:ext uri="{FF2B5EF4-FFF2-40B4-BE49-F238E27FC236}">
+                <a16:creationId xmlns:a16="http://schemas.microsoft.com/office/drawing/2014/main" id="{8C4C6123-2BAB-4BD7-946F-CE55291FC5F6}"/>
+              </a:ext>
+            </a:extLst>
+          </p:cNvPr>
+          <p:cNvSpPr>
+            <a:spLocks noGrp="1"/>
+          </p:cNvSpPr>
+          <p:nvPr>
+            <p:ph type="title"/>
+          </p:nvPr>
+        </p:nvSpPr>
+        <p:spPr/>
+        <p:txBody>
+          <a:bodyPr/>
+          <a:lstStyle/>
+          <a:p>
+            <a:r>
+              <a:rPr lang="en-US" dirty="0"/>
+              <a:t>HTML5 – Complex usages</a:t>
+            </a:r>
+          </a:p>
+        </p:txBody>
+      </p:sp>
+      <p:sp>
+        <p:nvSpPr>
+          <p:cNvPr id="3" name="内容占位符 2">
+            <a:extLst>
+              <a:ext uri="{FF2B5EF4-FFF2-40B4-BE49-F238E27FC236}">
+                <a16:creationId xmlns:a16="http://schemas.microsoft.com/office/drawing/2014/main" id="{6703E766-1D29-46AA-B1F0-CA8BFF479C99}"/>
+              </a:ext>
+            </a:extLst>
+          </p:cNvPr>
+          <p:cNvSpPr>
+            <a:spLocks noGrp="1"/>
+          </p:cNvSpPr>
+          <p:nvPr>
+            <p:ph idx="1"/>
+          </p:nvPr>
+        </p:nvSpPr>
+        <p:spPr/>
+        <p:txBody>
+          <a:bodyPr>
+            <a:normAutofit fontScale="85000" lnSpcReduction="20000"/>
+          </a:bodyPr>
+          <a:lstStyle/>
+          <a:p>
+            <a:r>
+              <a:rPr lang="en-US" dirty="0"/>
+              <a:t>A table </a:t>
+            </a:r>
+            <a:r>
+              <a:rPr lang="zh-CN" altLang="en-US" dirty="0"/>
+              <a:t>表格 （</a:t>
+            </a:r>
+            <a:r>
+              <a:rPr lang="en-US" altLang="zh-CN" dirty="0"/>
+              <a:t>tr:</a:t>
+            </a:r>
+            <a:r>
+              <a:rPr lang="zh-CN" altLang="en-US" dirty="0"/>
+              <a:t> </a:t>
+            </a:r>
+            <a:r>
+              <a:rPr lang="en-US" altLang="zh-CN" dirty="0"/>
+              <a:t>table</a:t>
+            </a:r>
+            <a:r>
+              <a:rPr lang="zh-CN" altLang="en-US" dirty="0"/>
+              <a:t> </a:t>
+            </a:r>
+            <a:r>
+              <a:rPr lang="en-US" altLang="zh-CN" dirty="0"/>
+              <a:t>row;</a:t>
+            </a:r>
+            <a:r>
+              <a:rPr lang="zh-CN" altLang="en-US" dirty="0"/>
+              <a:t> </a:t>
+            </a:r>
+            <a:r>
+              <a:rPr lang="en-US" altLang="zh-CN" dirty="0" err="1"/>
+              <a:t>th</a:t>
+            </a:r>
+            <a:r>
+              <a:rPr lang="en-US" altLang="zh-CN" dirty="0"/>
+              <a:t>:</a:t>
+            </a:r>
+            <a:r>
+              <a:rPr lang="zh-CN" altLang="en-US" dirty="0"/>
+              <a:t> </a:t>
+            </a:r>
+            <a:r>
+              <a:rPr lang="en-US" altLang="zh-CN" dirty="0"/>
+              <a:t>table</a:t>
+            </a:r>
+            <a:r>
+              <a:rPr lang="zh-CN" altLang="en-US" dirty="0"/>
+              <a:t> </a:t>
+            </a:r>
+            <a:r>
+              <a:rPr lang="en-US" altLang="zh-CN" dirty="0"/>
+              <a:t>head;</a:t>
+            </a:r>
+            <a:r>
+              <a:rPr lang="zh-CN" altLang="en-US" dirty="0"/>
+              <a:t> </a:t>
+            </a:r>
+            <a:r>
+              <a:rPr lang="en-US" altLang="zh-CN" dirty="0"/>
+              <a:t>td:</a:t>
+            </a:r>
+            <a:r>
+              <a:rPr lang="zh-CN" altLang="en-US" dirty="0"/>
+              <a:t> </a:t>
+            </a:r>
+            <a:r>
+              <a:rPr lang="en-US" altLang="zh-CN" dirty="0"/>
+              <a:t>table data cell </a:t>
+            </a:r>
+            <a:r>
+              <a:rPr lang="zh-CN" altLang="en-US" dirty="0"/>
+              <a:t>单元格</a:t>
+            </a:r>
+            <a:r>
+              <a:rPr lang="en-US" altLang="zh-CN" dirty="0"/>
+              <a:t>)</a:t>
+            </a:r>
+          </a:p>
+          <a:p>
+            <a:pPr marL="0" indent="0">
+              <a:buNone/>
+            </a:pPr>
+            <a:r>
+              <a:rPr lang="en-US" dirty="0"/>
+              <a:t>&lt;table border="1"&gt;</a:t>
+            </a:r>
+          </a:p>
+          <a:p>
+            <a:pPr marL="0" indent="0">
+              <a:buNone/>
+            </a:pPr>
+            <a:r>
+              <a:rPr lang="en-US" dirty="0"/>
+              <a:t>  &lt;tr&gt;</a:t>
+            </a:r>
+          </a:p>
+          <a:p>
+            <a:pPr marL="0" indent="0">
+              <a:buNone/>
+            </a:pPr>
+            <a:r>
+              <a:rPr lang="en-US" dirty="0"/>
+              <a:t>    &lt;</a:t>
+            </a:r>
+            <a:r>
+              <a:rPr lang="en-US" dirty="0" err="1"/>
+              <a:t>th</a:t>
+            </a:r>
+            <a:r>
+              <a:rPr lang="en-US" dirty="0"/>
+              <a:t>&gt;</a:t>
+            </a:r>
+            <a:r>
+              <a:rPr lang="en-US" dirty="0" err="1"/>
+              <a:t>月份</a:t>
+            </a:r>
+            <a:r>
+              <a:rPr lang="en-US" dirty="0"/>
+              <a:t>&lt;/</a:t>
+            </a:r>
+            <a:r>
+              <a:rPr lang="en-US" dirty="0" err="1"/>
+              <a:t>th</a:t>
+            </a:r>
+            <a:r>
+              <a:rPr lang="en-US" dirty="0"/>
+              <a:t>&gt;</a:t>
+            </a:r>
+          </a:p>
+          <a:p>
+            <a:pPr marL="0" indent="0">
+              <a:buNone/>
+            </a:pPr>
+            <a:r>
+              <a:rPr lang="en-US" dirty="0"/>
+              <a:t>    &lt;</a:t>
+            </a:r>
+            <a:r>
+              <a:rPr lang="en-US" dirty="0" err="1"/>
+              <a:t>th</a:t>
+            </a:r>
+            <a:r>
+              <a:rPr lang="en-US" dirty="0"/>
+              <a:t>&gt;</a:t>
+            </a:r>
+            <a:r>
+              <a:rPr lang="en-US" dirty="0" err="1"/>
+              <a:t>存款</a:t>
+            </a:r>
+            <a:r>
+              <a:rPr lang="en-US" dirty="0"/>
+              <a:t>&lt;/</a:t>
+            </a:r>
+            <a:r>
+              <a:rPr lang="en-US" dirty="0" err="1"/>
+              <a:t>th</a:t>
+            </a:r>
+            <a:r>
+              <a:rPr lang="en-US" dirty="0"/>
+              <a:t>&gt;</a:t>
+            </a:r>
+          </a:p>
+          <a:p>
+            <a:pPr marL="0" indent="0">
+              <a:buNone/>
+            </a:pPr>
+            <a:r>
+              <a:rPr lang="en-US" dirty="0"/>
+              <a:t>  &lt;/tr&gt;</a:t>
+            </a:r>
+          </a:p>
+          <a:p>
+            <a:pPr marL="0" indent="0">
+              <a:buNone/>
+            </a:pPr>
+            <a:r>
+              <a:rPr lang="en-US" dirty="0"/>
+              <a:t>  &lt;tr&gt;</a:t>
+            </a:r>
+          </a:p>
+          <a:p>
+            <a:pPr marL="0" indent="0">
+              <a:buNone/>
+            </a:pPr>
+            <a:r>
+              <a:rPr lang="en-US" dirty="0"/>
+              <a:t>    &lt;td&gt;</a:t>
+            </a:r>
+            <a:r>
+              <a:rPr lang="en-US" dirty="0" err="1"/>
+              <a:t>一月</a:t>
+            </a:r>
+            <a:r>
+              <a:rPr lang="en-US" dirty="0"/>
+              <a:t>&lt;/td&gt;</a:t>
+            </a:r>
+          </a:p>
+          <a:p>
+            <a:pPr marL="0" indent="0">
+              <a:buNone/>
+            </a:pPr>
+            <a:r>
+              <a:rPr lang="en-US" dirty="0"/>
+              <a:t>    &lt;td&gt;1000 元&lt;/td&gt;</a:t>
+            </a:r>
+          </a:p>
+          <a:p>
+            <a:pPr marL="0" indent="0">
+              <a:buNone/>
+            </a:pPr>
+            <a:r>
+              <a:rPr lang="en-US" dirty="0"/>
+              <a:t>  &lt;/tr&gt;</a:t>
+            </a:r>
+          </a:p>
+          <a:p>
+            <a:pPr marL="0" indent="0">
+              <a:buNone/>
+            </a:pPr>
+            <a:r>
+              <a:rPr lang="en-US" dirty="0"/>
+              <a:t>&lt;/table&gt;</a:t>
+            </a:r>
+          </a:p>
+        </p:txBody>
+      </p:sp>
+    </p:spTree>
+    <p:extLst>
+      <p:ext uri="{BB962C8B-B14F-4D97-AF65-F5344CB8AC3E}">
+        <p14:creationId xmlns:p14="http://schemas.microsoft.com/office/powerpoint/2010/main" val="1405365229"/>
+      </p:ext>
+    </p:extLst>
+  </p:cSld>
+  <p:clrMapOvr>
+    <a:masterClrMapping/>
+  </p:clrMapOvr>
+</p:sld>
+</file>
+
+<file path=ppt/slides/slide12.xml><?xml version="1.0" encoding="utf-8"?>
+<p:sld xmlns:a="http://schemas.openxmlformats.org/drawingml/2006/main" xmlns:r="http://schemas.openxmlformats.org/officeDocument/2006/relationships" xmlns:p="http://schemas.openxmlformats.org/presentationml/2006/main">
+  <p:cSld>
+    <p:spTree>
+      <p:nvGrpSpPr>
+        <p:cNvPr id="1" name=""/>
+        <p:cNvGrpSpPr/>
+        <p:nvPr/>
+      </p:nvGrpSpPr>
+      <p:grpSpPr>
+        <a:xfrm>
+          <a:off x="0" y="0"/>
+          <a:ext cx="0" cy="0"/>
+          <a:chOff x="0" y="0"/>
+          <a:chExt cx="0" cy="0"/>
+        </a:xfrm>
+      </p:grpSpPr>
+      <p:sp>
+        <p:nvSpPr>
+          <p:cNvPr id="2" name="标题 1">
+            <a:extLst>
+              <a:ext uri="{FF2B5EF4-FFF2-40B4-BE49-F238E27FC236}">
+                <a16:creationId xmlns:a16="http://schemas.microsoft.com/office/drawing/2014/main" id="{8C4C6123-2BAB-4BD7-946F-CE55291FC5F6}"/>
+              </a:ext>
+            </a:extLst>
+          </p:cNvPr>
+          <p:cNvSpPr>
+            <a:spLocks noGrp="1"/>
+          </p:cNvSpPr>
+          <p:nvPr>
+            <p:ph type="title"/>
+          </p:nvPr>
+        </p:nvSpPr>
+        <p:spPr/>
+        <p:txBody>
+          <a:bodyPr/>
+          <a:lstStyle/>
+          <a:p>
+            <a:r>
+              <a:rPr lang="en-US" dirty="0"/>
+              <a:t>HTML5 – Common attributions</a:t>
+            </a:r>
+          </a:p>
+        </p:txBody>
+      </p:sp>
+      <p:sp>
+        <p:nvSpPr>
+          <p:cNvPr id="3" name="内容占位符 2">
+            <a:extLst>
+              <a:ext uri="{FF2B5EF4-FFF2-40B4-BE49-F238E27FC236}">
+                <a16:creationId xmlns:a16="http://schemas.microsoft.com/office/drawing/2014/main" id="{6703E766-1D29-46AA-B1F0-CA8BFF479C99}"/>
+              </a:ext>
+            </a:extLst>
+          </p:cNvPr>
+          <p:cNvSpPr>
+            <a:spLocks noGrp="1"/>
+          </p:cNvSpPr>
+          <p:nvPr>
+            <p:ph idx="1"/>
+          </p:nvPr>
+        </p:nvSpPr>
+        <p:spPr/>
+        <p:txBody>
+          <a:bodyPr>
+            <a:normAutofit/>
+          </a:bodyPr>
+          <a:lstStyle/>
+          <a:p>
+            <a:r>
+              <a:rPr lang="en-US" dirty="0"/>
+              <a:t> id :</a:t>
+            </a:r>
+            <a:r>
+              <a:rPr lang="zh-CN" altLang="en-US" dirty="0"/>
+              <a:t>可以没有，但不能重复的一个属性。</a:t>
+            </a:r>
+            <a:endParaRPr lang="en-US" dirty="0"/>
+          </a:p>
+          <a:p>
+            <a:r>
+              <a:rPr lang="en-US" dirty="0"/>
+              <a:t> class </a:t>
+            </a:r>
+            <a:r>
+              <a:rPr lang="zh-CN" altLang="en-US" dirty="0"/>
+              <a:t>类：用于归类以方便设定样式。</a:t>
+            </a:r>
+            <a:endParaRPr lang="en-US" altLang="zh-CN" dirty="0"/>
+          </a:p>
+          <a:p>
+            <a:r>
+              <a:rPr lang="en-US" dirty="0"/>
+              <a:t> </a:t>
+            </a:r>
+            <a:r>
+              <a:rPr lang="en-US" altLang="zh-CN" dirty="0"/>
+              <a:t>style </a:t>
+            </a:r>
+            <a:r>
+              <a:rPr lang="zh-CN" altLang="en-US" dirty="0"/>
+              <a:t>样式：针对此模块特定的样式。</a:t>
+            </a:r>
+            <a:endParaRPr lang="en-US" altLang="zh-CN" dirty="0"/>
+          </a:p>
+          <a:p>
+            <a:r>
+              <a:rPr lang="en-US" dirty="0"/>
+              <a:t> </a:t>
+            </a:r>
+            <a:r>
+              <a:rPr lang="en-US" dirty="0" err="1"/>
+              <a:t>href</a:t>
+            </a:r>
+            <a:r>
+              <a:rPr lang="en-US" dirty="0"/>
+              <a:t> </a:t>
+            </a:r>
+            <a:r>
+              <a:rPr lang="zh-CN" altLang="en-US" dirty="0"/>
+              <a:t>引用：对于</a:t>
+            </a:r>
+            <a:r>
+              <a:rPr lang="en-US" altLang="zh-CN" dirty="0"/>
+              <a:t>a</a:t>
+            </a:r>
+            <a:r>
+              <a:rPr lang="zh-CN" altLang="en-US" dirty="0"/>
+              <a:t>（超链接），设定链接的地址。</a:t>
+            </a:r>
+            <a:endParaRPr lang="en-US" altLang="zh-CN" dirty="0"/>
+          </a:p>
+          <a:p>
+            <a:r>
+              <a:rPr lang="en-US" dirty="0"/>
+              <a:t> </a:t>
+            </a:r>
+            <a:r>
+              <a:rPr lang="en-US" altLang="zh-CN" dirty="0" err="1"/>
+              <a:t>src</a:t>
+            </a:r>
+            <a:r>
+              <a:rPr lang="en-US" altLang="zh-CN" dirty="0"/>
+              <a:t> </a:t>
+            </a:r>
+            <a:r>
+              <a:rPr lang="zh-CN" altLang="en-US" dirty="0"/>
+              <a:t>（</a:t>
+            </a:r>
+            <a:r>
+              <a:rPr lang="en-US" altLang="zh-CN" dirty="0"/>
+              <a:t>source</a:t>
+            </a:r>
+            <a:r>
+              <a:rPr lang="zh-CN" altLang="en-US" dirty="0"/>
+              <a:t>）来源： 对于图片</a:t>
+            </a:r>
+            <a:r>
+              <a:rPr lang="en-US" altLang="zh-CN" dirty="0" err="1"/>
+              <a:t>img</a:t>
+            </a:r>
+            <a:r>
+              <a:rPr lang="zh-CN" altLang="en-US" dirty="0"/>
+              <a:t>，视频</a:t>
+            </a:r>
+            <a:r>
+              <a:rPr lang="en-US" altLang="zh-CN" dirty="0"/>
+              <a:t>video</a:t>
+            </a:r>
+            <a:r>
+              <a:rPr lang="zh-CN" altLang="en-US" dirty="0"/>
+              <a:t>，样式表</a:t>
+            </a:r>
+            <a:r>
+              <a:rPr lang="en-US" altLang="zh-CN" dirty="0"/>
+              <a:t>style</a:t>
+            </a:r>
+            <a:r>
+              <a:rPr lang="zh-CN" altLang="en-US" dirty="0"/>
+              <a:t>等设定多媒体来源。</a:t>
+            </a:r>
+            <a:endParaRPr lang="en-US" altLang="zh-CN" dirty="0"/>
+          </a:p>
+          <a:p>
+            <a:r>
+              <a:rPr lang="en-US" dirty="0"/>
+              <a:t> type </a:t>
+            </a:r>
+            <a:r>
+              <a:rPr lang="zh-CN" altLang="en-US" dirty="0"/>
+              <a:t>类型</a:t>
+            </a:r>
+            <a:endParaRPr lang="en-US" dirty="0"/>
+          </a:p>
+        </p:txBody>
+      </p:sp>
+    </p:spTree>
+    <p:extLst>
+      <p:ext uri="{BB962C8B-B14F-4D97-AF65-F5344CB8AC3E}">
+        <p14:creationId xmlns:p14="http://schemas.microsoft.com/office/powerpoint/2010/main" val="3593969716"/>
+      </p:ext>
+    </p:extLst>
+  </p:cSld>
+  <p:clrMapOvr>
+    <a:masterClrMapping/>
+  </p:clrMapOvr>
+</p:sld>
+</file>
+
+<file path=ppt/slides/slide13.xml><?xml version="1.0" encoding="utf-8"?>
+<p:sld xmlns:a="http://schemas.openxmlformats.org/drawingml/2006/main" xmlns:r="http://schemas.openxmlformats.org/officeDocument/2006/relationships" xmlns:p="http://schemas.openxmlformats.org/presentationml/2006/main">
+  <p:cSld>
+    <p:spTree>
+      <p:nvGrpSpPr>
+        <p:cNvPr id="1" name=""/>
+        <p:cNvGrpSpPr/>
+        <p:nvPr/>
+      </p:nvGrpSpPr>
+      <p:grpSpPr>
+        <a:xfrm>
+          <a:off x="0" y="0"/>
+          <a:ext cx="0" cy="0"/>
+          <a:chOff x="0" y="0"/>
+          <a:chExt cx="0" cy="0"/>
+        </a:xfrm>
+      </p:grpSpPr>
+      <p:sp>
+        <p:nvSpPr>
+          <p:cNvPr id="2" name="标题 1">
+            <a:extLst>
+              <a:ext uri="{FF2B5EF4-FFF2-40B4-BE49-F238E27FC236}">
+                <a16:creationId xmlns:a16="http://schemas.microsoft.com/office/drawing/2014/main" id="{127BB5C5-8C90-4F5C-A57C-A529496CAC74}"/>
+              </a:ext>
+            </a:extLst>
+          </p:cNvPr>
+          <p:cNvSpPr>
+            <a:spLocks noGrp="1"/>
+          </p:cNvSpPr>
+          <p:nvPr>
+            <p:ph type="title"/>
+          </p:nvPr>
+        </p:nvSpPr>
+        <p:spPr/>
+        <p:txBody>
+          <a:bodyPr/>
+          <a:lstStyle/>
+          <a:p>
+            <a:r>
+              <a:rPr lang="en-US" dirty="0"/>
+              <a:t>HTML5 – Short Conclusion about HTML5	</a:t>
+            </a:r>
+          </a:p>
+        </p:txBody>
+      </p:sp>
+      <p:sp>
+        <p:nvSpPr>
+          <p:cNvPr id="3" name="内容占位符 2">
+            <a:extLst>
+              <a:ext uri="{FF2B5EF4-FFF2-40B4-BE49-F238E27FC236}">
+                <a16:creationId xmlns:a16="http://schemas.microsoft.com/office/drawing/2014/main" id="{FB950611-2DE6-4736-B86D-2983DA3D6ECC}"/>
+              </a:ext>
+            </a:extLst>
+          </p:cNvPr>
+          <p:cNvSpPr>
+            <a:spLocks noGrp="1"/>
+          </p:cNvSpPr>
+          <p:nvPr>
+            <p:ph idx="1"/>
+          </p:nvPr>
+        </p:nvSpPr>
+        <p:spPr>
+          <a:xfrm>
+            <a:off x="838200" y="1814123"/>
+            <a:ext cx="10515600" cy="4351338"/>
+          </a:xfrm>
+        </p:spPr>
+        <p:txBody>
+          <a:bodyPr/>
+          <a:lstStyle/>
+          <a:p>
+            <a:r>
+              <a:rPr lang="en-US" dirty="0"/>
+              <a:t>HTML5 </a:t>
+            </a:r>
+            <a:r>
+              <a:rPr lang="zh-CN" altLang="en-US" dirty="0"/>
+              <a:t>是一种</a:t>
+            </a:r>
+            <a:r>
+              <a:rPr lang="zh-CN" altLang="en-US" b="1" dirty="0"/>
+              <a:t>标记</a:t>
+            </a:r>
+            <a:r>
+              <a:rPr lang="zh-CN" altLang="en-US" dirty="0"/>
+              <a:t>语言</a:t>
+            </a:r>
+            <a:endParaRPr lang="en-US" altLang="zh-CN" dirty="0"/>
+          </a:p>
+          <a:p>
+            <a:r>
+              <a:rPr lang="en-US" altLang="zh-CN" dirty="0"/>
+              <a:t>HTML5</a:t>
+            </a:r>
+            <a:r>
+              <a:rPr lang="zh-CN" altLang="en-US" dirty="0"/>
+              <a:t>的基本单位是 </a:t>
+            </a:r>
+            <a:r>
+              <a:rPr lang="en-US" altLang="zh-CN" dirty="0"/>
+              <a:t>tag</a:t>
+            </a:r>
+          </a:p>
+          <a:p>
+            <a:r>
+              <a:rPr lang="en-US" altLang="zh-CN" dirty="0"/>
+              <a:t>&lt;</a:t>
+            </a:r>
+            <a:r>
+              <a:rPr lang="en-US" altLang="zh-CN" i="1" dirty="0"/>
+              <a:t>tag </a:t>
+            </a:r>
+            <a:r>
+              <a:rPr lang="en-US" altLang="zh-CN" i="1" dirty="0" err="1"/>
+              <a:t>attrs</a:t>
+            </a:r>
+            <a:r>
+              <a:rPr lang="en-US" altLang="zh-CN" dirty="0"/>
+              <a:t>&gt;</a:t>
+            </a:r>
+            <a:r>
+              <a:rPr lang="en-US" altLang="zh-CN" i="1" dirty="0"/>
+              <a:t>text/inner HTML</a:t>
+            </a:r>
+            <a:r>
+              <a:rPr lang="en-US" altLang="zh-CN" dirty="0"/>
+              <a:t>&lt;/</a:t>
+            </a:r>
+            <a:r>
+              <a:rPr lang="en-US" altLang="zh-CN" i="1" dirty="0"/>
+              <a:t>tag</a:t>
+            </a:r>
+            <a:r>
+              <a:rPr lang="en-US" altLang="zh-CN" dirty="0"/>
+              <a:t>&gt;   or   &lt;</a:t>
+            </a:r>
+            <a:r>
+              <a:rPr lang="en-US" altLang="zh-CN" i="1" dirty="0"/>
+              <a:t>tag</a:t>
+            </a:r>
+            <a:r>
+              <a:rPr lang="en-US" altLang="zh-CN" dirty="0"/>
+              <a:t> </a:t>
+            </a:r>
+            <a:r>
+              <a:rPr lang="en-US" altLang="zh-CN" i="1" dirty="0" err="1"/>
+              <a:t>attrs</a:t>
+            </a:r>
+            <a:r>
+              <a:rPr lang="en-US" altLang="zh-CN" dirty="0"/>
+              <a:t>/&gt;   or   &lt;!-- . . . --&gt;</a:t>
+            </a:r>
+          </a:p>
+          <a:p>
+            <a:r>
+              <a:rPr lang="en-US" dirty="0"/>
+              <a:t>Useful tags</a:t>
+            </a:r>
+          </a:p>
+          <a:p>
+            <a:r>
+              <a:rPr lang="en-US" altLang="zh-CN" dirty="0"/>
+              <a:t>Useful attributions</a:t>
+            </a:r>
+          </a:p>
+          <a:p>
+            <a:r>
+              <a:rPr lang="en-US" dirty="0"/>
+              <a:t>Examples</a:t>
+            </a:r>
+          </a:p>
+        </p:txBody>
+      </p:sp>
+    </p:spTree>
+    <p:extLst>
+      <p:ext uri="{BB962C8B-B14F-4D97-AF65-F5344CB8AC3E}">
+        <p14:creationId xmlns:p14="http://schemas.microsoft.com/office/powerpoint/2010/main" val="4220724981"/>
+      </p:ext>
+    </p:extLst>
+  </p:cSld>
+  <p:clrMapOvr>
+    <a:masterClrMapping/>
+  </p:clrMapOvr>
+</p:sld>
+</file>
+
+<file path=ppt/slides/slide14.xml><?xml version="1.0" encoding="utf-8"?>
+<p:sld xmlns:a="http://schemas.openxmlformats.org/drawingml/2006/main" xmlns:r="http://schemas.openxmlformats.org/officeDocument/2006/relationships" xmlns:p="http://schemas.openxmlformats.org/presentationml/2006/main">
+  <p:cSld>
+    <p:spTree>
+      <p:nvGrpSpPr>
+        <p:cNvPr id="1" name=""/>
+        <p:cNvGrpSpPr/>
+        <p:nvPr/>
+      </p:nvGrpSpPr>
+      <p:grpSpPr>
+        <a:xfrm>
+          <a:off x="0" y="0"/>
+          <a:ext cx="0" cy="0"/>
+          <a:chOff x="0" y="0"/>
+          <a:chExt cx="0" cy="0"/>
+        </a:xfrm>
+      </p:grpSpPr>
+      <p:sp>
+        <p:nvSpPr>
+          <p:cNvPr id="2" name="标题 1">
+            <a:extLst>
+              <a:ext uri="{FF2B5EF4-FFF2-40B4-BE49-F238E27FC236}">
+                <a16:creationId xmlns:a16="http://schemas.microsoft.com/office/drawing/2014/main" id="{51F59807-0ECB-41D8-81B9-C2583C8DBC9F}"/>
+              </a:ext>
+            </a:extLst>
+          </p:cNvPr>
+          <p:cNvSpPr>
+            <a:spLocks noGrp="1"/>
+          </p:cNvSpPr>
+          <p:nvPr>
+            <p:ph type="title"/>
+          </p:nvPr>
+        </p:nvSpPr>
+        <p:spPr/>
+        <p:txBody>
+          <a:bodyPr/>
+          <a:lstStyle/>
+          <a:p>
+            <a:r>
+              <a:rPr lang="en-US" dirty="0"/>
+              <a:t>HTML5 – Simple quizzes</a:t>
+            </a:r>
+          </a:p>
+        </p:txBody>
+      </p:sp>
+      <p:sp>
+        <p:nvSpPr>
+          <p:cNvPr id="3" name="内容占位符 2">
+            <a:extLst>
+              <a:ext uri="{FF2B5EF4-FFF2-40B4-BE49-F238E27FC236}">
+                <a16:creationId xmlns:a16="http://schemas.microsoft.com/office/drawing/2014/main" id="{BC1CEA74-D47D-4C4D-AD70-8255BC0F3FA6}"/>
+              </a:ext>
+            </a:extLst>
+          </p:cNvPr>
+          <p:cNvSpPr>
+            <a:spLocks noGrp="1"/>
+          </p:cNvSpPr>
+          <p:nvPr>
+            <p:ph idx="1"/>
+          </p:nvPr>
+        </p:nvSpPr>
+        <p:spPr/>
+        <p:txBody>
+          <a:bodyPr/>
+          <a:lstStyle/>
+          <a:p>
+            <a:endParaRPr lang="en-US"/>
+          </a:p>
+        </p:txBody>
+      </p:sp>
+    </p:spTree>
+    <p:extLst>
+      <p:ext uri="{BB962C8B-B14F-4D97-AF65-F5344CB8AC3E}">
+        <p14:creationId xmlns:p14="http://schemas.microsoft.com/office/powerpoint/2010/main" val="477103296"/>
+      </p:ext>
+    </p:extLst>
+  </p:cSld>
+  <p:clrMapOvr>
+    <a:masterClrMapping/>
+  </p:clrMapOvr>
+</p:sld>
+</file>
+
+<file path=ppt/slides/slide15.xml><?xml version="1.0" encoding="utf-8"?>
+<p:sld xmlns:a="http://schemas.openxmlformats.org/drawingml/2006/main" xmlns:r="http://schemas.openxmlformats.org/officeDocument/2006/relationships" xmlns:p="http://schemas.openxmlformats.org/presentationml/2006/main">
+  <p:cSld>
+    <p:spTree>
+      <p:nvGrpSpPr>
+        <p:cNvPr id="1" name=""/>
+        <p:cNvGrpSpPr/>
+        <p:nvPr/>
+      </p:nvGrpSpPr>
+      <p:grpSpPr>
+        <a:xfrm>
+          <a:off x="0" y="0"/>
+          <a:ext cx="0" cy="0"/>
+          <a:chOff x="0" y="0"/>
+          <a:chExt cx="0" cy="0"/>
+        </a:xfrm>
+      </p:grpSpPr>
+      <p:sp>
+        <p:nvSpPr>
+          <p:cNvPr id="2" name="标题 1">
+            <a:extLst>
+              <a:ext uri="{FF2B5EF4-FFF2-40B4-BE49-F238E27FC236}">
+                <a16:creationId xmlns:a16="http://schemas.microsoft.com/office/drawing/2014/main" id="{E3F9F850-D514-48C0-8F70-01FFB2717CCE}"/>
+              </a:ext>
+            </a:extLst>
+          </p:cNvPr>
+          <p:cNvSpPr>
+            <a:spLocks noGrp="1"/>
+          </p:cNvSpPr>
+          <p:nvPr>
+            <p:ph type="title"/>
+          </p:nvPr>
+        </p:nvSpPr>
+        <p:spPr/>
+        <p:txBody>
+          <a:bodyPr/>
+          <a:lstStyle/>
+          <a:p>
+            <a:r>
+              <a:rPr lang="en-US" dirty="0"/>
+              <a:t>HTML5 - Break</a:t>
+            </a:r>
+          </a:p>
+        </p:txBody>
+      </p:sp>
+      <p:sp>
+        <p:nvSpPr>
+          <p:cNvPr id="3" name="内容占位符 2">
+            <a:extLst>
+              <a:ext uri="{FF2B5EF4-FFF2-40B4-BE49-F238E27FC236}">
+                <a16:creationId xmlns:a16="http://schemas.microsoft.com/office/drawing/2014/main" id="{0BF2FBD2-7D9B-4A19-95F7-03EDA6AEE107}"/>
+              </a:ext>
+            </a:extLst>
+          </p:cNvPr>
+          <p:cNvSpPr>
+            <a:spLocks noGrp="1"/>
+          </p:cNvSpPr>
+          <p:nvPr>
+            <p:ph idx="1"/>
+          </p:nvPr>
+        </p:nvSpPr>
+        <p:spPr/>
+        <p:txBody>
+          <a:bodyPr/>
+          <a:lstStyle/>
+          <a:p>
+            <a:endParaRPr lang="en-US"/>
+          </a:p>
+        </p:txBody>
+      </p:sp>
+    </p:spTree>
+    <p:extLst>
+      <p:ext uri="{BB962C8B-B14F-4D97-AF65-F5344CB8AC3E}">
+        <p14:creationId xmlns:p14="http://schemas.microsoft.com/office/powerpoint/2010/main" val="331623976"/>
+      </p:ext>
+    </p:extLst>
+  </p:cSld>
+  <p:clrMapOvr>
+    <a:masterClrMapping/>
+  </p:clrMapOvr>
+</p:sld>
+</file>
+
+<file path=ppt/slides/slide16.xml><?xml version="1.0" encoding="utf-8"?>
+<p:sld xmlns:a="http://schemas.openxmlformats.org/drawingml/2006/main" xmlns:r="http://schemas.openxmlformats.org/officeDocument/2006/relationships" xmlns:p="http://schemas.openxmlformats.org/presentationml/2006/main">
+  <p:cSld>
+    <p:spTree>
+      <p:nvGrpSpPr>
+        <p:cNvPr id="1" name=""/>
+        <p:cNvGrpSpPr/>
+        <p:nvPr/>
+      </p:nvGrpSpPr>
+      <p:grpSpPr>
+        <a:xfrm>
+          <a:off x="0" y="0"/>
+          <a:ext cx="0" cy="0"/>
+          <a:chOff x="0" y="0"/>
+          <a:chExt cx="0" cy="0"/>
+        </a:xfrm>
+      </p:grpSpPr>
+      <p:sp>
+        <p:nvSpPr>
+          <p:cNvPr id="2" name="标题 1">
+            <a:extLst>
+              <a:ext uri="{FF2B5EF4-FFF2-40B4-BE49-F238E27FC236}">
+                <a16:creationId xmlns:a16="http://schemas.microsoft.com/office/drawing/2014/main" id="{473A71B3-485A-4D5A-9316-034360D685D8}"/>
+              </a:ext>
+            </a:extLst>
+          </p:cNvPr>
+          <p:cNvSpPr>
+            <a:spLocks noGrp="1"/>
+          </p:cNvSpPr>
+          <p:nvPr>
+            <p:ph type="title"/>
+          </p:nvPr>
+        </p:nvSpPr>
+        <p:spPr/>
+        <p:txBody>
+          <a:bodyPr/>
+          <a:lstStyle/>
+          <a:p>
+            <a:r>
+              <a:rPr lang="en-US" dirty="0"/>
+              <a:t>HTML5 – Programming demo</a:t>
+            </a:r>
+          </a:p>
+        </p:txBody>
+      </p:sp>
+      <p:sp>
+        <p:nvSpPr>
+          <p:cNvPr id="3" name="内容占位符 2">
+            <a:extLst>
+              <a:ext uri="{FF2B5EF4-FFF2-40B4-BE49-F238E27FC236}">
+                <a16:creationId xmlns:a16="http://schemas.microsoft.com/office/drawing/2014/main" id="{ABBC4D2E-AF62-4C87-97AA-DF9097706652}"/>
+              </a:ext>
+            </a:extLst>
+          </p:cNvPr>
+          <p:cNvSpPr>
+            <a:spLocks noGrp="1"/>
+          </p:cNvSpPr>
+          <p:nvPr>
+            <p:ph idx="1"/>
+          </p:nvPr>
+        </p:nvSpPr>
+        <p:spPr/>
+        <p:txBody>
+          <a:bodyPr/>
+          <a:lstStyle/>
+          <a:p>
+            <a:r>
+              <a:rPr lang="en-US" dirty="0"/>
+              <a:t>HTML initialization</a:t>
+            </a:r>
+          </a:p>
+          <a:p>
+            <a:r>
+              <a:rPr lang="en-US" dirty="0"/>
+              <a:t>Hello World</a:t>
+            </a:r>
+          </a:p>
+        </p:txBody>
+      </p:sp>
+    </p:spTree>
+    <p:extLst>
+      <p:ext uri="{BB962C8B-B14F-4D97-AF65-F5344CB8AC3E}">
+        <p14:creationId xmlns:p14="http://schemas.microsoft.com/office/powerpoint/2010/main" val="3515813738"/>
+      </p:ext>
+    </p:extLst>
+  </p:cSld>
+  <p:clrMapOvr>
+    <a:masterClrMapping/>
+  </p:clrMapOvr>
+</p:sld>
+</file>
+
+<file path=ppt/slides/slide17.xml><?xml version="1.0" encoding="utf-8"?>
+<p:sld xmlns:a="http://schemas.openxmlformats.org/drawingml/2006/main" xmlns:r="http://schemas.openxmlformats.org/officeDocument/2006/relationships" xmlns:p="http://schemas.openxmlformats.org/presentationml/2006/main">
+  <p:cSld>
+    <p:spTree>
+      <p:nvGrpSpPr>
+        <p:cNvPr id="1" name=""/>
+        <p:cNvGrpSpPr/>
+        <p:nvPr/>
+      </p:nvGrpSpPr>
+      <p:grpSpPr>
+        <a:xfrm>
+          <a:off x="0" y="0"/>
+          <a:ext cx="0" cy="0"/>
+          <a:chOff x="0" y="0"/>
+          <a:chExt cx="0" cy="0"/>
+        </a:xfrm>
+      </p:grpSpPr>
+      <p:sp>
+        <p:nvSpPr>
+          <p:cNvPr id="2" name="标题 1">
+            <a:extLst>
+              <a:ext uri="{FF2B5EF4-FFF2-40B4-BE49-F238E27FC236}">
+                <a16:creationId xmlns:a16="http://schemas.microsoft.com/office/drawing/2014/main" id="{6C9410A7-796A-457C-869D-E3D7B70BAAFC}"/>
+              </a:ext>
+            </a:extLst>
+          </p:cNvPr>
+          <p:cNvSpPr>
+            <a:spLocks noGrp="1"/>
+          </p:cNvSpPr>
+          <p:nvPr>
+            <p:ph type="title"/>
+          </p:nvPr>
+        </p:nvSpPr>
+        <p:spPr/>
+        <p:txBody>
+          <a:bodyPr/>
+          <a:lstStyle/>
+          <a:p>
+            <a:r>
+              <a:rPr lang="en-US" dirty="0"/>
+              <a:t>HTML5 – Styling	</a:t>
+            </a:r>
+          </a:p>
+        </p:txBody>
+      </p:sp>
+      <p:sp>
+        <p:nvSpPr>
+          <p:cNvPr id="3" name="内容占位符 2">
+            <a:extLst>
+              <a:ext uri="{FF2B5EF4-FFF2-40B4-BE49-F238E27FC236}">
+                <a16:creationId xmlns:a16="http://schemas.microsoft.com/office/drawing/2014/main" id="{3DAA24C3-EAE2-4D09-837D-10B70C7D4497}"/>
+              </a:ext>
+            </a:extLst>
+          </p:cNvPr>
+          <p:cNvSpPr>
+            <a:spLocks noGrp="1"/>
+          </p:cNvSpPr>
+          <p:nvPr>
+            <p:ph idx="1"/>
+          </p:nvPr>
+        </p:nvSpPr>
+        <p:spPr/>
+        <p:txBody>
+          <a:bodyPr/>
+          <a:lstStyle/>
+          <a:p>
+            <a:r>
+              <a:rPr lang="en-US" dirty="0"/>
+              <a:t>Why do we need styling?</a:t>
+            </a:r>
+          </a:p>
+          <a:p>
+            <a:r>
+              <a:rPr lang="en-US" dirty="0"/>
+              <a:t>To make your HTML more beautiful &amp; </a:t>
+            </a:r>
+            <a:r>
+              <a:rPr lang="en-US" b="1" i="1" dirty="0">
+                <a:solidFill>
+                  <a:schemeClr val="bg1"/>
+                </a:solidFill>
+                <a:highlight>
+                  <a:srgbClr val="FF0000"/>
+                </a:highlight>
+              </a:rPr>
+              <a:t>user-friendly</a:t>
+            </a:r>
+            <a:r>
+              <a:rPr lang="en-US" dirty="0"/>
+              <a:t>.</a:t>
+            </a:r>
+          </a:p>
+          <a:p>
+            <a:endParaRPr lang="en-US" dirty="0"/>
+          </a:p>
+          <a:p>
+            <a:endParaRPr lang="en-US" dirty="0"/>
+          </a:p>
+        </p:txBody>
+      </p:sp>
+    </p:spTree>
+    <p:extLst>
+      <p:ext uri="{BB962C8B-B14F-4D97-AF65-F5344CB8AC3E}">
+        <p14:creationId xmlns:p14="http://schemas.microsoft.com/office/powerpoint/2010/main" val="772918580"/>
+      </p:ext>
+    </p:extLst>
+  </p:cSld>
+  <p:clrMapOvr>
+    <a:masterClrMapping/>
+  </p:clrMapOvr>
+</p:sld>
+</file>
+
+<file path=ppt/slides/slide18.xml><?xml version="1.0" encoding="utf-8"?>
+<p:sld xmlns:a="http://schemas.openxmlformats.org/drawingml/2006/main" xmlns:r="http://schemas.openxmlformats.org/officeDocument/2006/relationships" xmlns:p="http://schemas.openxmlformats.org/presentationml/2006/main">
+  <p:cSld>
+    <p:spTree>
+      <p:nvGrpSpPr>
+        <p:cNvPr id="1" name=""/>
+        <p:cNvGrpSpPr/>
+        <p:nvPr/>
+      </p:nvGrpSpPr>
+      <p:grpSpPr>
+        <a:xfrm>
+          <a:off x="0" y="0"/>
+          <a:ext cx="0" cy="0"/>
+          <a:chOff x="0" y="0"/>
+          <a:chExt cx="0" cy="0"/>
+        </a:xfrm>
+      </p:grpSpPr>
+      <p:sp>
+        <p:nvSpPr>
+          <p:cNvPr id="2" name="标题 1">
+            <a:extLst>
+              <a:ext uri="{FF2B5EF4-FFF2-40B4-BE49-F238E27FC236}">
+                <a16:creationId xmlns:a16="http://schemas.microsoft.com/office/drawing/2014/main" id="{6C9410A7-796A-457C-869D-E3D7B70BAAFC}"/>
+              </a:ext>
+            </a:extLst>
+          </p:cNvPr>
+          <p:cNvSpPr>
+            <a:spLocks noGrp="1"/>
+          </p:cNvSpPr>
+          <p:nvPr>
+            <p:ph type="title"/>
+          </p:nvPr>
+        </p:nvSpPr>
+        <p:spPr/>
+        <p:txBody>
+          <a:bodyPr/>
+          <a:lstStyle/>
+          <a:p>
+            <a:r>
+              <a:rPr lang="en-US" dirty="0"/>
+              <a:t>HTML5 – Styling	format</a:t>
+            </a:r>
+          </a:p>
+        </p:txBody>
+      </p:sp>
+      <p:sp>
+        <p:nvSpPr>
+          <p:cNvPr id="3" name="内容占位符 2">
+            <a:extLst>
+              <a:ext uri="{FF2B5EF4-FFF2-40B4-BE49-F238E27FC236}">
+                <a16:creationId xmlns:a16="http://schemas.microsoft.com/office/drawing/2014/main" id="{3DAA24C3-EAE2-4D09-837D-10B70C7D4497}"/>
+              </a:ext>
+            </a:extLst>
+          </p:cNvPr>
+          <p:cNvSpPr>
+            <a:spLocks noGrp="1"/>
+          </p:cNvSpPr>
+          <p:nvPr>
+            <p:ph idx="1"/>
+          </p:nvPr>
+        </p:nvSpPr>
+        <p:spPr/>
+        <p:txBody>
+          <a:bodyPr/>
+          <a:lstStyle/>
+          <a:p>
+            <a:r>
+              <a:rPr lang="en-US" dirty="0"/>
+              <a:t> key: value;</a:t>
+            </a:r>
+          </a:p>
+          <a:p>
+            <a:r>
+              <a:rPr lang="en-US" dirty="0"/>
+              <a:t> key: value;</a:t>
+            </a:r>
+          </a:p>
+          <a:p>
+            <a:r>
+              <a:rPr lang="en-US" dirty="0"/>
+              <a:t> key: value;</a:t>
+            </a:r>
+          </a:p>
+          <a:p>
+            <a:endParaRPr lang="en-US" dirty="0"/>
+          </a:p>
+          <a:p>
+            <a:r>
+              <a:rPr lang="en-US" altLang="zh-CN" dirty="0"/>
+              <a:t>1. key</a:t>
+            </a:r>
+            <a:r>
+              <a:rPr lang="zh-CN" altLang="en-US" dirty="0"/>
+              <a:t>有固定的内容；</a:t>
+            </a:r>
+            <a:endParaRPr lang="en-US" altLang="zh-CN" dirty="0"/>
+          </a:p>
+          <a:p>
+            <a:r>
+              <a:rPr lang="en-US" altLang="zh-CN" dirty="0"/>
+              <a:t>2. </a:t>
+            </a:r>
+            <a:r>
+              <a:rPr lang="zh-CN" altLang="en-US" dirty="0"/>
+              <a:t>记得每个属性</a:t>
+            </a:r>
+            <a:r>
+              <a:rPr lang="en-US" altLang="zh-CN" dirty="0"/>
+              <a:t>value</a:t>
+            </a:r>
+            <a:r>
+              <a:rPr lang="zh-CN" altLang="en-US" dirty="0"/>
+              <a:t>之后</a:t>
+            </a:r>
+            <a:r>
+              <a:rPr lang="zh-CN" altLang="en-US" b="1" dirty="0">
+                <a:solidFill>
+                  <a:schemeClr val="bg1"/>
+                </a:solidFill>
+                <a:highlight>
+                  <a:srgbClr val="FF0000"/>
+                </a:highlight>
+              </a:rPr>
+              <a:t>半角（英文）分号</a:t>
+            </a:r>
+            <a:endParaRPr lang="en-US" altLang="zh-CN" b="1" dirty="0">
+              <a:solidFill>
+                <a:schemeClr val="bg1"/>
+              </a:solidFill>
+              <a:highlight>
+                <a:srgbClr val="FF0000"/>
+              </a:highlight>
+            </a:endParaRPr>
+          </a:p>
+          <a:p>
+            <a:r>
+              <a:rPr lang="zh-CN" altLang="en-US" dirty="0"/>
+              <a:t>（回车是可选的。在</a:t>
+            </a:r>
+            <a:r>
+              <a:rPr lang="en-US" altLang="zh-CN" dirty="0"/>
+              <a:t>HTML5</a:t>
+            </a:r>
+            <a:r>
+              <a:rPr lang="zh-CN" altLang="en-US" dirty="0"/>
+              <a:t>中，一般不用回车；在</a:t>
+            </a:r>
+            <a:r>
+              <a:rPr lang="en-US" altLang="zh-CN" dirty="0"/>
+              <a:t>CSS</a:t>
+            </a:r>
+            <a:r>
+              <a:rPr lang="zh-CN" altLang="en-US" dirty="0"/>
+              <a:t>中（下节课将会讲），一般用回车分隔）</a:t>
+            </a:r>
+            <a:endParaRPr lang="en-US" altLang="zh-CN" dirty="0"/>
+          </a:p>
+          <a:p>
+            <a:endParaRPr lang="en-US" dirty="0"/>
+          </a:p>
+          <a:p>
+            <a:endParaRPr lang="en-US" dirty="0"/>
+          </a:p>
+          <a:p>
+            <a:endParaRPr lang="en-US" dirty="0"/>
+          </a:p>
+        </p:txBody>
+      </p:sp>
+    </p:spTree>
+    <p:extLst>
+      <p:ext uri="{BB962C8B-B14F-4D97-AF65-F5344CB8AC3E}">
+        <p14:creationId xmlns:p14="http://schemas.microsoft.com/office/powerpoint/2010/main" val="74469400"/>
+      </p:ext>
+    </p:extLst>
+  </p:cSld>
+  <p:clrMapOvr>
+    <a:masterClrMapping/>
+  </p:clrMapOvr>
+</p:sld>
+</file>
+
+<file path=ppt/slides/slide19.xml><?xml version="1.0" encoding="utf-8"?>
+<p:sld xmlns:a="http://schemas.openxmlformats.org/drawingml/2006/main" xmlns:r="http://schemas.openxmlformats.org/officeDocument/2006/relationships" xmlns:p="http://schemas.openxmlformats.org/presentationml/2006/main">
+  <p:cSld>
+    <p:spTree>
+      <p:nvGrpSpPr>
+        <p:cNvPr id="1" name=""/>
+        <p:cNvGrpSpPr/>
+        <p:nvPr/>
+      </p:nvGrpSpPr>
+      <p:grpSpPr>
+        <a:xfrm>
+          <a:off x="0" y="0"/>
+          <a:ext cx="0" cy="0"/>
+          <a:chOff x="0" y="0"/>
+          <a:chExt cx="0" cy="0"/>
+        </a:xfrm>
+      </p:grpSpPr>
+      <p:sp>
+        <p:nvSpPr>
+          <p:cNvPr id="2" name="标题 1">
+            <a:extLst>
+              <a:ext uri="{FF2B5EF4-FFF2-40B4-BE49-F238E27FC236}">
+                <a16:creationId xmlns:a16="http://schemas.microsoft.com/office/drawing/2014/main" id="{9009E0C7-C2E4-4DAD-BB76-444F8D0F1797}"/>
+              </a:ext>
+            </a:extLst>
+          </p:cNvPr>
+          <p:cNvSpPr>
+            <a:spLocks noGrp="1"/>
+          </p:cNvSpPr>
+          <p:nvPr>
+            <p:ph type="title"/>
+          </p:nvPr>
+        </p:nvSpPr>
+        <p:spPr/>
+        <p:txBody>
+          <a:bodyPr/>
+          <a:lstStyle/>
+          <a:p>
+            <a:r>
+              <a:rPr lang="en-US" dirty="0"/>
+              <a:t>HTML5 – Styling keys</a:t>
+            </a:r>
+          </a:p>
+        </p:txBody>
+      </p:sp>
+      <p:sp>
+        <p:nvSpPr>
+          <p:cNvPr id="3" name="内容占位符 2">
+            <a:extLst>
+              <a:ext uri="{FF2B5EF4-FFF2-40B4-BE49-F238E27FC236}">
+                <a16:creationId xmlns:a16="http://schemas.microsoft.com/office/drawing/2014/main" id="{AB8B3B5C-FC95-449F-9938-B1CBA3C0E4A5}"/>
+              </a:ext>
+            </a:extLst>
+          </p:cNvPr>
+          <p:cNvSpPr>
+            <a:spLocks noGrp="1"/>
+          </p:cNvSpPr>
+          <p:nvPr>
+            <p:ph idx="1"/>
+          </p:nvPr>
+        </p:nvSpPr>
+        <p:spPr/>
+        <p:txBody>
+          <a:bodyPr>
+            <a:normAutofit fontScale="92500"/>
+          </a:bodyPr>
+          <a:lstStyle/>
+          <a:p>
+            <a:r>
+              <a:rPr lang="zh-CN" altLang="en-US" dirty="0"/>
+              <a:t>位置：</a:t>
+            </a:r>
+            <a:r>
+              <a:rPr lang="en-US" altLang="zh-CN" dirty="0"/>
+              <a:t>height, width, position</a:t>
+            </a:r>
+          </a:p>
+          <a:p>
+            <a:r>
+              <a:rPr lang="zh-CN" altLang="en-US" dirty="0"/>
+              <a:t>边框：</a:t>
+            </a:r>
+            <a:r>
+              <a:rPr lang="en-US" altLang="zh-CN" dirty="0"/>
+              <a:t>border, border-radius, border-width, border-style, box-shadow</a:t>
+            </a:r>
+          </a:p>
+          <a:p>
+            <a:r>
+              <a:rPr lang="zh-CN" altLang="en-US" dirty="0"/>
+              <a:t>边距：</a:t>
+            </a:r>
+            <a:r>
+              <a:rPr lang="en-US" altLang="zh-CN" dirty="0"/>
+              <a:t>margin(</a:t>
+            </a:r>
+            <a:r>
+              <a:rPr lang="zh-CN" altLang="en-US" dirty="0"/>
+              <a:t>外边距</a:t>
+            </a:r>
+            <a:r>
+              <a:rPr lang="en-US" altLang="zh-CN" dirty="0"/>
+              <a:t>), padding(</a:t>
+            </a:r>
+            <a:r>
+              <a:rPr lang="zh-CN" altLang="en-US" dirty="0"/>
+              <a:t>内边距</a:t>
+            </a:r>
+            <a:r>
+              <a:rPr lang="en-US" altLang="zh-CN" dirty="0"/>
+              <a:t>)</a:t>
+            </a:r>
+          </a:p>
+          <a:p>
+            <a:r>
+              <a:rPr lang="zh-CN" altLang="en-US" dirty="0"/>
+              <a:t>文字：</a:t>
+            </a:r>
+            <a:r>
+              <a:rPr lang="en-US" altLang="zh-CN" dirty="0"/>
+              <a:t>color, font-size, font-family, line-height</a:t>
+            </a:r>
+          </a:p>
+          <a:p>
+            <a:r>
+              <a:rPr lang="zh-CN" altLang="en-US" dirty="0"/>
+              <a:t>背景：</a:t>
+            </a:r>
+            <a:r>
+              <a:rPr lang="en-US" altLang="zh-CN" dirty="0"/>
+              <a:t>background, background-color, background-image</a:t>
+            </a:r>
+          </a:p>
+          <a:p>
+            <a:r>
+              <a:rPr lang="zh-CN" altLang="en-US" dirty="0"/>
+              <a:t>透明度：</a:t>
+            </a:r>
+            <a:r>
+              <a:rPr lang="en-US" altLang="zh-CN" dirty="0"/>
+              <a:t>opacity</a:t>
+            </a:r>
+          </a:p>
+          <a:p>
+            <a:endParaRPr lang="en-US" dirty="0"/>
+          </a:p>
+          <a:p>
+            <a:r>
+              <a:rPr lang="en-US" altLang="zh-CN" dirty="0"/>
+              <a:t>Reference</a:t>
+            </a:r>
+            <a:r>
+              <a:rPr lang="zh-CN" altLang="en-US" dirty="0"/>
+              <a:t>：</a:t>
+            </a:r>
+            <a:r>
+              <a:rPr lang="en-US" altLang="zh-CN" dirty="0"/>
+              <a:t> </a:t>
+            </a:r>
+            <a:r>
+              <a:rPr lang="en-US" altLang="zh-CN" dirty="0">
+                <a:hlinkClick r:id="rId3"/>
+              </a:rPr>
+              <a:t>https://www.runoob.com/css/css-tutorial.html</a:t>
+            </a:r>
+            <a:endParaRPr lang="en-US" altLang="zh-CN" dirty="0"/>
+          </a:p>
+          <a:p>
+            <a:r>
+              <a:rPr lang="en-US" altLang="zh-CN" dirty="0">
+                <a:hlinkClick r:id="rId4"/>
+              </a:rPr>
+              <a:t>https://www.runoob.com/css3/css3-tutorial.html</a:t>
+            </a:r>
+            <a:endParaRPr lang="en-US" altLang="zh-CN" dirty="0"/>
+          </a:p>
+          <a:p>
+            <a:endParaRPr lang="en-US" dirty="0"/>
+          </a:p>
+        </p:txBody>
+      </p:sp>
+    </p:spTree>
+    <p:extLst>
+      <p:ext uri="{BB962C8B-B14F-4D97-AF65-F5344CB8AC3E}">
+        <p14:creationId xmlns:p14="http://schemas.microsoft.com/office/powerpoint/2010/main" val="623278802"/>
+      </p:ext>
+    </p:extLst>
+  </p:cSld>
+  <p:clrMapOvr>
+    <a:masterClrMapping/>
+  </p:clrMapOvr>
+</p:sld>
+</file>
+
 <file path=ppt/slides/slide2.xml><?xml version="1.0" encoding="utf-8"?>
 <p:sld xmlns:a="http://schemas.openxmlformats.org/drawingml/2006/main" xmlns:r="http://schemas.openxmlformats.org/officeDocument/2006/relationships" xmlns:p="http://schemas.openxmlformats.org/presentationml/2006/main">
   <p:cSld>
@@ -3630,6 +5814,371 @@
     <p:extLst>
       <p:ext uri="{BB962C8B-B14F-4D97-AF65-F5344CB8AC3E}">
         <p14:creationId xmlns:p14="http://schemas.microsoft.com/office/powerpoint/2010/main" val="4079023699"/>
+      </p:ext>
+    </p:extLst>
+  </p:cSld>
+  <p:clrMapOvr>
+    <a:masterClrMapping/>
+  </p:clrMapOvr>
+</p:sld>
+</file>
+
+<file path=ppt/slides/slide20.xml><?xml version="1.0" encoding="utf-8"?>
+<p:sld xmlns:a="http://schemas.openxmlformats.org/drawingml/2006/main" xmlns:r="http://schemas.openxmlformats.org/officeDocument/2006/relationships" xmlns:p="http://schemas.openxmlformats.org/presentationml/2006/main">
+  <p:cSld>
+    <p:spTree>
+      <p:nvGrpSpPr>
+        <p:cNvPr id="1" name=""/>
+        <p:cNvGrpSpPr/>
+        <p:nvPr/>
+      </p:nvGrpSpPr>
+      <p:grpSpPr>
+        <a:xfrm>
+          <a:off x="0" y="0"/>
+          <a:ext cx="0" cy="0"/>
+          <a:chOff x="0" y="0"/>
+          <a:chExt cx="0" cy="0"/>
+        </a:xfrm>
+      </p:grpSpPr>
+      <p:sp>
+        <p:nvSpPr>
+          <p:cNvPr id="2" name="标题 1">
+            <a:extLst>
+              <a:ext uri="{FF2B5EF4-FFF2-40B4-BE49-F238E27FC236}">
+                <a16:creationId xmlns:a16="http://schemas.microsoft.com/office/drawing/2014/main" id="{4CF6C461-9239-4CF5-92AE-87F3C5CE6406}"/>
+              </a:ext>
+            </a:extLst>
+          </p:cNvPr>
+          <p:cNvSpPr>
+            <a:spLocks noGrp="1"/>
+          </p:cNvSpPr>
+          <p:nvPr>
+            <p:ph type="title"/>
+          </p:nvPr>
+        </p:nvSpPr>
+        <p:spPr/>
+        <p:txBody>
+          <a:bodyPr/>
+          <a:lstStyle/>
+          <a:p>
+            <a:r>
+              <a:rPr lang="en-US" dirty="0"/>
+              <a:t>HTML5 – Styling Examples </a:t>
+            </a:r>
+          </a:p>
+        </p:txBody>
+      </p:sp>
+      <p:sp>
+        <p:nvSpPr>
+          <p:cNvPr id="3" name="内容占位符 2">
+            <a:extLst>
+              <a:ext uri="{FF2B5EF4-FFF2-40B4-BE49-F238E27FC236}">
+                <a16:creationId xmlns:a16="http://schemas.microsoft.com/office/drawing/2014/main" id="{CEB20B40-0840-4535-B8A4-85D1574D5ABB}"/>
+              </a:ext>
+            </a:extLst>
+          </p:cNvPr>
+          <p:cNvSpPr>
+            <a:spLocks noGrp="1"/>
+          </p:cNvSpPr>
+          <p:nvPr>
+            <p:ph idx="1"/>
+          </p:nvPr>
+        </p:nvSpPr>
+        <p:spPr/>
+        <p:txBody>
+          <a:bodyPr/>
+          <a:lstStyle/>
+          <a:p>
+            <a:r>
+              <a:rPr lang="en-US" dirty="0"/>
+              <a:t>&lt;div style=“border:2px solid gray; border-radius: 1rem;”&gt;</a:t>
+            </a:r>
+          </a:p>
+          <a:p>
+            <a:r>
+              <a:rPr lang="en-US" dirty="0"/>
+              <a:t>  &lt;h1 style=“</a:t>
+            </a:r>
+            <a:r>
+              <a:rPr lang="en-US" dirty="0" err="1"/>
+              <a:t>color:red</a:t>
+            </a:r>
+            <a:r>
+              <a:rPr lang="en-US" dirty="0"/>
+              <a:t>”&gt; Hello World&lt;/h1&gt;</a:t>
+            </a:r>
+          </a:p>
+          <a:p>
+            <a:r>
+              <a:rPr lang="en-US" dirty="0"/>
+              <a:t>  &lt;</a:t>
+            </a:r>
+            <a:r>
+              <a:rPr lang="en-US" dirty="0" err="1"/>
+              <a:t>img</a:t>
+            </a:r>
+            <a:r>
+              <a:rPr lang="en-US" dirty="0"/>
+              <a:t> </a:t>
+            </a:r>
+            <a:r>
+              <a:rPr lang="en-US" dirty="0" err="1"/>
+              <a:t>src</a:t>
+            </a:r>
+            <a:r>
+              <a:rPr lang="en-US" dirty="0"/>
+              <a:t>=“</a:t>
+            </a:r>
+            <a:r>
+              <a:rPr lang="en-US" dirty="0">
+                <a:hlinkClick r:id="rId2"/>
+              </a:rPr>
+              <a:t>https://www.google.com.hk/images/branding/</a:t>
+            </a:r>
+            <a:r>
+              <a:rPr lang="en-US" dirty="0" err="1">
+                <a:hlinkClick r:id="rId2"/>
+              </a:rPr>
+              <a:t>googlelogo</a:t>
+            </a:r>
+            <a:r>
+              <a:rPr lang="en-US" dirty="0">
+                <a:hlinkClick r:id="rId2"/>
+              </a:rPr>
+              <a:t>/2x/googlelogo_color_120x44dp.png</a:t>
+            </a:r>
+            <a:r>
+              <a:rPr lang="en-US" dirty="0"/>
+              <a:t>” style=“height: 40px; width: 80px; box-shadow: 2px </a:t>
+            </a:r>
+            <a:r>
+              <a:rPr lang="en-US" dirty="0" err="1"/>
+              <a:t>2px</a:t>
+            </a:r>
+            <a:r>
+              <a:rPr lang="en-US" dirty="0"/>
+              <a:t> 5px </a:t>
+            </a:r>
+            <a:r>
+              <a:rPr lang="en-US" dirty="0" err="1"/>
+              <a:t>rgba</a:t>
+            </a:r>
+            <a:r>
+              <a:rPr lang="en-US" dirty="0"/>
+              <a:t>(0, 0, 0, 0.1);” /&gt;</a:t>
+            </a:r>
+          </a:p>
+          <a:p>
+            <a:r>
+              <a:rPr lang="en-US" dirty="0"/>
+              <a:t>&lt;/div&gt;</a:t>
+            </a:r>
+          </a:p>
+          <a:p>
+            <a:endParaRPr lang="en-US" dirty="0"/>
+          </a:p>
+        </p:txBody>
+      </p:sp>
+    </p:spTree>
+    <p:extLst>
+      <p:ext uri="{BB962C8B-B14F-4D97-AF65-F5344CB8AC3E}">
+        <p14:creationId xmlns:p14="http://schemas.microsoft.com/office/powerpoint/2010/main" val="2491896508"/>
+      </p:ext>
+    </p:extLst>
+  </p:cSld>
+  <p:clrMapOvr>
+    <a:masterClrMapping/>
+  </p:clrMapOvr>
+</p:sld>
+</file>
+
+<file path=ppt/slides/slide21.xml><?xml version="1.0" encoding="utf-8"?>
+<p:sld xmlns:a="http://schemas.openxmlformats.org/drawingml/2006/main" xmlns:r="http://schemas.openxmlformats.org/officeDocument/2006/relationships" xmlns:p="http://schemas.openxmlformats.org/presentationml/2006/main">
+  <p:cSld>
+    <p:spTree>
+      <p:nvGrpSpPr>
+        <p:cNvPr id="1" name=""/>
+        <p:cNvGrpSpPr/>
+        <p:nvPr/>
+      </p:nvGrpSpPr>
+      <p:grpSpPr>
+        <a:xfrm>
+          <a:off x="0" y="0"/>
+          <a:ext cx="0" cy="0"/>
+          <a:chOff x="0" y="0"/>
+          <a:chExt cx="0" cy="0"/>
+        </a:xfrm>
+      </p:grpSpPr>
+      <p:sp>
+        <p:nvSpPr>
+          <p:cNvPr id="2" name="标题 1">
+            <a:extLst>
+              <a:ext uri="{FF2B5EF4-FFF2-40B4-BE49-F238E27FC236}">
+                <a16:creationId xmlns:a16="http://schemas.microsoft.com/office/drawing/2014/main" id="{4CF6C461-9239-4CF5-92AE-87F3C5CE6406}"/>
+              </a:ext>
+            </a:extLst>
+          </p:cNvPr>
+          <p:cNvSpPr>
+            <a:spLocks noGrp="1"/>
+          </p:cNvSpPr>
+          <p:nvPr>
+            <p:ph type="title"/>
+          </p:nvPr>
+        </p:nvSpPr>
+        <p:spPr/>
+        <p:txBody>
+          <a:bodyPr/>
+          <a:lstStyle/>
+          <a:p>
+            <a:r>
+              <a:rPr lang="en-US" dirty="0"/>
+              <a:t>HTML5 – Group Work</a:t>
+            </a:r>
+          </a:p>
+        </p:txBody>
+      </p:sp>
+      <p:sp>
+        <p:nvSpPr>
+          <p:cNvPr id="3" name="内容占位符 2">
+            <a:extLst>
+              <a:ext uri="{FF2B5EF4-FFF2-40B4-BE49-F238E27FC236}">
+                <a16:creationId xmlns:a16="http://schemas.microsoft.com/office/drawing/2014/main" id="{CEB20B40-0840-4535-B8A4-85D1574D5ABB}"/>
+              </a:ext>
+            </a:extLst>
+          </p:cNvPr>
+          <p:cNvSpPr>
+            <a:spLocks noGrp="1"/>
+          </p:cNvSpPr>
+          <p:nvPr>
+            <p:ph idx="1"/>
+          </p:nvPr>
+        </p:nvSpPr>
+        <p:spPr/>
+        <p:txBody>
+          <a:bodyPr/>
+          <a:lstStyle/>
+          <a:p>
+            <a:r>
+              <a:rPr lang="en-US" dirty="0"/>
+              <a:t>Discuss about the sample personal profile.</a:t>
+            </a:r>
+          </a:p>
+          <a:p>
+            <a:endParaRPr lang="en-US" dirty="0"/>
+          </a:p>
+          <a:p>
+            <a:r>
+              <a:rPr lang="en-US" dirty="0"/>
+              <a:t>Modify it to a group profile.</a:t>
+            </a:r>
+          </a:p>
+          <a:p>
+            <a:endParaRPr lang="en-US" dirty="0"/>
+          </a:p>
+        </p:txBody>
+      </p:sp>
+    </p:spTree>
+    <p:extLst>
+      <p:ext uri="{BB962C8B-B14F-4D97-AF65-F5344CB8AC3E}">
+        <p14:creationId xmlns:p14="http://schemas.microsoft.com/office/powerpoint/2010/main" val="3943797469"/>
+      </p:ext>
+    </p:extLst>
+  </p:cSld>
+  <p:clrMapOvr>
+    <a:masterClrMapping/>
+  </p:clrMapOvr>
+</p:sld>
+</file>
+
+<file path=ppt/slides/slide22.xml><?xml version="1.0" encoding="utf-8"?>
+<p:sld xmlns:a="http://schemas.openxmlformats.org/drawingml/2006/main" xmlns:r="http://schemas.openxmlformats.org/officeDocument/2006/relationships" xmlns:p="http://schemas.openxmlformats.org/presentationml/2006/main">
+  <p:cSld>
+    <p:spTree>
+      <p:nvGrpSpPr>
+        <p:cNvPr id="1" name=""/>
+        <p:cNvGrpSpPr/>
+        <p:nvPr/>
+      </p:nvGrpSpPr>
+      <p:grpSpPr>
+        <a:xfrm>
+          <a:off x="0" y="0"/>
+          <a:ext cx="0" cy="0"/>
+          <a:chOff x="0" y="0"/>
+          <a:chExt cx="0" cy="0"/>
+        </a:xfrm>
+      </p:grpSpPr>
+      <p:sp>
+        <p:nvSpPr>
+          <p:cNvPr id="2" name="标题 1">
+            <a:extLst>
+              <a:ext uri="{FF2B5EF4-FFF2-40B4-BE49-F238E27FC236}">
+                <a16:creationId xmlns:a16="http://schemas.microsoft.com/office/drawing/2014/main" id="{1BC438B1-9F3C-4CCD-B0AA-7E2BFB530846}"/>
+              </a:ext>
+            </a:extLst>
+          </p:cNvPr>
+          <p:cNvSpPr>
+            <a:spLocks noGrp="1"/>
+          </p:cNvSpPr>
+          <p:nvPr>
+            <p:ph type="title"/>
+          </p:nvPr>
+        </p:nvSpPr>
+        <p:spPr/>
+        <p:txBody>
+          <a:bodyPr/>
+          <a:lstStyle/>
+          <a:p>
+            <a:r>
+              <a:rPr lang="en-US" dirty="0"/>
+              <a:t>HTML5 – After class group work</a:t>
+            </a:r>
+          </a:p>
+        </p:txBody>
+      </p:sp>
+      <p:sp>
+        <p:nvSpPr>
+          <p:cNvPr id="3" name="内容占位符 2">
+            <a:extLst>
+              <a:ext uri="{FF2B5EF4-FFF2-40B4-BE49-F238E27FC236}">
+                <a16:creationId xmlns:a16="http://schemas.microsoft.com/office/drawing/2014/main" id="{9488329E-7FD7-4D05-8A6A-917483D085FC}"/>
+              </a:ext>
+            </a:extLst>
+          </p:cNvPr>
+          <p:cNvSpPr>
+            <a:spLocks noGrp="1"/>
+          </p:cNvSpPr>
+          <p:nvPr>
+            <p:ph idx="1"/>
+          </p:nvPr>
+        </p:nvSpPr>
+        <p:spPr/>
+        <p:txBody>
+          <a:bodyPr/>
+          <a:lstStyle/>
+          <a:p>
+            <a:r>
+              <a:rPr lang="en-US" dirty="0"/>
+              <a:t>Play with more tags, attributions and styles.</a:t>
+            </a:r>
+          </a:p>
+          <a:p>
+            <a:r>
+              <a:rPr lang="en-US" dirty="0"/>
+              <a:t>Use what you try to make your profile better!</a:t>
+            </a:r>
+          </a:p>
+          <a:p>
+            <a:r>
+              <a:rPr lang="en-US" dirty="0"/>
+              <a:t>Next class: each group should show their profiles, and make a short pre about what skills have been used.</a:t>
+            </a:r>
+          </a:p>
+        </p:txBody>
+      </p:sp>
+    </p:spTree>
+    <p:extLst>
+      <p:ext uri="{BB962C8B-B14F-4D97-AF65-F5344CB8AC3E}">
+        <p14:creationId xmlns:p14="http://schemas.microsoft.com/office/powerpoint/2010/main" val="2392170840"/>
       </p:ext>
     </p:extLst>
   </p:cSld>
@@ -3661,7 +6210,7 @@
           <p:cNvPr id="2" name="标题 1">
             <a:extLst>
               <a:ext uri="{FF2B5EF4-FFF2-40B4-BE49-F238E27FC236}">
-                <a16:creationId xmlns:a16="http://schemas.microsoft.com/office/drawing/2014/main" id="{663FC83A-3FFC-4067-848B-CDF5C48F9950}"/>
+                <a16:creationId xmlns:a16="http://schemas.microsoft.com/office/drawing/2014/main" id="{4BCB691B-B89E-4D2A-B291-C25A6F8BA887}"/>
               </a:ext>
             </a:extLst>
           </p:cNvPr>
@@ -3678,14 +6227,9 @@
           <a:lstStyle/>
           <a:p>
             <a:r>
-              <a:rPr lang="en-US" altLang="zh-CN"/>
-              <a:t>Why learn HTML5</a:t>
-            </a:r>
-            <a:r>
-              <a:rPr lang="en-US" altLang="zh-CN" dirty="0"/>
-              <a:t>?</a:t>
-            </a:r>
-            <a:endParaRPr lang="en-US" dirty="0"/>
+              <a:rPr lang="en-US" dirty="0"/>
+              <a:t>What is HTML5?</a:t>
+            </a:r>
           </a:p>
         </p:txBody>
       </p:sp>
@@ -3694,7 +6238,7 @@
           <p:cNvPr id="3" name="内容占位符 2">
             <a:extLst>
               <a:ext uri="{FF2B5EF4-FFF2-40B4-BE49-F238E27FC236}">
-                <a16:creationId xmlns:a16="http://schemas.microsoft.com/office/drawing/2014/main" id="{5914FC85-FAA1-4C5F-BFD4-58C98E72FBB7}"/>
+                <a16:creationId xmlns:a16="http://schemas.microsoft.com/office/drawing/2014/main" id="{50D08002-37B5-41A9-A027-143BF09B5FC3}"/>
               </a:ext>
             </a:extLst>
           </p:cNvPr>
@@ -3724,6 +6268,26 @@
               <a:rPr lang="zh-CN" altLang="en-US" u="sng" dirty="0"/>
               <a:t> </a:t>
             </a:r>
+            <a:endParaRPr lang="en-US" altLang="zh-CN" u="sng" dirty="0"/>
+          </a:p>
+          <a:p>
+            <a:r>
+              <a:rPr lang="zh-CN" altLang="en-US" dirty="0"/>
+              <a:t>超文本：不仅能显示文本，还能显示图片、视频，实现交互</a:t>
+            </a:r>
+            <a:r>
+              <a:rPr lang="en-US" altLang="zh-CN" dirty="0"/>
+              <a:t>……</a:t>
+            </a:r>
+          </a:p>
+          <a:p>
+            <a:r>
+              <a:rPr lang="zh-CN" altLang="en-US" dirty="0"/>
+              <a:t>标记语言：通过特定的标记格式描述并储存网页。</a:t>
+            </a:r>
+            <a:endParaRPr lang="en-US" altLang="zh-CN" dirty="0"/>
+          </a:p>
+          <a:p>
             <a:endParaRPr lang="en-US" altLang="zh-CN" dirty="0"/>
           </a:p>
           <a:p>
@@ -3741,336 +6305,1069 @@
             </a:r>
             <a:r>
               <a:rPr lang="zh-CN" altLang="en-US" dirty="0"/>
-              <a:t>年修订完成</a:t>
+              <a:t>年修订完成。</a:t>
             </a:r>
             <a:endParaRPr lang="en-US" altLang="zh-CN" dirty="0"/>
           </a:p>
-        </p:txBody>
-      </p:sp>
-      <p:graphicFrame>
-        <p:nvGraphicFramePr>
-          <p:cNvPr id="4" name="表格 3">
-            <a:extLst>
-              <a:ext uri="{FF2B5EF4-FFF2-40B4-BE49-F238E27FC236}">
-                <a16:creationId xmlns:a16="http://schemas.microsoft.com/office/drawing/2014/main" id="{0CC4E16F-69D5-4818-9D8A-85527772E526}"/>
-              </a:ext>
-            </a:extLst>
-          </p:cNvPr>
-          <p:cNvGraphicFramePr>
-            <a:graphicFrameLocks noGrp="1"/>
-          </p:cNvGraphicFramePr>
-          <p:nvPr>
-            <p:extLst>
-              <p:ext uri="{D42A27DB-BD31-4B8C-83A1-F6EECF244321}">
-                <p14:modId xmlns:p14="http://schemas.microsoft.com/office/powerpoint/2010/main" val="3699944073"/>
-              </p:ext>
-            </p:extLst>
-          </p:nvPr>
-        </p:nvGraphicFramePr>
-        <p:xfrm>
-          <a:off x="838200" y="2882020"/>
-          <a:ext cx="10335882" cy="3495774"/>
-        </p:xfrm>
-        <a:graphic>
-          <a:graphicData uri="http://schemas.openxmlformats.org/drawingml/2006/table">
-            <a:tbl>
-              <a:tblPr firstCol="1" bandRow="1">
-                <a:tableStyleId>{5C22544A-7EE6-4342-B048-85BDC9FD1C3A}</a:tableStyleId>
-              </a:tblPr>
-              <a:tblGrid>
-                <a:gridCol w="1243642">
-                  <a:extLst>
-                    <a:ext uri="{9D8B030D-6E8A-4147-A177-3AD203B41FA5}">
-                      <a16:colId xmlns:a16="http://schemas.microsoft.com/office/drawing/2014/main" val="1574169249"/>
-                    </a:ext>
-                  </a:extLst>
-                </a:gridCol>
-                <a:gridCol w="4192437">
-                  <a:extLst>
-                    <a:ext uri="{9D8B030D-6E8A-4147-A177-3AD203B41FA5}">
-                      <a16:colId xmlns:a16="http://schemas.microsoft.com/office/drawing/2014/main" val="3411588546"/>
-                    </a:ext>
-                  </a:extLst>
-                </a:gridCol>
-                <a:gridCol w="4899803">
-                  <a:extLst>
-                    <a:ext uri="{9D8B030D-6E8A-4147-A177-3AD203B41FA5}">
-                      <a16:colId xmlns:a16="http://schemas.microsoft.com/office/drawing/2014/main" val="2104424213"/>
-                    </a:ext>
-                  </a:extLst>
-                </a:gridCol>
-              </a:tblGrid>
-              <a:tr h="1165258">
-                <a:tc>
-                  <a:txBody>
-                    <a:bodyPr/>
-                    <a:lstStyle/>
-                    <a:p>
-                      <a:r>
-                        <a:rPr lang="en-US" altLang="zh-CN" sz="2800" dirty="0"/>
-                        <a:t>Before</a:t>
-                      </a:r>
-                      <a:endParaRPr lang="en-US" sz="2800" dirty="0"/>
-                    </a:p>
-                  </a:txBody>
-                  <a:tcPr anchor="ctr"/>
-                </a:tc>
-                <a:tc>
-                  <a:txBody>
-                    <a:bodyPr/>
-                    <a:lstStyle/>
-                    <a:p>
-                      <a:r>
-                        <a:rPr lang="zh-CN" altLang="en-US" sz="2800" dirty="0"/>
-                        <a:t>网站比较丑（就跟</a:t>
-                      </a:r>
-                      <a:r>
-                        <a:rPr lang="en-US" altLang="zh-CN" sz="2800" dirty="0"/>
-                        <a:t>Word</a:t>
-                      </a:r>
-                      <a:r>
-                        <a:rPr lang="zh-CN" altLang="en-US" sz="2800" dirty="0"/>
-                        <a:t>排版出来的差不多）</a:t>
-                      </a:r>
-                      <a:endParaRPr lang="en-US" sz="2800" dirty="0"/>
-                    </a:p>
-                  </a:txBody>
-                  <a:tcPr anchor="ctr"/>
-                </a:tc>
-                <a:tc>
-                  <a:txBody>
-                    <a:bodyPr/>
-                    <a:lstStyle/>
-                    <a:p>
-                      <a:pPr marL="0" marR="0" lvl="0" indent="0" algn="l" defTabSz="914400" rtl="0" eaLnBrk="1" fontAlgn="auto" latinLnBrk="0" hangingPunct="1">
-                        <a:lnSpc>
-                          <a:spcPct val="100000"/>
-                        </a:lnSpc>
-                        <a:spcBef>
-                          <a:spcPts val="0"/>
-                        </a:spcBef>
-                        <a:spcAft>
-                          <a:spcPts val="0"/>
-                        </a:spcAft>
-                        <a:buClrTx/>
-                        <a:buSzTx/>
-                        <a:buFontTx/>
-                        <a:buNone/>
-                        <a:tabLst/>
-                        <a:defRPr/>
-                      </a:pPr>
-                      <a:r>
-                        <a:rPr lang="zh-CN" altLang="en-US" sz="2800" dirty="0"/>
-                        <a:t>网站功能简单</a:t>
-                      </a:r>
-                      <a:endParaRPr lang="en-US" altLang="zh-CN" sz="2800" dirty="0"/>
-                    </a:p>
-                    <a:p>
-                      <a:endParaRPr lang="en-US" sz="2800" dirty="0"/>
-                    </a:p>
-                  </a:txBody>
-                  <a:tcPr anchor="ctr"/>
-                </a:tc>
-                <a:extLst>
-                  <a:ext uri="{0D108BD9-81ED-4DB2-BD59-A6C34878D82A}">
-                    <a16:rowId xmlns:a16="http://schemas.microsoft.com/office/drawing/2014/main" val="1624930884"/>
-                  </a:ext>
-                </a:extLst>
-              </a:tr>
-              <a:tr h="1165258">
-                <a:tc>
-                  <a:txBody>
-                    <a:bodyPr/>
-                    <a:lstStyle/>
-                    <a:p>
-                      <a:r>
-                        <a:rPr lang="en-US" altLang="zh-CN" sz="2800" dirty="0"/>
-                        <a:t>After</a:t>
-                      </a:r>
-                      <a:endParaRPr lang="en-US" sz="2800" dirty="0"/>
-                    </a:p>
-                  </a:txBody>
-                  <a:tcPr anchor="ctr"/>
-                </a:tc>
-                <a:tc>
-                  <a:txBody>
-                    <a:bodyPr/>
-                    <a:lstStyle/>
-                    <a:p>
-                      <a:r>
-                        <a:rPr lang="zh-CN" altLang="en-US" sz="2800" dirty="0"/>
-                        <a:t>网站更好看了（更多开源</a:t>
-                      </a:r>
-                      <a:r>
-                        <a:rPr lang="en-US" altLang="zh-CN" sz="2800" dirty="0"/>
-                        <a:t>UI</a:t>
-                      </a:r>
-                      <a:r>
-                        <a:rPr lang="zh-CN" altLang="en-US" sz="2800" dirty="0"/>
-                        <a:t>库了）</a:t>
-                      </a:r>
-                      <a:endParaRPr lang="en-US" sz="2800" dirty="0"/>
-                    </a:p>
-                  </a:txBody>
-                  <a:tcPr anchor="ctr"/>
-                </a:tc>
-                <a:tc>
-                  <a:txBody>
-                    <a:bodyPr/>
-                    <a:lstStyle/>
-                    <a:p>
-                      <a:r>
-                        <a:rPr lang="zh-CN" altLang="en-US" sz="2800" dirty="0"/>
-                        <a:t>网站功能更丰富</a:t>
-                      </a:r>
-                      <a:endParaRPr lang="en-US" sz="2800" dirty="0"/>
-                    </a:p>
-                  </a:txBody>
-                  <a:tcPr anchor="ctr"/>
-                </a:tc>
-                <a:extLst>
-                  <a:ext uri="{0D108BD9-81ED-4DB2-BD59-A6C34878D82A}">
-                    <a16:rowId xmlns:a16="http://schemas.microsoft.com/office/drawing/2014/main" val="342513685"/>
-                  </a:ext>
-                </a:extLst>
-              </a:tr>
-              <a:tr h="1165258">
-                <a:tc>
-                  <a:txBody>
-                    <a:bodyPr/>
-                    <a:lstStyle/>
-                    <a:p>
-                      <a:r>
-                        <a:rPr lang="en-US" altLang="zh-CN" sz="2800" dirty="0"/>
-                        <a:t>Result</a:t>
-                      </a:r>
-                      <a:endParaRPr lang="en-US" sz="2800" dirty="0"/>
-                    </a:p>
-                  </a:txBody>
-                  <a:tcPr anchor="ctr"/>
-                </a:tc>
-                <a:tc>
-                  <a:txBody>
-                    <a:bodyPr/>
-                    <a:lstStyle/>
-                    <a:p>
-                      <a:r>
-                        <a:rPr lang="zh-CN" altLang="en-US" sz="2800" dirty="0"/>
-                        <a:t>之前的前端程序猿失业</a:t>
-                      </a:r>
-                      <a:r>
-                        <a:rPr lang="en-US" altLang="zh-CN" sz="2800" dirty="0"/>
-                        <a:t>/</a:t>
-                      </a:r>
-                      <a:r>
-                        <a:rPr lang="zh-CN" altLang="en-US" sz="2800" dirty="0"/>
-                        <a:t>退休</a:t>
-                      </a:r>
-                      <a:r>
-                        <a:rPr lang="en-US" altLang="zh-CN" sz="2800" dirty="0"/>
-                        <a:t>/</a:t>
-                      </a:r>
-                      <a:r>
-                        <a:rPr lang="zh-CN" altLang="en-US" sz="2800" dirty="0"/>
-                        <a:t>重新学</a:t>
-                      </a:r>
-                      <a:endParaRPr lang="en-US" sz="2800" dirty="0"/>
-                    </a:p>
-                  </a:txBody>
-                  <a:tcPr anchor="ctr"/>
-                </a:tc>
-                <a:tc>
-                  <a:txBody>
-                    <a:bodyPr/>
-                    <a:lstStyle/>
-                    <a:p>
-                      <a:r>
-                        <a:rPr lang="zh-CN" altLang="en-US" sz="2800" b="1" dirty="0">
-                          <a:solidFill>
-                            <a:schemeClr val="bg1"/>
-                          </a:solidFill>
-                          <a:effectLst>
-                            <a:outerShdw blurRad="38100" dist="38100" dir="2700000" algn="tl">
-                              <a:srgbClr val="000000">
-                                <a:alpha val="43137"/>
-                              </a:srgbClr>
-                            </a:outerShdw>
-                          </a:effectLst>
-                          <a:highlight>
-                            <a:srgbClr val="FF0000"/>
-                          </a:highlight>
-                        </a:rPr>
-                        <a:t>这是我们学习</a:t>
-                      </a:r>
-                      <a:r>
-                        <a:rPr lang="en-US" altLang="zh-CN" sz="2800" b="1" dirty="0">
-                          <a:solidFill>
-                            <a:schemeClr val="bg1"/>
-                          </a:solidFill>
-                          <a:effectLst>
-                            <a:outerShdw blurRad="38100" dist="38100" dir="2700000" algn="tl">
-                              <a:srgbClr val="000000">
-                                <a:alpha val="43137"/>
-                              </a:srgbClr>
-                            </a:outerShdw>
-                          </a:effectLst>
-                          <a:highlight>
-                            <a:srgbClr val="FF0000"/>
-                          </a:highlight>
-                        </a:rPr>
-                        <a:t>HTML5</a:t>
-                      </a:r>
-                      <a:r>
-                        <a:rPr lang="zh-CN" altLang="en-US" sz="2800" b="1" dirty="0">
-                          <a:solidFill>
-                            <a:schemeClr val="bg1"/>
-                          </a:solidFill>
-                          <a:effectLst>
-                            <a:outerShdw blurRad="38100" dist="38100" dir="2700000" algn="tl">
-                              <a:srgbClr val="000000">
-                                <a:alpha val="43137"/>
-                              </a:srgbClr>
-                            </a:outerShdw>
-                          </a:effectLst>
-                          <a:highlight>
-                            <a:srgbClr val="FF0000"/>
-                          </a:highlight>
-                        </a:rPr>
-                        <a:t>的最成熟且最好的时机</a:t>
-                      </a:r>
-                      <a:endParaRPr lang="en-US" sz="2800" b="1" dirty="0">
-                        <a:solidFill>
-                          <a:schemeClr val="bg1"/>
-                        </a:solidFill>
-                        <a:effectLst>
-                          <a:outerShdw blurRad="38100" dist="38100" dir="2700000" algn="tl">
-                            <a:srgbClr val="000000">
-                              <a:alpha val="43137"/>
-                            </a:srgbClr>
-                          </a:outerShdw>
-                        </a:effectLst>
-                        <a:highlight>
-                          <a:srgbClr val="FF0000"/>
-                        </a:highlight>
-                      </a:endParaRPr>
-                    </a:p>
-                  </a:txBody>
-                  <a:tcPr anchor="ctr"/>
-                </a:tc>
-                <a:extLst>
-                  <a:ext uri="{0D108BD9-81ED-4DB2-BD59-A6C34878D82A}">
-                    <a16:rowId xmlns:a16="http://schemas.microsoft.com/office/drawing/2014/main" val="2154519115"/>
-                  </a:ext>
-                </a:extLst>
-              </a:tr>
-            </a:tbl>
-          </a:graphicData>
-        </a:graphic>
-      </p:graphicFrame>
+          <a:p>
+            <a:endParaRPr lang="en-US" dirty="0"/>
+          </a:p>
+          <a:p>
+            <a:r>
+              <a:rPr lang="zh-CN" altLang="en-US" dirty="0"/>
+              <a:t>现在的网页基本上都是</a:t>
+            </a:r>
+            <a:r>
+              <a:rPr lang="en-US" altLang="zh-CN" dirty="0"/>
+              <a:t>HTML5</a:t>
+            </a:r>
+            <a:r>
+              <a:rPr lang="zh-CN" altLang="en-US" dirty="0"/>
+              <a:t>！</a:t>
+            </a:r>
+            <a:endParaRPr lang="en-US" dirty="0"/>
+          </a:p>
+        </p:txBody>
+      </p:sp>
     </p:spTree>
     <p:extLst>
       <p:ext uri="{BB962C8B-B14F-4D97-AF65-F5344CB8AC3E}">
-        <p14:creationId xmlns:p14="http://schemas.microsoft.com/office/powerpoint/2010/main" val="405725691"/>
+        <p14:creationId xmlns:p14="http://schemas.microsoft.com/office/powerpoint/2010/main" val="3805427759"/>
+      </p:ext>
+    </p:extLst>
+  </p:cSld>
+  <p:clrMapOvr>
+    <a:masterClrMapping/>
+  </p:clrMapOvr>
+</p:sld>
+</file>
+
+<file path=ppt/slides/slide4.xml><?xml version="1.0" encoding="utf-8"?>
+<p:sld xmlns:a="http://schemas.openxmlformats.org/drawingml/2006/main" xmlns:r="http://schemas.openxmlformats.org/officeDocument/2006/relationships" xmlns:p="http://schemas.openxmlformats.org/presentationml/2006/main">
+  <p:cSld>
+    <p:spTree>
+      <p:nvGrpSpPr>
+        <p:cNvPr id="1" name=""/>
+        <p:cNvGrpSpPr/>
+        <p:nvPr/>
+      </p:nvGrpSpPr>
+      <p:grpSpPr>
+        <a:xfrm>
+          <a:off x="0" y="0"/>
+          <a:ext cx="0" cy="0"/>
+          <a:chOff x="0" y="0"/>
+          <a:chExt cx="0" cy="0"/>
+        </a:xfrm>
+      </p:grpSpPr>
+      <p:sp>
+        <p:nvSpPr>
+          <p:cNvPr id="2" name="标题 1">
+            <a:extLst>
+              <a:ext uri="{FF2B5EF4-FFF2-40B4-BE49-F238E27FC236}">
+                <a16:creationId xmlns:a16="http://schemas.microsoft.com/office/drawing/2014/main" id="{DF941991-D22E-4F5A-BF78-07F2E10D049F}"/>
+              </a:ext>
+            </a:extLst>
+          </p:cNvPr>
+          <p:cNvSpPr>
+            <a:spLocks noGrp="1"/>
+          </p:cNvSpPr>
+          <p:nvPr>
+            <p:ph type="title"/>
+          </p:nvPr>
+        </p:nvSpPr>
+        <p:spPr/>
+        <p:txBody>
+          <a:bodyPr/>
+          <a:lstStyle/>
+          <a:p>
+            <a:r>
+              <a:rPr lang="en-US" altLang="zh-CN" dirty="0"/>
+              <a:t>Why learn HTML5?</a:t>
+            </a:r>
+            <a:endParaRPr lang="en-US" dirty="0"/>
+          </a:p>
+        </p:txBody>
+      </p:sp>
+      <p:sp>
+        <p:nvSpPr>
+          <p:cNvPr id="3" name="内容占位符 2">
+            <a:extLst>
+              <a:ext uri="{FF2B5EF4-FFF2-40B4-BE49-F238E27FC236}">
+                <a16:creationId xmlns:a16="http://schemas.microsoft.com/office/drawing/2014/main" id="{6EA180A3-7B58-49F9-A12B-D3B552FF503A}"/>
+              </a:ext>
+            </a:extLst>
+          </p:cNvPr>
+          <p:cNvSpPr>
+            <a:spLocks noGrp="1"/>
+          </p:cNvSpPr>
+          <p:nvPr>
+            <p:ph idx="1"/>
+          </p:nvPr>
+        </p:nvSpPr>
+        <p:spPr/>
+        <p:txBody>
+          <a:bodyPr/>
+          <a:lstStyle/>
+          <a:p>
+            <a:r>
+              <a:rPr lang="en-US" dirty="0"/>
+              <a:t>All platforms: Windows/ MacOS/ Linux/ Android/ iOS . . . As long as it has a browser(</a:t>
+            </a:r>
+            <a:r>
+              <a:rPr lang="zh-CN" altLang="en-US" dirty="0"/>
+              <a:t>浏览器</a:t>
+            </a:r>
+            <a:r>
+              <a:rPr lang="en-US" altLang="zh-CN" dirty="0"/>
+              <a:t>)</a:t>
+            </a:r>
+          </a:p>
+          <a:p>
+            <a:r>
+              <a:rPr lang="en-US" dirty="0"/>
+              <a:t>Easy to learn!</a:t>
+            </a:r>
+          </a:p>
+          <a:p>
+            <a:r>
+              <a:rPr lang="en-US" dirty="0"/>
+              <a:t>Powerful!</a:t>
+            </a:r>
+          </a:p>
+          <a:p>
+            <a:r>
+              <a:rPr lang="en-US" dirty="0"/>
+              <a:t>Open source! (You can get the source code(HTML) from any website.)</a:t>
+            </a:r>
+          </a:p>
+          <a:p>
+            <a:endParaRPr lang="en-US" dirty="0"/>
+          </a:p>
+        </p:txBody>
+      </p:sp>
+    </p:spTree>
+    <p:extLst>
+      <p:ext uri="{BB962C8B-B14F-4D97-AF65-F5344CB8AC3E}">
+        <p14:creationId xmlns:p14="http://schemas.microsoft.com/office/powerpoint/2010/main" val="2088116144"/>
+      </p:ext>
+    </p:extLst>
+  </p:cSld>
+  <p:clrMapOvr>
+    <a:masterClrMapping/>
+  </p:clrMapOvr>
+</p:sld>
+</file>
+
+<file path=ppt/slides/slide5.xml><?xml version="1.0" encoding="utf-8"?>
+<p:sld xmlns:a="http://schemas.openxmlformats.org/drawingml/2006/main" xmlns:r="http://schemas.openxmlformats.org/officeDocument/2006/relationships" xmlns:p="http://schemas.openxmlformats.org/presentationml/2006/main">
+  <p:cSld>
+    <p:spTree>
+      <p:nvGrpSpPr>
+        <p:cNvPr id="1" name=""/>
+        <p:cNvGrpSpPr/>
+        <p:nvPr/>
+      </p:nvGrpSpPr>
+      <p:grpSpPr>
+        <a:xfrm>
+          <a:off x="0" y="0"/>
+          <a:ext cx="0" cy="0"/>
+          <a:chOff x="0" y="0"/>
+          <a:chExt cx="0" cy="0"/>
+        </a:xfrm>
+      </p:grpSpPr>
+      <p:sp>
+        <p:nvSpPr>
+          <p:cNvPr id="2" name="标题 1">
+            <a:extLst>
+              <a:ext uri="{FF2B5EF4-FFF2-40B4-BE49-F238E27FC236}">
+                <a16:creationId xmlns:a16="http://schemas.microsoft.com/office/drawing/2014/main" id="{28F847D0-B32C-4E64-A96D-A9E3353792F9}"/>
+              </a:ext>
+            </a:extLst>
+          </p:cNvPr>
+          <p:cNvSpPr>
+            <a:spLocks noGrp="1"/>
+          </p:cNvSpPr>
+          <p:nvPr>
+            <p:ph type="title"/>
+          </p:nvPr>
+        </p:nvSpPr>
+        <p:spPr/>
+        <p:txBody>
+          <a:bodyPr/>
+          <a:lstStyle/>
+          <a:p>
+            <a:r>
+              <a:rPr lang="en-US" altLang="zh-CN" dirty="0"/>
+              <a:t>What can we do with HTML5?</a:t>
+            </a:r>
+            <a:endParaRPr lang="en-US" dirty="0"/>
+          </a:p>
+        </p:txBody>
+      </p:sp>
+      <p:sp>
+        <p:nvSpPr>
+          <p:cNvPr id="3" name="内容占位符 2">
+            <a:extLst>
+              <a:ext uri="{FF2B5EF4-FFF2-40B4-BE49-F238E27FC236}">
+                <a16:creationId xmlns:a16="http://schemas.microsoft.com/office/drawing/2014/main" id="{44BFED9A-82F0-41A5-9737-D85186624171}"/>
+              </a:ext>
+            </a:extLst>
+          </p:cNvPr>
+          <p:cNvSpPr>
+            <a:spLocks noGrp="1"/>
+          </p:cNvSpPr>
+          <p:nvPr>
+            <p:ph idx="1"/>
+          </p:nvPr>
+        </p:nvSpPr>
+        <p:spPr/>
+        <p:txBody>
+          <a:bodyPr/>
+          <a:lstStyle/>
+          <a:p>
+            <a:r>
+              <a:rPr lang="en-US" dirty="0"/>
+              <a:t>Personal Website</a:t>
+            </a:r>
+          </a:p>
+          <a:p>
+            <a:r>
+              <a:rPr lang="en-US" dirty="0"/>
+              <a:t>Enterprise(Business) Website</a:t>
+            </a:r>
+          </a:p>
+          <a:p>
+            <a:r>
+              <a:rPr lang="en-US" dirty="0"/>
+              <a:t>Admin Website</a:t>
+            </a:r>
+          </a:p>
+          <a:p>
+            <a:r>
+              <a:rPr lang="en-US" dirty="0"/>
+              <a:t>Online-coding (</a:t>
+            </a:r>
+            <a:r>
+              <a:rPr lang="en-US" dirty="0" err="1"/>
+              <a:t>leetcode</a:t>
+            </a:r>
+            <a:r>
+              <a:rPr lang="en-US" dirty="0"/>
+              <a:t>, </a:t>
+            </a:r>
+            <a:r>
+              <a:rPr lang="en-US" dirty="0" err="1"/>
+              <a:t>CodePen</a:t>
+            </a:r>
+            <a:r>
+              <a:rPr lang="en-US" dirty="0"/>
+              <a:t>, </a:t>
+            </a:r>
+            <a:r>
+              <a:rPr lang="en-US" altLang="zh-CN" dirty="0" err="1"/>
+              <a:t>Jupyter</a:t>
+            </a:r>
+            <a:r>
+              <a:rPr lang="en-US" altLang="zh-CN" dirty="0"/>
+              <a:t> Notebook</a:t>
+            </a:r>
+            <a:r>
+              <a:rPr lang="en-US" dirty="0"/>
+              <a:t>)</a:t>
+            </a:r>
+          </a:p>
+          <a:p>
+            <a:r>
+              <a:rPr lang="en-US" dirty="0"/>
+              <a:t>Mobile Apps(Facebook, Instagram, </a:t>
+            </a:r>
+            <a:r>
+              <a:rPr lang="zh-CN" altLang="en-US" dirty="0"/>
+              <a:t>知乎</a:t>
+            </a:r>
+            <a:r>
+              <a:rPr lang="en-US" altLang="zh-CN" dirty="0"/>
+              <a:t>)</a:t>
+            </a:r>
+            <a:endParaRPr lang="en-US" dirty="0"/>
+          </a:p>
+          <a:p>
+            <a:r>
+              <a:rPr lang="en-US" dirty="0"/>
+              <a:t>Desktop Apps(Visual Studio Code)</a:t>
+            </a:r>
+          </a:p>
+        </p:txBody>
+      </p:sp>
+    </p:spTree>
+    <p:extLst>
+      <p:ext uri="{BB962C8B-B14F-4D97-AF65-F5344CB8AC3E}">
+        <p14:creationId xmlns:p14="http://schemas.microsoft.com/office/powerpoint/2010/main" val="2967450886"/>
+      </p:ext>
+    </p:extLst>
+  </p:cSld>
+  <p:clrMapOvr>
+    <a:masterClrMapping/>
+  </p:clrMapOvr>
+</p:sld>
+</file>
+
+<file path=ppt/slides/slide6.xml><?xml version="1.0" encoding="utf-8"?>
+<p:sld xmlns:a="http://schemas.openxmlformats.org/drawingml/2006/main" xmlns:r="http://schemas.openxmlformats.org/officeDocument/2006/relationships" xmlns:p="http://schemas.openxmlformats.org/presentationml/2006/main">
+  <p:cSld>
+    <p:spTree>
+      <p:nvGrpSpPr>
+        <p:cNvPr id="1" name=""/>
+        <p:cNvGrpSpPr/>
+        <p:nvPr/>
+      </p:nvGrpSpPr>
+      <p:grpSpPr>
+        <a:xfrm>
+          <a:off x="0" y="0"/>
+          <a:ext cx="0" cy="0"/>
+          <a:chOff x="0" y="0"/>
+          <a:chExt cx="0" cy="0"/>
+        </a:xfrm>
+      </p:grpSpPr>
+      <p:sp>
+        <p:nvSpPr>
+          <p:cNvPr id="2" name="标题 1">
+            <a:extLst>
+              <a:ext uri="{FF2B5EF4-FFF2-40B4-BE49-F238E27FC236}">
+                <a16:creationId xmlns:a16="http://schemas.microsoft.com/office/drawing/2014/main" id="{BA101BF5-7364-4A7C-B207-CEA2FA0840F5}"/>
+              </a:ext>
+            </a:extLst>
+          </p:cNvPr>
+          <p:cNvSpPr>
+            <a:spLocks noGrp="1"/>
+          </p:cNvSpPr>
+          <p:nvPr>
+            <p:ph type="title"/>
+          </p:nvPr>
+        </p:nvSpPr>
+        <p:spPr/>
+        <p:txBody>
+          <a:bodyPr/>
+          <a:lstStyle/>
+          <a:p>
+            <a:r>
+              <a:rPr lang="en-US" dirty="0"/>
+              <a:t>HTML5 – Basic Format:</a:t>
+            </a:r>
+            <a:r>
+              <a:rPr lang="zh-CN" altLang="en-US" dirty="0"/>
+              <a:t> </a:t>
+            </a:r>
+            <a:r>
+              <a:rPr lang="en-US" altLang="zh-CN" dirty="0"/>
+              <a:t>tags</a:t>
+            </a:r>
+            <a:endParaRPr lang="en-US" dirty="0"/>
+          </a:p>
+        </p:txBody>
+      </p:sp>
+      <p:sp>
+        <p:nvSpPr>
+          <p:cNvPr id="3" name="内容占位符 2">
+            <a:extLst>
+              <a:ext uri="{FF2B5EF4-FFF2-40B4-BE49-F238E27FC236}">
+                <a16:creationId xmlns:a16="http://schemas.microsoft.com/office/drawing/2014/main" id="{7BB50D65-4863-4AD6-8953-91046CA95ED8}"/>
+              </a:ext>
+            </a:extLst>
+          </p:cNvPr>
+          <p:cNvSpPr>
+            <a:spLocks noGrp="1"/>
+          </p:cNvSpPr>
+          <p:nvPr>
+            <p:ph idx="1"/>
+          </p:nvPr>
+        </p:nvSpPr>
+        <p:spPr>
+          <a:xfrm>
+            <a:off x="838200" y="1825625"/>
+            <a:ext cx="10515600" cy="4667250"/>
+          </a:xfrm>
+        </p:spPr>
+        <p:txBody>
+          <a:bodyPr>
+            <a:normAutofit lnSpcReduction="10000"/>
+          </a:bodyPr>
+          <a:lstStyle/>
+          <a:p>
+            <a:r>
+              <a:rPr lang="en-US" dirty="0"/>
+              <a:t>&lt; </a:t>
+            </a:r>
+            <a:r>
+              <a:rPr lang="en-US" i="1" dirty="0"/>
+              <a:t>tag</a:t>
+            </a:r>
+            <a:r>
+              <a:rPr lang="en-US" dirty="0"/>
+              <a:t> </a:t>
+            </a:r>
+            <a:r>
+              <a:rPr lang="en-US" i="1" dirty="0"/>
+              <a:t>attr1=“. . .” attr2=“. . .” </a:t>
+            </a:r>
+            <a:r>
+              <a:rPr lang="en-US" dirty="0"/>
+              <a:t>. . . &gt; </a:t>
+            </a:r>
+            <a:r>
+              <a:rPr lang="en-US" i="1" dirty="0"/>
+              <a:t>text &amp; inner HTML</a:t>
+            </a:r>
+            <a:r>
+              <a:rPr lang="en-US" dirty="0"/>
+              <a:t> &lt;/</a:t>
+            </a:r>
+            <a:r>
+              <a:rPr lang="en-US" i="1" dirty="0"/>
+              <a:t>tag</a:t>
+            </a:r>
+            <a:r>
+              <a:rPr lang="en-US" dirty="0"/>
+              <a:t>&gt;</a:t>
+            </a:r>
+          </a:p>
+          <a:p>
+            <a:r>
+              <a:rPr lang="en-US" dirty="0"/>
+              <a:t>Or &lt; </a:t>
+            </a:r>
+            <a:r>
+              <a:rPr lang="en-US" i="1" dirty="0"/>
+              <a:t>tag atrr1=“. . .” . . . </a:t>
+            </a:r>
+            <a:r>
+              <a:rPr lang="en-US" dirty="0"/>
+              <a:t>/&gt;  (without text &amp; inner HTML)</a:t>
+            </a:r>
+          </a:p>
+          <a:p>
+            <a:r>
+              <a:rPr lang="en-US" dirty="0"/>
+              <a:t>&lt;!-- </a:t>
+            </a:r>
+            <a:r>
+              <a:rPr lang="en-US" i="1" dirty="0"/>
+              <a:t>something</a:t>
+            </a:r>
+            <a:r>
+              <a:rPr lang="en-US" dirty="0"/>
+              <a:t> --&gt;  (annotation </a:t>
+            </a:r>
+            <a:r>
+              <a:rPr lang="zh-CN" altLang="en-US" dirty="0"/>
+              <a:t>注释）</a:t>
+            </a:r>
+            <a:endParaRPr lang="en-US" dirty="0"/>
+          </a:p>
+          <a:p>
+            <a:endParaRPr lang="en-US" dirty="0"/>
+          </a:p>
+          <a:p>
+            <a:r>
+              <a:rPr lang="en-US" dirty="0"/>
+              <a:t>E.g.</a:t>
+            </a:r>
+          </a:p>
+          <a:p>
+            <a:r>
+              <a:rPr lang="en-US" dirty="0"/>
+              <a:t>&lt;text&gt;Hello World&lt;/text&gt;	(Show Hello World on screen)</a:t>
+            </a:r>
+          </a:p>
+          <a:p>
+            <a:r>
+              <a:rPr lang="en-US" dirty="0"/>
+              <a:t>&lt;</a:t>
+            </a:r>
+            <a:r>
+              <a:rPr lang="en-US" dirty="0" err="1"/>
+              <a:t>img</a:t>
+            </a:r>
+            <a:r>
+              <a:rPr lang="en-US" dirty="0"/>
+              <a:t> </a:t>
+            </a:r>
+            <a:r>
+              <a:rPr lang="en-US" dirty="0" err="1"/>
+              <a:t>src</a:t>
+            </a:r>
+            <a:r>
+              <a:rPr lang="en-US" dirty="0"/>
+              <a:t>=</a:t>
+            </a:r>
+            <a:r>
+              <a:rPr lang="en-US" dirty="0">
+                <a:hlinkClick r:id="rId2"/>
+              </a:rPr>
+              <a:t>“https://www.google.com.hk/images/branding/googlelogo/2x/googlelogo_color_120x44dp.png</a:t>
+            </a:r>
+            <a:r>
+              <a:rPr lang="en-US" dirty="0"/>
+              <a:t>” height=“44” width=“120”/&gt;	(Show Google icon, height = 44px, width = 120px, px:</a:t>
+            </a:r>
+            <a:r>
+              <a:rPr lang="zh-CN" altLang="en-US" dirty="0"/>
+              <a:t>像素</a:t>
+            </a:r>
+            <a:r>
+              <a:rPr lang="en-US" dirty="0"/>
+              <a:t>)</a:t>
+            </a:r>
+          </a:p>
+        </p:txBody>
+      </p:sp>
+    </p:spTree>
+    <p:extLst>
+      <p:ext uri="{BB962C8B-B14F-4D97-AF65-F5344CB8AC3E}">
+        <p14:creationId xmlns:p14="http://schemas.microsoft.com/office/powerpoint/2010/main" val="914488457"/>
+      </p:ext>
+    </p:extLst>
+  </p:cSld>
+  <p:clrMapOvr>
+    <a:masterClrMapping/>
+  </p:clrMapOvr>
+</p:sld>
+</file>
+
+<file path=ppt/slides/slide7.xml><?xml version="1.0" encoding="utf-8"?>
+<p:sld xmlns:a="http://schemas.openxmlformats.org/drawingml/2006/main" xmlns:r="http://schemas.openxmlformats.org/officeDocument/2006/relationships" xmlns:p="http://schemas.openxmlformats.org/presentationml/2006/main">
+  <p:cSld>
+    <p:spTree>
+      <p:nvGrpSpPr>
+        <p:cNvPr id="1" name=""/>
+        <p:cNvGrpSpPr/>
+        <p:nvPr/>
+      </p:nvGrpSpPr>
+      <p:grpSpPr>
+        <a:xfrm>
+          <a:off x="0" y="0"/>
+          <a:ext cx="0" cy="0"/>
+          <a:chOff x="0" y="0"/>
+          <a:chExt cx="0" cy="0"/>
+        </a:xfrm>
+      </p:grpSpPr>
+      <p:sp>
+        <p:nvSpPr>
+          <p:cNvPr id="2" name="标题 1">
+            <a:extLst>
+              <a:ext uri="{FF2B5EF4-FFF2-40B4-BE49-F238E27FC236}">
+                <a16:creationId xmlns:a16="http://schemas.microsoft.com/office/drawing/2014/main" id="{FC73932F-1CC6-46B2-8978-1DE0004EFF13}"/>
+              </a:ext>
+            </a:extLst>
+          </p:cNvPr>
+          <p:cNvSpPr>
+            <a:spLocks noGrp="1"/>
+          </p:cNvSpPr>
+          <p:nvPr>
+            <p:ph type="title"/>
+          </p:nvPr>
+        </p:nvSpPr>
+        <p:spPr/>
+        <p:txBody>
+          <a:bodyPr/>
+          <a:lstStyle/>
+          <a:p>
+            <a:r>
+              <a:rPr lang="en-US" dirty="0"/>
+              <a:t>HTML5 – Basic Structure</a:t>
+            </a:r>
+          </a:p>
+        </p:txBody>
+      </p:sp>
+      <p:sp>
+        <p:nvSpPr>
+          <p:cNvPr id="3" name="内容占位符 2">
+            <a:extLst>
+              <a:ext uri="{FF2B5EF4-FFF2-40B4-BE49-F238E27FC236}">
+                <a16:creationId xmlns:a16="http://schemas.microsoft.com/office/drawing/2014/main" id="{08EAEC83-329C-461A-8853-B8FD21D525E3}"/>
+              </a:ext>
+            </a:extLst>
+          </p:cNvPr>
+          <p:cNvSpPr>
+            <a:spLocks noGrp="1"/>
+          </p:cNvSpPr>
+          <p:nvPr>
+            <p:ph idx="1"/>
+          </p:nvPr>
+        </p:nvSpPr>
+        <p:spPr/>
+        <p:txBody>
+          <a:bodyPr/>
+          <a:lstStyle/>
+          <a:p>
+            <a:r>
+              <a:rPr lang="en-US" dirty="0"/>
+              <a:t>&lt;!DOCTYPE html&gt;  (Show that it is an HTML file)</a:t>
+            </a:r>
+          </a:p>
+          <a:p>
+            <a:r>
+              <a:rPr lang="en-US" dirty="0"/>
+              <a:t>&lt;html&gt;</a:t>
+            </a:r>
+          </a:p>
+          <a:p>
+            <a:r>
+              <a:rPr lang="en-US" dirty="0"/>
+              <a:t>&lt;head&gt;</a:t>
+            </a:r>
+          </a:p>
+          <a:p>
+            <a:pPr marL="457200" lvl="1" indent="0">
+              <a:buNone/>
+            </a:pPr>
+            <a:r>
+              <a:rPr lang="en-US" dirty="0"/>
+              <a:t>Some metadata and links here.</a:t>
+            </a:r>
+          </a:p>
+          <a:p>
+            <a:r>
+              <a:rPr lang="en-US" dirty="0"/>
+              <a:t>&lt;/head&gt;</a:t>
+            </a:r>
+          </a:p>
+          <a:p>
+            <a:r>
+              <a:rPr lang="en-US" dirty="0"/>
+              <a:t>&lt;body&gt;</a:t>
+            </a:r>
+          </a:p>
+          <a:p>
+            <a:pPr marL="457200" lvl="1" indent="0">
+              <a:buNone/>
+            </a:pPr>
+            <a:r>
+              <a:rPr lang="en-US" dirty="0"/>
+              <a:t>The </a:t>
+            </a:r>
+            <a:r>
+              <a:rPr lang="en-US" b="1" dirty="0">
+                <a:solidFill>
+                  <a:srgbClr val="FF0000"/>
+                </a:solidFill>
+              </a:rPr>
+              <a:t>main</a:t>
+            </a:r>
+            <a:r>
+              <a:rPr lang="en-US" dirty="0"/>
+              <a:t> part of our programming!</a:t>
+            </a:r>
+          </a:p>
+          <a:p>
+            <a:r>
+              <a:rPr lang="en-US" dirty="0"/>
+              <a:t>&lt;/body&gt;</a:t>
+            </a:r>
+          </a:p>
+          <a:p>
+            <a:r>
+              <a:rPr lang="en-US" dirty="0"/>
+              <a:t>&lt;/html&gt;</a:t>
+            </a:r>
+          </a:p>
+        </p:txBody>
+      </p:sp>
+    </p:spTree>
+    <p:extLst>
+      <p:ext uri="{BB962C8B-B14F-4D97-AF65-F5344CB8AC3E}">
+        <p14:creationId xmlns:p14="http://schemas.microsoft.com/office/powerpoint/2010/main" val="1812495147"/>
+      </p:ext>
+    </p:extLst>
+  </p:cSld>
+  <p:clrMapOvr>
+    <a:masterClrMapping/>
+  </p:clrMapOvr>
+</p:sld>
+</file>
+
+<file path=ppt/slides/slide8.xml><?xml version="1.0" encoding="utf-8"?>
+<p:sld xmlns:a="http://schemas.openxmlformats.org/drawingml/2006/main" xmlns:r="http://schemas.openxmlformats.org/officeDocument/2006/relationships" xmlns:p="http://schemas.openxmlformats.org/presentationml/2006/main">
+  <p:cSld>
+    <p:spTree>
+      <p:nvGrpSpPr>
+        <p:cNvPr id="1" name=""/>
+        <p:cNvGrpSpPr/>
+        <p:nvPr/>
+      </p:nvGrpSpPr>
+      <p:grpSpPr>
+        <a:xfrm>
+          <a:off x="0" y="0"/>
+          <a:ext cx="0" cy="0"/>
+          <a:chOff x="0" y="0"/>
+          <a:chExt cx="0" cy="0"/>
+        </a:xfrm>
+      </p:grpSpPr>
+      <p:sp>
+        <p:nvSpPr>
+          <p:cNvPr id="2" name="标题 1">
+            <a:extLst>
+              <a:ext uri="{FF2B5EF4-FFF2-40B4-BE49-F238E27FC236}">
+                <a16:creationId xmlns:a16="http://schemas.microsoft.com/office/drawing/2014/main" id="{15D575A4-0A55-4A0A-9844-8297C189494F}"/>
+              </a:ext>
+            </a:extLst>
+          </p:cNvPr>
+          <p:cNvSpPr>
+            <a:spLocks noGrp="1"/>
+          </p:cNvSpPr>
+          <p:nvPr>
+            <p:ph type="title"/>
+          </p:nvPr>
+        </p:nvSpPr>
+        <p:spPr/>
+        <p:txBody>
+          <a:bodyPr/>
+          <a:lstStyle/>
+          <a:p>
+            <a:r>
+              <a:rPr lang="en-US" dirty="0"/>
+              <a:t>HTML5 – Useful tags</a:t>
+            </a:r>
+          </a:p>
+        </p:txBody>
+      </p:sp>
+      <p:sp>
+        <p:nvSpPr>
+          <p:cNvPr id="3" name="内容占位符 2">
+            <a:extLst>
+              <a:ext uri="{FF2B5EF4-FFF2-40B4-BE49-F238E27FC236}">
+                <a16:creationId xmlns:a16="http://schemas.microsoft.com/office/drawing/2014/main" id="{B6A5ABAB-49FC-461B-9E2D-1FD125CF5C16}"/>
+              </a:ext>
+            </a:extLst>
+          </p:cNvPr>
+          <p:cNvSpPr>
+            <a:spLocks noGrp="1"/>
+          </p:cNvSpPr>
+          <p:nvPr>
+            <p:ph idx="1"/>
+          </p:nvPr>
+        </p:nvSpPr>
+        <p:spPr>
+          <a:xfrm>
+            <a:off x="838200" y="1825625"/>
+            <a:ext cx="10515600" cy="4874224"/>
+          </a:xfrm>
+        </p:spPr>
+        <p:txBody>
+          <a:bodyPr>
+            <a:normAutofit lnSpcReduction="10000"/>
+          </a:bodyPr>
+          <a:lstStyle/>
+          <a:p>
+            <a:r>
+              <a:rPr lang="en-US" dirty="0"/>
+              <a:t>Essential tags: html, head, body</a:t>
+            </a:r>
+          </a:p>
+          <a:p>
+            <a:r>
+              <a:rPr lang="en-US" dirty="0"/>
+              <a:t>Very useful tags:</a:t>
+            </a:r>
+          </a:p>
+          <a:p>
+            <a:pPr lvl="1"/>
+            <a:r>
+              <a:rPr lang="en-US" dirty="0"/>
+              <a:t> div: </a:t>
+            </a:r>
+            <a:r>
+              <a:rPr lang="zh-CN" altLang="en-US" dirty="0"/>
+              <a:t>容器，用于排版</a:t>
+            </a:r>
+            <a:endParaRPr lang="en-US" altLang="zh-CN" dirty="0"/>
+          </a:p>
+          <a:p>
+            <a:pPr lvl="1"/>
+            <a:r>
+              <a:rPr lang="en-US" dirty="0"/>
+              <a:t> h1~h6: </a:t>
+            </a:r>
+            <a:r>
+              <a:rPr lang="zh-CN" altLang="en-US" dirty="0"/>
+              <a:t>标题，</a:t>
+            </a:r>
+            <a:r>
+              <a:rPr lang="en-US" altLang="zh-CN" dirty="0"/>
+              <a:t>1</a:t>
+            </a:r>
+            <a:r>
+              <a:rPr lang="zh-CN" altLang="en-US" dirty="0"/>
+              <a:t>号最大（最重要），</a:t>
+            </a:r>
+            <a:r>
+              <a:rPr lang="en-US" altLang="zh-CN" dirty="0"/>
+              <a:t>6</a:t>
+            </a:r>
+            <a:r>
+              <a:rPr lang="zh-CN" altLang="en-US" dirty="0"/>
+              <a:t>号最小</a:t>
+            </a:r>
+            <a:endParaRPr lang="en-US" altLang="zh-CN" dirty="0"/>
+          </a:p>
+          <a:p>
+            <a:pPr lvl="1"/>
+            <a:r>
+              <a:rPr lang="en-US" dirty="0"/>
+              <a:t> text: </a:t>
+            </a:r>
+            <a:r>
+              <a:rPr lang="zh-CN" altLang="en-US" dirty="0"/>
+              <a:t>普通的文字</a:t>
+            </a:r>
+            <a:endParaRPr lang="en-US" altLang="zh-CN" dirty="0"/>
+          </a:p>
+          <a:p>
+            <a:pPr lvl="1"/>
+            <a:r>
+              <a:rPr lang="en-US" dirty="0"/>
+              <a:t> p: (paragraph) </a:t>
+            </a:r>
+            <a:r>
+              <a:rPr lang="zh-CN" altLang="en-US" dirty="0"/>
+              <a:t>文字段落</a:t>
+            </a:r>
+            <a:endParaRPr lang="en-US" altLang="zh-CN" dirty="0"/>
+          </a:p>
+          <a:p>
+            <a:pPr lvl="1"/>
+            <a:r>
+              <a:rPr lang="en-US" dirty="0"/>
+              <a:t> </a:t>
+            </a:r>
+            <a:r>
+              <a:rPr lang="en-US" dirty="0" err="1"/>
+              <a:t>img</a:t>
+            </a:r>
+            <a:r>
+              <a:rPr lang="en-US" dirty="0"/>
+              <a:t>: </a:t>
+            </a:r>
+            <a:r>
+              <a:rPr lang="zh-CN" altLang="en-US" dirty="0"/>
+              <a:t>图片</a:t>
+            </a:r>
+            <a:endParaRPr lang="en-US" altLang="zh-CN" dirty="0"/>
+          </a:p>
+          <a:p>
+            <a:pPr lvl="1"/>
+            <a:r>
+              <a:rPr lang="en-US" altLang="zh-CN" dirty="0"/>
+              <a:t> video: </a:t>
+            </a:r>
+            <a:r>
+              <a:rPr lang="zh-CN" altLang="en-US" dirty="0"/>
+              <a:t>视频</a:t>
+            </a:r>
+            <a:endParaRPr lang="en-US" altLang="zh-CN" dirty="0"/>
+          </a:p>
+          <a:p>
+            <a:pPr lvl="1"/>
+            <a:r>
+              <a:rPr lang="en-US" altLang="zh-CN" dirty="0"/>
+              <a:t> a:</a:t>
+            </a:r>
+            <a:r>
+              <a:rPr lang="zh-CN" altLang="en-US" dirty="0"/>
+              <a:t> 链接</a:t>
+            </a:r>
+            <a:endParaRPr lang="en-US" altLang="zh-CN" dirty="0"/>
+          </a:p>
+          <a:p>
+            <a:pPr lvl="1"/>
+            <a:r>
+              <a:rPr lang="en-US" altLang="zh-CN" dirty="0"/>
+              <a:t> button: </a:t>
+            </a:r>
+            <a:r>
+              <a:rPr lang="zh-CN" altLang="en-US" dirty="0"/>
+              <a:t>按钮</a:t>
+            </a:r>
+            <a:endParaRPr lang="en-US" altLang="zh-CN" dirty="0"/>
+          </a:p>
+          <a:p>
+            <a:pPr lvl="1"/>
+            <a:r>
+              <a:rPr lang="en-US" altLang="zh-CN" dirty="0"/>
+              <a:t> main:</a:t>
+            </a:r>
+            <a:r>
+              <a:rPr lang="zh-CN" altLang="en-US" dirty="0"/>
+              <a:t> 主要部分</a:t>
+            </a:r>
+            <a:endParaRPr lang="en-US" altLang="zh-CN" dirty="0"/>
+          </a:p>
+          <a:p>
+            <a:pPr lvl="1"/>
+            <a:endParaRPr lang="en-US" altLang="zh-CN" dirty="0"/>
+          </a:p>
+          <a:p>
+            <a:pPr marL="457200" lvl="1" indent="0">
+              <a:buNone/>
+            </a:pPr>
+            <a:r>
+              <a:rPr lang="en-US" altLang="zh-CN" dirty="0"/>
+              <a:t>Reference: </a:t>
+            </a:r>
+            <a:r>
+              <a:rPr lang="en-US" altLang="zh-CN" dirty="0">
+                <a:hlinkClick r:id="rId3"/>
+              </a:rPr>
+              <a:t>http://www.w3school.com.cn/html5/html5_reference.asp</a:t>
+            </a:r>
+            <a:endParaRPr lang="en-US" altLang="zh-CN" dirty="0"/>
+          </a:p>
+          <a:p>
+            <a:pPr marL="457200" lvl="1" indent="0">
+              <a:buNone/>
+            </a:pPr>
+            <a:endParaRPr lang="en-US" altLang="zh-CN" dirty="0"/>
+          </a:p>
+        </p:txBody>
+      </p:sp>
+    </p:spTree>
+    <p:extLst>
+      <p:ext uri="{BB962C8B-B14F-4D97-AF65-F5344CB8AC3E}">
+        <p14:creationId xmlns:p14="http://schemas.microsoft.com/office/powerpoint/2010/main" val="879190741"/>
+      </p:ext>
+    </p:extLst>
+  </p:cSld>
+  <p:clrMapOvr>
+    <a:masterClrMapping/>
+  </p:clrMapOvr>
+</p:sld>
+</file>
+
+<file path=ppt/slides/slide9.xml><?xml version="1.0" encoding="utf-8"?>
+<p:sld xmlns:a="http://schemas.openxmlformats.org/drawingml/2006/main" xmlns:r="http://schemas.openxmlformats.org/officeDocument/2006/relationships" xmlns:p="http://schemas.openxmlformats.org/presentationml/2006/main">
+  <p:cSld>
+    <p:spTree>
+      <p:nvGrpSpPr>
+        <p:cNvPr id="1" name=""/>
+        <p:cNvGrpSpPr/>
+        <p:nvPr/>
+      </p:nvGrpSpPr>
+      <p:grpSpPr>
+        <a:xfrm>
+          <a:off x="0" y="0"/>
+          <a:ext cx="0" cy="0"/>
+          <a:chOff x="0" y="0"/>
+          <a:chExt cx="0" cy="0"/>
+        </a:xfrm>
+      </p:grpSpPr>
+      <p:sp>
+        <p:nvSpPr>
+          <p:cNvPr id="2" name="标题 1">
+            <a:extLst>
+              <a:ext uri="{FF2B5EF4-FFF2-40B4-BE49-F238E27FC236}">
+                <a16:creationId xmlns:a16="http://schemas.microsoft.com/office/drawing/2014/main" id="{8C4C6123-2BAB-4BD7-946F-CE55291FC5F6}"/>
+              </a:ext>
+            </a:extLst>
+          </p:cNvPr>
+          <p:cNvSpPr>
+            <a:spLocks noGrp="1"/>
+          </p:cNvSpPr>
+          <p:nvPr>
+            <p:ph type="title"/>
+          </p:nvPr>
+        </p:nvSpPr>
+        <p:spPr/>
+        <p:txBody>
+          <a:bodyPr/>
+          <a:lstStyle/>
+          <a:p>
+            <a:r>
+              <a:rPr lang="en-US" dirty="0"/>
+              <a:t>HTML5 – Complex usages</a:t>
+            </a:r>
+          </a:p>
+        </p:txBody>
+      </p:sp>
+      <p:sp>
+        <p:nvSpPr>
+          <p:cNvPr id="3" name="内容占位符 2">
+            <a:extLst>
+              <a:ext uri="{FF2B5EF4-FFF2-40B4-BE49-F238E27FC236}">
+                <a16:creationId xmlns:a16="http://schemas.microsoft.com/office/drawing/2014/main" id="{6703E766-1D29-46AA-B1F0-CA8BFF479C99}"/>
+              </a:ext>
+            </a:extLst>
+          </p:cNvPr>
+          <p:cNvSpPr>
+            <a:spLocks noGrp="1"/>
+          </p:cNvSpPr>
+          <p:nvPr>
+            <p:ph idx="1"/>
+          </p:nvPr>
+        </p:nvSpPr>
+        <p:spPr/>
+        <p:txBody>
+          <a:bodyPr/>
+          <a:lstStyle/>
+          <a:p>
+            <a:r>
+              <a:rPr lang="en-US" dirty="0"/>
+              <a:t>How to involve one tag inside another?</a:t>
+            </a:r>
+          </a:p>
+          <a:p>
+            <a:endParaRPr lang="en-US" dirty="0"/>
+          </a:p>
+          <a:p>
+            <a:pPr marL="0" indent="0">
+              <a:buNone/>
+            </a:pPr>
+            <a:r>
+              <a:rPr lang="en-US" dirty="0"/>
+              <a:t>&lt;div&gt;</a:t>
+            </a:r>
+          </a:p>
+          <a:p>
+            <a:pPr marL="457200" lvl="1" indent="0">
+              <a:buNone/>
+            </a:pPr>
+            <a:r>
+              <a:rPr lang="en-US" dirty="0"/>
+              <a:t>&lt;h1&gt; Title &lt;/h1&gt;</a:t>
+            </a:r>
+          </a:p>
+          <a:p>
+            <a:pPr marL="457200" lvl="1" indent="0">
+              <a:buNone/>
+            </a:pPr>
+            <a:r>
+              <a:rPr lang="en-US" dirty="0"/>
+              <a:t>&lt;p&gt; Introduction &lt;/p&gt;</a:t>
+            </a:r>
+          </a:p>
+          <a:p>
+            <a:pPr marL="457200" lvl="1" indent="0">
+              <a:buNone/>
+            </a:pPr>
+            <a:r>
+              <a:rPr lang="en-US" dirty="0"/>
+              <a:t>&lt;p&gt; Main content &lt;/p&gt;</a:t>
+            </a:r>
+          </a:p>
+          <a:p>
+            <a:pPr marL="0" indent="0">
+              <a:buNone/>
+            </a:pPr>
+            <a:r>
+              <a:rPr lang="en-US" dirty="0"/>
+              <a:t>&lt;/div&gt;</a:t>
+            </a:r>
+          </a:p>
+        </p:txBody>
+      </p:sp>
+    </p:spTree>
+    <p:extLst>
+      <p:ext uri="{BB962C8B-B14F-4D97-AF65-F5344CB8AC3E}">
+        <p14:creationId xmlns:p14="http://schemas.microsoft.com/office/powerpoint/2010/main" val="2646796074"/>
       </p:ext>
     </p:extLst>
   </p:cSld>
@@ -4373,4 +7670,299 @@
     </a:ext>
   </a:extLst>
 </a:theme>
+</file>
+
+<file path=ppt/theme/theme2.xml><?xml version="1.0" encoding="utf-8"?>
+<a:theme xmlns:a="http://schemas.openxmlformats.org/drawingml/2006/main" name="Office 主题​​">
+  <a:themeElements>
+    <a:clrScheme name="Office">
+      <a:dk1>
+        <a:sysClr val="windowText" lastClr="000000"/>
+      </a:dk1>
+      <a:lt1>
+        <a:sysClr val="window" lastClr="FFFFFF"/>
+      </a:lt1>
+      <a:dk2>
+        <a:srgbClr val="44546A"/>
+      </a:dk2>
+      <a:lt2>
+        <a:srgbClr val="E7E6E6"/>
+      </a:lt2>
+      <a:accent1>
+        <a:srgbClr val="4472C4"/>
+      </a:accent1>
+      <a:accent2>
+        <a:srgbClr val="ED7D31"/>
+      </a:accent2>
+      <a:accent3>
+        <a:srgbClr val="A5A5A5"/>
+      </a:accent3>
+      <a:accent4>
+        <a:srgbClr val="FFC000"/>
+      </a:accent4>
+      <a:accent5>
+        <a:srgbClr val="5B9BD5"/>
+      </a:accent5>
+      <a:accent6>
+        <a:srgbClr val="70AD47"/>
+      </a:accent6>
+      <a:hlink>
+        <a:srgbClr val="0563C1"/>
+      </a:hlink>
+      <a:folHlink>
+        <a:srgbClr val="954F72"/>
+      </a:folHlink>
+    </a:clrScheme>
+    <a:fontScheme name="Office">
+      <a:majorFont>
+        <a:latin typeface="Calibri Light" panose="020F0302020204030204"/>
+        <a:ea typeface=""/>
+        <a:cs typeface=""/>
+        <a:font script="Jpan" typeface="游ゴシック Light"/>
+        <a:font script="Hang" typeface="맑은 고딕"/>
+        <a:font script="Hans" typeface="等线 Light"/>
+        <a:font script="Hant" typeface="新細明體"/>
+        <a:font script="Arab" typeface="Times New Roman"/>
+        <a:font script="Hebr" typeface="Times New Roman"/>
+        <a:font script="Thai" typeface="Angsana New"/>
+        <a:font script="Ethi" typeface="Nyala"/>
+        <a:font script="Beng" typeface="Vrinda"/>
+        <a:font script="Gujr" typeface="Shruti"/>
+        <a:font script="Khmr" typeface="MoolBoran"/>
+        <a:font script="Knda" typeface="Tunga"/>
+        <a:font script="Guru" typeface="Raavi"/>
+        <a:font script="Cans" typeface="Euphemia"/>
+        <a:font script="Cher" typeface="Plantagenet Cherokee"/>
+        <a:font script="Yiii" typeface="Microsoft Yi Baiti"/>
+        <a:font script="Tibt" typeface="Microsoft Himalaya"/>
+        <a:font script="Thaa" typeface="MV Boli"/>
+        <a:font script="Deva" typeface="Mangal"/>
+        <a:font script="Telu" typeface="Gautami"/>
+        <a:font script="Taml" typeface="Latha"/>
+        <a:font script="Syrc" typeface="Estrangelo Edessa"/>
+        <a:font script="Orya" typeface="Kalinga"/>
+        <a:font script="Mlym" typeface="Kartika"/>
+        <a:font script="Laoo" typeface="DokChampa"/>
+        <a:font script="Sinh" typeface="Iskoola Pota"/>
+        <a:font script="Mong" typeface="Mongolian Baiti"/>
+        <a:font script="Viet" typeface="Times New Roman"/>
+        <a:font script="Uigh" typeface="Microsoft Uighur"/>
+        <a:font script="Geor" typeface="Sylfaen"/>
+        <a:font script="Armn" typeface="Arial"/>
+        <a:font script="Bugi" typeface="Leelawadee UI"/>
+        <a:font script="Bopo" typeface="Microsoft JhengHei"/>
+        <a:font script="Java" typeface="Javanese Text"/>
+        <a:font script="Lisu" typeface="Segoe UI"/>
+        <a:font script="Mymr" typeface="Myanmar Text"/>
+        <a:font script="Nkoo" typeface="Ebrima"/>
+        <a:font script="Olck" typeface="Nirmala UI"/>
+        <a:font script="Osma" typeface="Ebrima"/>
+        <a:font script="Phag" typeface="Phagspa"/>
+        <a:font script="Syrn" typeface="Estrangelo Edessa"/>
+        <a:font script="Syrj" typeface="Estrangelo Edessa"/>
+        <a:font script="Syre" typeface="Estrangelo Edessa"/>
+        <a:font script="Sora" typeface="Nirmala UI"/>
+        <a:font script="Tale" typeface="Microsoft Tai Le"/>
+        <a:font script="Talu" typeface="Microsoft New Tai Lue"/>
+        <a:font script="Tfng" typeface="Ebrima"/>
+      </a:majorFont>
+      <a:minorFont>
+        <a:latin typeface="Calibri" panose="020F0502020204030204"/>
+        <a:ea typeface=""/>
+        <a:cs typeface=""/>
+        <a:font script="Jpan" typeface="游ゴシック"/>
+        <a:font script="Hang" typeface="맑은 고딕"/>
+        <a:font script="Hans" typeface="等线"/>
+        <a:font script="Hant" typeface="新細明體"/>
+        <a:font script="Arab" typeface="Arial"/>
+        <a:font script="Hebr" typeface="Arial"/>
+        <a:font script="Thai" typeface="Cordia New"/>
+        <a:font script="Ethi" typeface="Nyala"/>
+        <a:font script="Beng" typeface="Vrinda"/>
+        <a:font script="Gujr" typeface="Shruti"/>
+        <a:font script="Khmr" typeface="DaunPenh"/>
+        <a:font script="Knda" typeface="Tunga"/>
+        <a:font script="Guru" typeface="Raavi"/>
+        <a:font script="Cans" typeface="Euphemia"/>
+        <a:font script="Cher" typeface="Plantagenet Cherokee"/>
+        <a:font script="Yiii" typeface="Microsoft Yi Baiti"/>
+        <a:font script="Tibt" typeface="Microsoft Himalaya"/>
+        <a:font script="Thaa" typeface="MV Boli"/>
+        <a:font script="Deva" typeface="Mangal"/>
+        <a:font script="Telu" typeface="Gautami"/>
+        <a:font script="Taml" typeface="Latha"/>
+        <a:font script="Syrc" typeface="Estrangelo Edessa"/>
+        <a:font script="Orya" typeface="Kalinga"/>
+        <a:font script="Mlym" typeface="Kartika"/>
+        <a:font script="Laoo" typeface="DokChampa"/>
+        <a:font script="Sinh" typeface="Iskoola Pota"/>
+        <a:font script="Mong" typeface="Mongolian Baiti"/>
+        <a:font script="Viet" typeface="Arial"/>
+        <a:font script="Uigh" typeface="Microsoft Uighur"/>
+        <a:font script="Geor" typeface="Sylfaen"/>
+        <a:font script="Armn" typeface="Arial"/>
+        <a:font script="Bugi" typeface="Leelawadee UI"/>
+        <a:font script="Bopo" typeface="Microsoft JhengHei"/>
+        <a:font script="Java" typeface="Javanese Text"/>
+        <a:font script="Lisu" typeface="Segoe UI"/>
+        <a:font script="Mymr" typeface="Myanmar Text"/>
+        <a:font script="Nkoo" typeface="Ebrima"/>
+        <a:font script="Olck" typeface="Nirmala UI"/>
+        <a:font script="Osma" typeface="Ebrima"/>
+        <a:font script="Phag" typeface="Phagspa"/>
+        <a:font script="Syrn" typeface="Estrangelo Edessa"/>
+        <a:font script="Syrj" typeface="Estrangelo Edessa"/>
+        <a:font script="Syre" typeface="Estrangelo Edessa"/>
+        <a:font script="Sora" typeface="Nirmala UI"/>
+        <a:font script="Tale" typeface="Microsoft Tai Le"/>
+        <a:font script="Talu" typeface="Microsoft New Tai Lue"/>
+        <a:font script="Tfng" typeface="Ebrima"/>
+      </a:minorFont>
+    </a:fontScheme>
+    <a:fmtScheme name="Office">
+      <a:fillStyleLst>
+        <a:solidFill>
+          <a:schemeClr val="phClr"/>
+        </a:solidFill>
+        <a:gradFill rotWithShape="1">
+          <a:gsLst>
+            <a:gs pos="0">
+              <a:schemeClr val="phClr">
+                <a:lumMod val="110000"/>
+                <a:satMod val="105000"/>
+                <a:tint val="67000"/>
+              </a:schemeClr>
+            </a:gs>
+            <a:gs pos="50000">
+              <a:schemeClr val="phClr">
+                <a:lumMod val="105000"/>
+                <a:satMod val="103000"/>
+                <a:tint val="73000"/>
+              </a:schemeClr>
+            </a:gs>
+            <a:gs pos="100000">
+              <a:schemeClr val="phClr">
+                <a:lumMod val="105000"/>
+                <a:satMod val="109000"/>
+                <a:tint val="81000"/>
+              </a:schemeClr>
+            </a:gs>
+          </a:gsLst>
+          <a:lin ang="5400000" scaled="0"/>
+        </a:gradFill>
+        <a:gradFill rotWithShape="1">
+          <a:gsLst>
+            <a:gs pos="0">
+              <a:schemeClr val="phClr">
+                <a:satMod val="103000"/>
+                <a:lumMod val="102000"/>
+                <a:tint val="94000"/>
+              </a:schemeClr>
+            </a:gs>
+            <a:gs pos="50000">
+              <a:schemeClr val="phClr">
+                <a:satMod val="110000"/>
+                <a:lumMod val="100000"/>
+                <a:shade val="100000"/>
+              </a:schemeClr>
+            </a:gs>
+            <a:gs pos="100000">
+              <a:schemeClr val="phClr">
+                <a:lumMod val="99000"/>
+                <a:satMod val="120000"/>
+                <a:shade val="78000"/>
+              </a:schemeClr>
+            </a:gs>
+          </a:gsLst>
+          <a:lin ang="5400000" scaled="0"/>
+        </a:gradFill>
+      </a:fillStyleLst>
+      <a:lnStyleLst>
+        <a:ln w="6350" cap="flat" cmpd="sng" algn="ctr">
+          <a:solidFill>
+            <a:schemeClr val="phClr"/>
+          </a:solidFill>
+          <a:prstDash val="solid"/>
+          <a:miter lim="800000"/>
+        </a:ln>
+        <a:ln w="12700" cap="flat" cmpd="sng" algn="ctr">
+          <a:solidFill>
+            <a:schemeClr val="phClr"/>
+          </a:solidFill>
+          <a:prstDash val="solid"/>
+          <a:miter lim="800000"/>
+        </a:ln>
+        <a:ln w="19050" cap="flat" cmpd="sng" algn="ctr">
+          <a:solidFill>
+            <a:schemeClr val="phClr"/>
+          </a:solidFill>
+          <a:prstDash val="solid"/>
+          <a:miter lim="800000"/>
+        </a:ln>
+      </a:lnStyleLst>
+      <a:effectStyleLst>
+        <a:effectStyle>
+          <a:effectLst/>
+        </a:effectStyle>
+        <a:effectStyle>
+          <a:effectLst/>
+        </a:effectStyle>
+        <a:effectStyle>
+          <a:effectLst>
+            <a:outerShdw blurRad="57150" dist="19050" dir="5400000" algn="ctr" rotWithShape="0">
+              <a:srgbClr val="000000">
+                <a:alpha val="63000"/>
+              </a:srgbClr>
+            </a:outerShdw>
+          </a:effectLst>
+        </a:effectStyle>
+      </a:effectStyleLst>
+      <a:bgFillStyleLst>
+        <a:solidFill>
+          <a:schemeClr val="phClr"/>
+        </a:solidFill>
+        <a:solidFill>
+          <a:schemeClr val="phClr">
+            <a:tint val="95000"/>
+            <a:satMod val="170000"/>
+          </a:schemeClr>
+        </a:solidFill>
+        <a:gradFill rotWithShape="1">
+          <a:gsLst>
+            <a:gs pos="0">
+              <a:schemeClr val="phClr">
+                <a:tint val="93000"/>
+                <a:satMod val="150000"/>
+                <a:shade val="98000"/>
+                <a:lumMod val="102000"/>
+              </a:schemeClr>
+            </a:gs>
+            <a:gs pos="50000">
+              <a:schemeClr val="phClr">
+                <a:tint val="98000"/>
+                <a:satMod val="130000"/>
+                <a:shade val="90000"/>
+                <a:lumMod val="103000"/>
+              </a:schemeClr>
+            </a:gs>
+            <a:gs pos="100000">
+              <a:schemeClr val="phClr">
+                <a:shade val="63000"/>
+                <a:satMod val="120000"/>
+              </a:schemeClr>
+            </a:gs>
+          </a:gsLst>
+          <a:lin ang="5400000" scaled="0"/>
+        </a:gradFill>
+      </a:bgFillStyleLst>
+    </a:fmtScheme>
+  </a:themeElements>
+  <a:objectDefaults/>
+  <a:extraClrSchemeLst/>
+  <a:extLst>
+    <a:ext uri="{05A4C25C-085E-4340-85A3-A5531E510DB2}">
+      <thm15:themeFamily xmlns:thm15="http://schemas.microsoft.com/office/thememl/2012/main" name="Office Theme" id="{62F939B6-93AF-4DB8-9C6B-D6C7DFDC589F}" vid="{4A3C46E8-61CC-4603-A589-7422A47A8E4A}"/>
+    </a:ext>
+  </a:extLst>
+</a:theme>
 </file>
--- a/L1.pptx
+++ b/L1.pptx
@@ -551,6 +551,90 @@
           <a:p>
             <a:fld id="{81836B0C-5CC5-4BEA-B307-26422E26E756}" type="slidenum">
               <a:rPr lang="en-US" smtClean="0"/>
+              <a:t>5</a:t>
+            </a:fld>
+            <a:endParaRPr lang="en-US"/>
+          </a:p>
+        </p:txBody>
+      </p:sp>
+    </p:spTree>
+    <p:extLst>
+      <p:ext uri="{BB962C8B-B14F-4D97-AF65-F5344CB8AC3E}">
+        <p14:creationId xmlns:p14="http://schemas.microsoft.com/office/powerpoint/2010/main" val="3697423355"/>
+      </p:ext>
+    </p:extLst>
+  </p:cSld>
+  <p:clrMapOvr>
+    <a:masterClrMapping/>
+  </p:clrMapOvr>
+</p:notes>
+</file>
+
+<file path=ppt/notesSlides/notesSlide2.xml><?xml version="1.0" encoding="utf-8"?>
+<p:notes xmlns:a="http://schemas.openxmlformats.org/drawingml/2006/main" xmlns:r="http://schemas.openxmlformats.org/officeDocument/2006/relationships" xmlns:p="http://schemas.openxmlformats.org/presentationml/2006/main">
+  <p:cSld>
+    <p:spTree>
+      <p:nvGrpSpPr>
+        <p:cNvPr id="1" name=""/>
+        <p:cNvGrpSpPr/>
+        <p:nvPr/>
+      </p:nvGrpSpPr>
+      <p:grpSpPr>
+        <a:xfrm>
+          <a:off x="0" y="0"/>
+          <a:ext cx="0" cy="0"/>
+          <a:chOff x="0" y="0"/>
+          <a:chExt cx="0" cy="0"/>
+        </a:xfrm>
+      </p:grpSpPr>
+      <p:sp>
+        <p:nvSpPr>
+          <p:cNvPr id="2" name="幻灯片图像占位符 1"/>
+          <p:cNvSpPr>
+            <a:spLocks noGrp="1" noRot="1" noChangeAspect="1"/>
+          </p:cNvSpPr>
+          <p:nvPr>
+            <p:ph type="sldImg"/>
+          </p:nvPr>
+        </p:nvSpPr>
+        <p:spPr/>
+      </p:sp>
+      <p:sp>
+        <p:nvSpPr>
+          <p:cNvPr id="3" name="备注占位符 2"/>
+          <p:cNvSpPr>
+            <a:spLocks noGrp="1"/>
+          </p:cNvSpPr>
+          <p:nvPr>
+            <p:ph type="body" idx="1"/>
+          </p:nvPr>
+        </p:nvSpPr>
+        <p:spPr/>
+        <p:txBody>
+          <a:bodyPr/>
+          <a:lstStyle/>
+          <a:p>
+            <a:endParaRPr lang="en-US" dirty="0"/>
+          </a:p>
+        </p:txBody>
+      </p:sp>
+      <p:sp>
+        <p:nvSpPr>
+          <p:cNvPr id="4" name="灯片编号占位符 3"/>
+          <p:cNvSpPr>
+            <a:spLocks noGrp="1"/>
+          </p:cNvSpPr>
+          <p:nvPr>
+            <p:ph type="sldNum" sz="quarter" idx="10"/>
+          </p:nvPr>
+        </p:nvSpPr>
+        <p:spPr/>
+        <p:txBody>
+          <a:bodyPr/>
+          <a:lstStyle/>
+          <a:p>
+            <a:fld id="{81836B0C-5CC5-4BEA-B307-26422E26E756}" type="slidenum">
+              <a:rPr lang="en-US" smtClean="0"/>
               <a:t>8</a:t>
             </a:fld>
             <a:endParaRPr lang="en-US"/>
@@ -570,7 +654,7 @@
 </p:notes>
 </file>
 
-<file path=ppt/notesSlides/notesSlide2.xml><?xml version="1.0" encoding="utf-8"?>
+<file path=ppt/notesSlides/notesSlide3.xml><?xml version="1.0" encoding="utf-8"?>
 <p:notes xmlns:a="http://schemas.openxmlformats.org/drawingml/2006/main" xmlns:r="http://schemas.openxmlformats.org/officeDocument/2006/relationships" xmlns:p="http://schemas.openxmlformats.org/presentationml/2006/main">
   <p:cSld>
     <p:spTree>
@@ -3875,6 +3959,14 @@
 <file path=ppt/slides/slide1.xml><?xml version="1.0" encoding="utf-8"?>
 <p:sld xmlns:a="http://schemas.openxmlformats.org/drawingml/2006/main" xmlns:r="http://schemas.openxmlformats.org/officeDocument/2006/relationships" xmlns:p="http://schemas.openxmlformats.org/presentationml/2006/main">
   <p:cSld>
+    <p:bg>
+      <p:bgPr>
+        <a:solidFill>
+          <a:schemeClr val="bg1"/>
+        </a:solidFill>
+        <a:effectLst/>
+      </p:bgPr>
+    </p:bg>
     <p:spTree>
       <p:nvGrpSpPr>
         <p:cNvPr id="1" name=""/>
@@ -3891,6 +3983,72 @@
       </p:grpSpPr>
       <p:sp>
         <p:nvSpPr>
+          <p:cNvPr id="16" name="Rectangle 15">
+            <a:extLst>
+              <a:ext uri="{FF2B5EF4-FFF2-40B4-BE49-F238E27FC236}">
+                <a16:creationId xmlns:a16="http://schemas.microsoft.com/office/drawing/2014/main" id="{C0B27210-D0CA-4654-B3E3-9ABB4F178EA1}"/>
+              </a:ext>
+              <a:ext uri="{C183D7F6-B498-43B3-948B-1728B52AA6E4}">
+                <adec:decorative xmlns:adec="http://schemas.microsoft.com/office/drawing/2017/decorative" val="1"/>
+              </a:ext>
+            </a:extLst>
+          </p:cNvPr>
+          <p:cNvSpPr>
+            <a:spLocks noGrp="1" noRot="1" noChangeAspect="1" noMove="1" noResize="1" noEditPoints="1" noAdjustHandles="1" noChangeArrowheads="1" noChangeShapeType="1" noTextEdit="1"/>
+          </p:cNvSpPr>
+          <p:nvPr>
+            <p:extLst>
+              <p:ext uri="{386F3935-93C4-4BCD-93E2-E3B085C9AB24}">
+                <p16:designElem xmlns:p16="http://schemas.microsoft.com/office/powerpoint/2015/main" val="1"/>
+              </p:ext>
+            </p:extLst>
+          </p:nvPr>
+        </p:nvSpPr>
+        <p:spPr>
+          <a:xfrm>
+            <a:off x="0" y="0"/>
+            <a:ext cx="12192000" cy="6858000"/>
+          </a:xfrm>
+          <a:prstGeom prst="rect">
+            <a:avLst/>
+          </a:prstGeom>
+          <a:solidFill>
+            <a:schemeClr val="tx1">
+              <a:lumMod val="75000"/>
+              <a:lumOff val="25000"/>
+            </a:schemeClr>
+          </a:solidFill>
+          <a:ln>
+            <a:noFill/>
+          </a:ln>
+        </p:spPr>
+        <p:style>
+          <a:lnRef idx="2">
+            <a:schemeClr val="accent1">
+              <a:shade val="50000"/>
+            </a:schemeClr>
+          </a:lnRef>
+          <a:fillRef idx="1">
+            <a:schemeClr val="accent1"/>
+          </a:fillRef>
+          <a:effectRef idx="0">
+            <a:schemeClr val="accent1"/>
+          </a:effectRef>
+          <a:fontRef idx="minor">
+            <a:schemeClr val="lt1"/>
+          </a:fontRef>
+        </p:style>
+        <p:txBody>
+          <a:bodyPr rtlCol="0" anchor="ctr"/>
+          <a:lstStyle/>
+          <a:p>
+            <a:pPr algn="ctr"/>
+            <a:endParaRPr lang="en-US"/>
+          </a:p>
+        </p:txBody>
+      </p:sp>
+      <p:sp>
+        <p:nvSpPr>
           <p:cNvPr id="2" name="标题 1">
             <a:extLst>
               <a:ext uri="{FF2B5EF4-FFF2-40B4-BE49-F238E27FC236}">
@@ -3905,16 +4063,32 @@
             <p:ph type="ctrTitle"/>
           </p:nvPr>
         </p:nvSpPr>
-        <p:spPr/>
-        <p:txBody>
-          <a:bodyPr/>
-          <a:lstStyle/>
-          <a:p>
-            <a:r>
-              <a:rPr lang="en-US" altLang="zh-CN" dirty="0"/>
+        <p:spPr>
+          <a:xfrm>
+            <a:off x="6746628" y="1783959"/>
+            <a:ext cx="4645250" cy="2889114"/>
+          </a:xfrm>
+        </p:spPr>
+        <p:txBody>
+          <a:bodyPr anchor="b">
+            <a:normAutofit/>
+          </a:bodyPr>
+          <a:lstStyle/>
+          <a:p>
+            <a:pPr algn="l"/>
+            <a:r>
+              <a:rPr lang="en-US" altLang="zh-CN">
+                <a:solidFill>
+                  <a:schemeClr val="bg1"/>
+                </a:solidFill>
+              </a:rPr>
               <a:t>Web (React) Course</a:t>
             </a:r>
-            <a:endParaRPr lang="en-US" dirty="0"/>
+            <a:endParaRPr lang="en-US">
+              <a:solidFill>
+                <a:schemeClr val="bg1"/>
+              </a:solidFill>
+            </a:endParaRPr>
           </a:p>
         </p:txBody>
       </p:sp>
@@ -3934,35 +4108,455 @@
             <p:ph type="subTitle" idx="1"/>
           </p:nvPr>
         </p:nvSpPr>
-        <p:spPr/>
-        <p:txBody>
-          <a:bodyPr/>
-          <a:lstStyle/>
-          <a:p>
-            <a:r>
-              <a:rPr lang="en-US" dirty="0"/>
+        <p:spPr>
+          <a:xfrm>
+            <a:off x="6746627" y="4750893"/>
+            <a:ext cx="4645250" cy="1147863"/>
+          </a:xfrm>
+        </p:spPr>
+        <p:txBody>
+          <a:bodyPr anchor="t">
+            <a:normAutofit/>
+          </a:bodyPr>
+          <a:lstStyle/>
+          <a:p>
+            <a:pPr algn="l"/>
+            <a:r>
+              <a:rPr lang="en-US" sz="1900">
+                <a:solidFill>
+                  <a:schemeClr val="bg1"/>
+                </a:solidFill>
+              </a:rPr>
               <a:t>Polaris Studio</a:t>
             </a:r>
           </a:p>
           <a:p>
-            <a:r>
-              <a:rPr lang="en-US" dirty="0"/>
+            <a:pPr algn="l"/>
+            <a:r>
+              <a:rPr lang="en-US" sz="1900">
+                <a:solidFill>
+                  <a:schemeClr val="bg1"/>
+                </a:solidFill>
+              </a:rPr>
               <a:t>Lecturer: XIE Guochao (David)</a:t>
             </a:r>
           </a:p>
           <a:p>
-            <a:r>
-              <a:rPr lang="en-US" dirty="0"/>
-              <a:t>SHI </a:t>
-            </a:r>
-            <a:r>
-              <a:rPr lang="en-US" dirty="0" err="1"/>
-              <a:t>Xiaoyu</a:t>
-            </a:r>
-            <a:endParaRPr lang="en-US" dirty="0"/>
-          </a:p>
-        </p:txBody>
-      </p:sp>
+            <a:pPr algn="l"/>
+            <a:r>
+              <a:rPr lang="en-US" sz="1900">
+                <a:solidFill>
+                  <a:schemeClr val="bg1"/>
+                </a:solidFill>
+              </a:rPr>
+              <a:t>SHI Xiaoyu (Ivy)</a:t>
+            </a:r>
+          </a:p>
+        </p:txBody>
+      </p:sp>
+      <p:sp>
+        <p:nvSpPr>
+          <p:cNvPr id="21" name="Freeform: Shape 17">
+            <a:extLst>
+              <a:ext uri="{FF2B5EF4-FFF2-40B4-BE49-F238E27FC236}">
+                <a16:creationId xmlns:a16="http://schemas.microsoft.com/office/drawing/2014/main" id="{1DB7C82F-AB7E-4F0C-B829-FA1B9C415180}"/>
+              </a:ext>
+              <a:ext uri="{C183D7F6-B498-43B3-948B-1728B52AA6E4}">
+                <adec:decorative xmlns:adec="http://schemas.microsoft.com/office/drawing/2017/decorative" val="1"/>
+              </a:ext>
+            </a:extLst>
+          </p:cNvPr>
+          <p:cNvSpPr>
+            <a:spLocks noGrp="1" noRot="1" noChangeAspect="1" noMove="1" noResize="1" noEditPoints="1" noAdjustHandles="1" noChangeArrowheads="1" noChangeShapeType="1" noTextEdit="1"/>
+          </p:cNvSpPr>
+          <p:nvPr>
+            <p:extLst>
+              <p:ext uri="{386F3935-93C4-4BCD-93E2-E3B085C9AB24}">
+                <p16:designElem xmlns:p16="http://schemas.microsoft.com/office/powerpoint/2015/main" val="1"/>
+              </p:ext>
+            </p:extLst>
+          </p:nvPr>
+        </p:nvSpPr>
+        <p:spPr>
+          <a:xfrm flipH="1">
+            <a:off x="0" y="0"/>
+            <a:ext cx="6172782" cy="6858000"/>
+          </a:xfrm>
+          <a:custGeom>
+            <a:avLst/>
+            <a:gdLst>
+              <a:gd name="connsiteX0" fmla="*/ 6172782 w 6172782"/>
+              <a:gd name="connsiteY0" fmla="*/ 0 h 6858000"/>
+              <a:gd name="connsiteX1" fmla="*/ 69075 w 6172782"/>
+              <a:gd name="connsiteY1" fmla="*/ 0 h 6858000"/>
+              <a:gd name="connsiteX2" fmla="*/ 35131 w 6172782"/>
+              <a:gd name="connsiteY2" fmla="*/ 267128 h 6858000"/>
+              <a:gd name="connsiteX3" fmla="*/ 0 w 6172782"/>
+              <a:gd name="connsiteY3" fmla="*/ 962845 h 6858000"/>
+              <a:gd name="connsiteX4" fmla="*/ 3276103 w 6172782"/>
+              <a:gd name="connsiteY4" fmla="*/ 6782205 h 6858000"/>
+              <a:gd name="connsiteX5" fmla="*/ 3407923 w 6172782"/>
+              <a:gd name="connsiteY5" fmla="*/ 6858000 h 6858000"/>
+              <a:gd name="connsiteX6" fmla="*/ 6172782 w 6172782"/>
+              <a:gd name="connsiteY6" fmla="*/ 6858000 h 6858000"/>
+            </a:gdLst>
+            <a:ahLst/>
+            <a:cxnLst>
+              <a:cxn ang="0">
+                <a:pos x="connsiteX0" y="connsiteY0"/>
+              </a:cxn>
+              <a:cxn ang="0">
+                <a:pos x="connsiteX1" y="connsiteY1"/>
+              </a:cxn>
+              <a:cxn ang="0">
+                <a:pos x="connsiteX2" y="connsiteY2"/>
+              </a:cxn>
+              <a:cxn ang="0">
+                <a:pos x="connsiteX3" y="connsiteY3"/>
+              </a:cxn>
+              <a:cxn ang="0">
+                <a:pos x="connsiteX4" y="connsiteY4"/>
+              </a:cxn>
+              <a:cxn ang="0">
+                <a:pos x="connsiteX5" y="connsiteY5"/>
+              </a:cxn>
+              <a:cxn ang="0">
+                <a:pos x="connsiteX6" y="connsiteY6"/>
+              </a:cxn>
+            </a:cxnLst>
+            <a:rect l="l" t="t" r="r" b="b"/>
+            <a:pathLst>
+              <a:path w="6172782" h="6858000">
+                <a:moveTo>
+                  <a:pt x="6172782" y="0"/>
+                </a:moveTo>
+                <a:lnTo>
+                  <a:pt x="69075" y="0"/>
+                </a:lnTo>
+                <a:lnTo>
+                  <a:pt x="35131" y="267128"/>
+                </a:lnTo>
+                <a:cubicBezTo>
+                  <a:pt x="11901" y="495874"/>
+                  <a:pt x="0" y="727970"/>
+                  <a:pt x="0" y="962845"/>
+                </a:cubicBezTo>
+                <a:cubicBezTo>
+                  <a:pt x="0" y="3429034"/>
+                  <a:pt x="1312002" y="5588789"/>
+                  <a:pt x="3276103" y="6782205"/>
+                </a:cubicBezTo>
+                <a:lnTo>
+                  <a:pt x="3407923" y="6858000"/>
+                </a:lnTo>
+                <a:lnTo>
+                  <a:pt x="6172782" y="6858000"/>
+                </a:lnTo>
+                <a:close/>
+              </a:path>
+            </a:pathLst>
+          </a:custGeom>
+          <a:solidFill>
+            <a:schemeClr val="bg1">
+              <a:alpha val="80000"/>
+            </a:schemeClr>
+          </a:solidFill>
+          <a:ln>
+            <a:noFill/>
+          </a:ln>
+        </p:spPr>
+        <p:style>
+          <a:lnRef idx="2">
+            <a:schemeClr val="accent1">
+              <a:shade val="50000"/>
+            </a:schemeClr>
+          </a:lnRef>
+          <a:fillRef idx="1">
+            <a:schemeClr val="accent1"/>
+          </a:fillRef>
+          <a:effectRef idx="0">
+            <a:schemeClr val="accent1"/>
+          </a:effectRef>
+          <a:fontRef idx="minor">
+            <a:schemeClr val="lt1"/>
+          </a:fontRef>
+        </p:style>
+        <p:txBody>
+          <a:bodyPr wrap="square" rtlCol="0" anchor="ctr">
+            <a:noAutofit/>
+          </a:bodyPr>
+          <a:lstStyle/>
+          <a:p>
+            <a:pPr marL="0" marR="0" lvl="0" indent="0" algn="ctr" defTabSz="914400" rtl="0" eaLnBrk="1" fontAlgn="auto" latinLnBrk="0" hangingPunct="1">
+              <a:lnSpc>
+                <a:spcPct val="100000"/>
+              </a:lnSpc>
+              <a:spcBef>
+                <a:spcPts val="0"/>
+              </a:spcBef>
+              <a:spcAft>
+                <a:spcPts val="0"/>
+              </a:spcAft>
+              <a:buClrTx/>
+              <a:buSzTx/>
+              <a:buFontTx/>
+              <a:buNone/>
+              <a:tabLst/>
+              <a:defRPr/>
+            </a:pPr>
+            <a:endParaRPr kumimoji="0" lang="en-US" sz="1800" b="0" i="0" u="none" strike="noStrike" kern="1200" cap="none" spc="0" normalizeH="0" baseline="0" noProof="0">
+              <a:ln>
+                <a:noFill/>
+              </a:ln>
+              <a:solidFill>
+                <a:prstClr val="white"/>
+              </a:solidFill>
+              <a:effectLst/>
+              <a:uLnTx/>
+              <a:uFillTx/>
+              <a:latin typeface="Calibri" panose="020F0502020204030204"/>
+              <a:ea typeface="+mn-ea"/>
+              <a:cs typeface="+mn-cs"/>
+            </a:endParaRPr>
+          </a:p>
+        </p:txBody>
+      </p:sp>
+      <p:sp>
+        <p:nvSpPr>
+          <p:cNvPr id="20" name="Freeform: Shape 19">
+            <a:extLst>
+              <a:ext uri="{FF2B5EF4-FFF2-40B4-BE49-F238E27FC236}">
+                <a16:creationId xmlns:a16="http://schemas.microsoft.com/office/drawing/2014/main" id="{70B66945-4967-4040-926D-DCA44313CDAB}"/>
+              </a:ext>
+              <a:ext uri="{C183D7F6-B498-43B3-948B-1728B52AA6E4}">
+                <adec:decorative xmlns:adec="http://schemas.microsoft.com/office/drawing/2017/decorative" val="1"/>
+              </a:ext>
+            </a:extLst>
+          </p:cNvPr>
+          <p:cNvSpPr>
+            <a:spLocks noGrp="1" noRot="1" noChangeAspect="1" noMove="1" noResize="1" noEditPoints="1" noAdjustHandles="1" noChangeArrowheads="1" noChangeShapeType="1" noTextEdit="1"/>
+          </p:cNvSpPr>
+          <p:nvPr>
+            <p:extLst>
+              <p:ext uri="{386F3935-93C4-4BCD-93E2-E3B085C9AB24}">
+                <p16:designElem xmlns:p16="http://schemas.microsoft.com/office/powerpoint/2015/main" val="1"/>
+              </p:ext>
+            </p:extLst>
+          </p:nvPr>
+        </p:nvSpPr>
+        <p:spPr>
+          <a:xfrm>
+            <a:off x="0" y="0"/>
+            <a:ext cx="6024154" cy="6858000"/>
+          </a:xfrm>
+          <a:custGeom>
+            <a:avLst/>
+            <a:gdLst>
+              <a:gd name="connsiteX0" fmla="*/ 0 w 6024154"/>
+              <a:gd name="connsiteY0" fmla="*/ 0 h 6858000"/>
+              <a:gd name="connsiteX1" fmla="*/ 5953780 w 6024154"/>
+              <a:gd name="connsiteY1" fmla="*/ 0 h 6858000"/>
+              <a:gd name="connsiteX2" fmla="*/ 5989880 w 6024154"/>
+              <a:gd name="connsiteY2" fmla="*/ 284091 h 6858000"/>
+              <a:gd name="connsiteX3" fmla="*/ 6024154 w 6024154"/>
+              <a:gd name="connsiteY3" fmla="*/ 962844 h 6858000"/>
+              <a:gd name="connsiteX4" fmla="*/ 2549934 w 6024154"/>
+              <a:gd name="connsiteY4" fmla="*/ 6800152 h 6858000"/>
+              <a:gd name="connsiteX5" fmla="*/ 2436987 w 6024154"/>
+              <a:gd name="connsiteY5" fmla="*/ 6858000 h 6858000"/>
+              <a:gd name="connsiteX6" fmla="*/ 0 w 6024154"/>
+              <a:gd name="connsiteY6" fmla="*/ 6858000 h 6858000"/>
+            </a:gdLst>
+            <a:ahLst/>
+            <a:cxnLst>
+              <a:cxn ang="0">
+                <a:pos x="connsiteX0" y="connsiteY0"/>
+              </a:cxn>
+              <a:cxn ang="0">
+                <a:pos x="connsiteX1" y="connsiteY1"/>
+              </a:cxn>
+              <a:cxn ang="0">
+                <a:pos x="connsiteX2" y="connsiteY2"/>
+              </a:cxn>
+              <a:cxn ang="0">
+                <a:pos x="connsiteX3" y="connsiteY3"/>
+              </a:cxn>
+              <a:cxn ang="0">
+                <a:pos x="connsiteX4" y="connsiteY4"/>
+              </a:cxn>
+              <a:cxn ang="0">
+                <a:pos x="connsiteX5" y="connsiteY5"/>
+              </a:cxn>
+              <a:cxn ang="0">
+                <a:pos x="connsiteX6" y="connsiteY6"/>
+              </a:cxn>
+            </a:cxnLst>
+            <a:rect l="l" t="t" r="r" b="b"/>
+            <a:pathLst>
+              <a:path w="6024154" h="6858000">
+                <a:moveTo>
+                  <a:pt x="0" y="0"/>
+                </a:moveTo>
+                <a:lnTo>
+                  <a:pt x="5953780" y="0"/>
+                </a:lnTo>
+                <a:lnTo>
+                  <a:pt x="5989880" y="284091"/>
+                </a:lnTo>
+                <a:cubicBezTo>
+                  <a:pt x="6012544" y="507260"/>
+                  <a:pt x="6024154" y="733696"/>
+                  <a:pt x="6024154" y="962844"/>
+                </a:cubicBezTo>
+                <a:cubicBezTo>
+                  <a:pt x="6024154" y="3483472"/>
+                  <a:pt x="4619336" y="5675986"/>
+                  <a:pt x="2549934" y="6800152"/>
+                </a:cubicBezTo>
+                <a:lnTo>
+                  <a:pt x="2436987" y="6858000"/>
+                </a:lnTo>
+                <a:lnTo>
+                  <a:pt x="0" y="6858000"/>
+                </a:lnTo>
+                <a:close/>
+              </a:path>
+            </a:pathLst>
+          </a:custGeom>
+          <a:solidFill>
+            <a:schemeClr val="bg1"/>
+          </a:solidFill>
+          <a:ln>
+            <a:noFill/>
+          </a:ln>
+        </p:spPr>
+        <p:style>
+          <a:lnRef idx="2">
+            <a:schemeClr val="accent1">
+              <a:shade val="50000"/>
+            </a:schemeClr>
+          </a:lnRef>
+          <a:fillRef idx="1">
+            <a:schemeClr val="accent1"/>
+          </a:fillRef>
+          <a:effectRef idx="0">
+            <a:schemeClr val="accent1"/>
+          </a:effectRef>
+          <a:fontRef idx="minor">
+            <a:schemeClr val="lt1"/>
+          </a:fontRef>
+        </p:style>
+        <p:txBody>
+          <a:bodyPr wrap="square" rtlCol="0" anchor="ctr">
+            <a:noAutofit/>
+          </a:bodyPr>
+          <a:lstStyle/>
+          <a:p>
+            <a:pPr marL="0" marR="0" lvl="0" indent="0" algn="ctr" defTabSz="914400" rtl="0" eaLnBrk="1" fontAlgn="auto" latinLnBrk="0" hangingPunct="1">
+              <a:lnSpc>
+                <a:spcPct val="100000"/>
+              </a:lnSpc>
+              <a:spcBef>
+                <a:spcPts val="0"/>
+              </a:spcBef>
+              <a:spcAft>
+                <a:spcPts val="0"/>
+              </a:spcAft>
+              <a:buClrTx/>
+              <a:buSzTx/>
+              <a:buFontTx/>
+              <a:buNone/>
+              <a:tabLst/>
+              <a:defRPr/>
+            </a:pPr>
+            <a:endParaRPr kumimoji="0" lang="en-US" sz="1800" b="0" i="0" u="none" strike="noStrike" kern="1200" cap="none" spc="0" normalizeH="0" baseline="0" noProof="0">
+              <a:ln>
+                <a:noFill/>
+              </a:ln>
+              <a:solidFill>
+                <a:prstClr val="white"/>
+              </a:solidFill>
+              <a:effectLst/>
+              <a:uLnTx/>
+              <a:uFillTx/>
+              <a:latin typeface="Calibri" panose="020F0502020204030204"/>
+              <a:ea typeface="+mn-ea"/>
+              <a:cs typeface="+mn-cs"/>
+            </a:endParaRPr>
+          </a:p>
+        </p:txBody>
+      </p:sp>
+      <p:pic>
+        <p:nvPicPr>
+          <p:cNvPr id="11" name="图片 10">
+            <a:extLst>
+              <a:ext uri="{FF2B5EF4-FFF2-40B4-BE49-F238E27FC236}">
+                <a16:creationId xmlns:a16="http://schemas.microsoft.com/office/drawing/2014/main" id="{6E5B5662-8179-44D0-80FE-4F874A4A3444}"/>
+              </a:ext>
+            </a:extLst>
+          </p:cNvPr>
+          <p:cNvPicPr>
+            <a:picLocks noChangeAspect="1"/>
+          </p:cNvPicPr>
+          <p:nvPr/>
+        </p:nvPicPr>
+        <p:blipFill>
+          <a:blip r:embed="rId2">
+            <a:extLst>
+              <a:ext uri="{28A0092B-C50C-407E-A947-70E740481C1C}">
+                <a14:useLocalDpi xmlns:a14="http://schemas.microsoft.com/office/drawing/2010/main" val="0"/>
+              </a:ext>
+            </a:extLst>
+          </a:blip>
+          <a:stretch>
+            <a:fillRect/>
+          </a:stretch>
+        </p:blipFill>
+        <p:spPr>
+          <a:xfrm>
+            <a:off x="419382" y="720993"/>
+            <a:ext cx="4047843" cy="4047843"/>
+          </a:xfrm>
+          <a:prstGeom prst="rect">
+            <a:avLst/>
+          </a:prstGeom>
+        </p:spPr>
+      </p:pic>
+      <p:pic>
+        <p:nvPicPr>
+          <p:cNvPr id="13" name="图片 12">
+            <a:extLst>
+              <a:ext uri="{FF2B5EF4-FFF2-40B4-BE49-F238E27FC236}">
+                <a16:creationId xmlns:a16="http://schemas.microsoft.com/office/drawing/2014/main" id="{4E24719A-636C-47E7-830B-AC3CD0664F7B}"/>
+              </a:ext>
+            </a:extLst>
+          </p:cNvPr>
+          <p:cNvPicPr>
+            <a:picLocks noChangeAspect="1"/>
+          </p:cNvPicPr>
+          <p:nvPr/>
+        </p:nvPicPr>
+        <p:blipFill rotWithShape="1">
+          <a:blip r:embed="rId3">
+            <a:extLst>
+              <a:ext uri="{28A0092B-C50C-407E-A947-70E740481C1C}">
+                <a14:useLocalDpi xmlns:a14="http://schemas.microsoft.com/office/drawing/2010/main" val="0"/>
+              </a:ext>
+            </a:extLst>
+          </a:blip>
+          <a:srcRect r="59656"/>
+          <a:stretch/>
+        </p:blipFill>
+        <p:spPr>
+          <a:xfrm>
+            <a:off x="9937683" y="1206659"/>
+            <a:ext cx="1694160" cy="1168787"/>
+          </a:xfrm>
+          <a:prstGeom prst="rect">
+            <a:avLst/>
+          </a:prstGeom>
+        </p:spPr>
+      </p:pic>
     </p:spTree>
     <p:extLst>
       <p:ext uri="{BB962C8B-B14F-4D97-AF65-F5344CB8AC3E}">
@@ -5664,9 +6258,10 @@
           <a:lstStyle/>
           <a:p>
             <a:r>
-              <a:rPr lang="en-US" dirty="0"/>
+              <a:rPr lang="en-US"/>
               <a:t>Course Outline</a:t>
             </a:r>
+            <a:endParaRPr lang="en-US" dirty="0"/>
           </a:p>
         </p:txBody>
       </p:sp>
@@ -5699,7 +6294,7 @@
           <a:lstStyle/>
           <a:p>
             <a:r>
-              <a:rPr lang="en-US" dirty="0">
+              <a:rPr lang="en-US">
                 <a:solidFill>
                   <a:schemeClr val="bg1"/>
                 </a:solidFill>
@@ -5717,7 +6312,7 @@
               <a:t>1. </a:t>
             </a:r>
             <a:r>
-              <a:rPr lang="en-US" b="1" dirty="0">
+              <a:rPr lang="en-US" b="1">
                 <a:solidFill>
                   <a:schemeClr val="bg1"/>
                 </a:solidFill>
@@ -5737,65 +6332,65 @@
           </a:p>
           <a:p>
             <a:r>
-              <a:rPr lang="en-US" dirty="0"/>
+              <a:rPr lang="en-US"/>
               <a:t>2. CSS3 and basic UI design</a:t>
             </a:r>
           </a:p>
           <a:p>
             <a:r>
-              <a:rPr lang="en-US" dirty="0"/>
+              <a:rPr lang="en-US"/>
               <a:t>3. CDN, using libraries (Bootstrap), JavaScript Level 1</a:t>
             </a:r>
           </a:p>
           <a:p>
             <a:r>
-              <a:rPr lang="en-US" dirty="0"/>
+              <a:rPr lang="en-US"/>
               <a:t>4. JavaScript Level 2</a:t>
             </a:r>
           </a:p>
           <a:p>
             <a:r>
-              <a:rPr lang="en-US" dirty="0"/>
+              <a:rPr lang="en-US"/>
               <a:t>5. DOM and JavaScript Level 3</a:t>
             </a:r>
           </a:p>
           <a:p>
             <a:r>
-              <a:rPr lang="en-US" dirty="0"/>
+              <a:rPr lang="en-US"/>
               <a:t>6. Introduction to React</a:t>
             </a:r>
           </a:p>
           <a:p>
             <a:r>
-              <a:rPr lang="en-US" dirty="0"/>
+              <a:rPr lang="en-US"/>
               <a:t>7. React Level 1</a:t>
             </a:r>
           </a:p>
           <a:p>
             <a:r>
-              <a:rPr lang="en-US" dirty="0"/>
+              <a:rPr lang="en-US"/>
               <a:t>8. React Level 2</a:t>
             </a:r>
           </a:p>
           <a:p>
             <a:r>
-              <a:rPr lang="en-US" dirty="0"/>
+              <a:rPr lang="en-US"/>
               <a:t>9. React Level 3</a:t>
             </a:r>
           </a:p>
           <a:p>
             <a:r>
-              <a:rPr lang="en-US" dirty="0"/>
+              <a:rPr lang="en-US"/>
               <a:t>10. React UI Examples</a:t>
             </a:r>
           </a:p>
           <a:p>
             <a:r>
-              <a:rPr lang="en-US" dirty="0"/>
+              <a:rPr lang="en-US"/>
               <a:t>11. Conclusion and further study </a:t>
             </a:r>
             <a:r>
-              <a:rPr lang="zh-CN" altLang="en-US" dirty="0">
+              <a:rPr lang="zh-CN" altLang="en-US">
                 <a:solidFill>
                   <a:srgbClr val="FF0000"/>
                 </a:solidFill>
@@ -6077,6 +6672,42 @@
           </a:p>
         </p:txBody>
       </p:sp>
+      <p:pic>
+        <p:nvPicPr>
+          <p:cNvPr id="9" name="图片 8">
+            <a:extLst>
+              <a:ext uri="{FF2B5EF4-FFF2-40B4-BE49-F238E27FC236}">
+                <a16:creationId xmlns:a16="http://schemas.microsoft.com/office/drawing/2014/main" id="{A4D18A05-F63E-4277-86B0-C6059D5B7ECE}"/>
+              </a:ext>
+            </a:extLst>
+          </p:cNvPr>
+          <p:cNvPicPr>
+            <a:picLocks noChangeAspect="1"/>
+          </p:cNvPicPr>
+          <p:nvPr/>
+        </p:nvPicPr>
+        <p:blipFill>
+          <a:blip r:embed="rId2">
+            <a:extLst>
+              <a:ext uri="{28A0092B-C50C-407E-A947-70E740481C1C}">
+                <a14:useLocalDpi xmlns:a14="http://schemas.microsoft.com/office/drawing/2010/main" val="0"/>
+              </a:ext>
+            </a:extLst>
+          </a:blip>
+          <a:stretch>
+            <a:fillRect/>
+          </a:stretch>
+        </p:blipFill>
+        <p:spPr>
+          <a:xfrm>
+            <a:off x="7853362" y="3900488"/>
+            <a:ext cx="2857500" cy="2276475"/>
+          </a:xfrm>
+          <a:prstGeom prst="rect">
+            <a:avLst/>
+          </a:prstGeom>
+        </p:spPr>
+      </p:pic>
     </p:spTree>
     <p:extLst>
       <p:ext uri="{BB962C8B-B14F-4D97-AF65-F5344CB8AC3E}">
@@ -6175,6 +6806,78 @@
           </a:p>
         </p:txBody>
       </p:sp>
+      <p:pic>
+        <p:nvPicPr>
+          <p:cNvPr id="4" name="图片 3">
+            <a:extLst>
+              <a:ext uri="{FF2B5EF4-FFF2-40B4-BE49-F238E27FC236}">
+                <a16:creationId xmlns:a16="http://schemas.microsoft.com/office/drawing/2014/main" id="{FFBBB1F7-4FC7-4B5F-A8EE-BC7F4539280E}"/>
+              </a:ext>
+            </a:extLst>
+          </p:cNvPr>
+          <p:cNvPicPr>
+            <a:picLocks noChangeAspect="1"/>
+          </p:cNvPicPr>
+          <p:nvPr/>
+        </p:nvPicPr>
+        <p:blipFill>
+          <a:blip r:embed="rId2">
+            <a:extLst>
+              <a:ext uri="{28A0092B-C50C-407E-A947-70E740481C1C}">
+                <a14:useLocalDpi xmlns:a14="http://schemas.microsoft.com/office/drawing/2010/main" val="0"/>
+              </a:ext>
+            </a:extLst>
+          </a:blip>
+          <a:stretch>
+            <a:fillRect/>
+          </a:stretch>
+        </p:blipFill>
+        <p:spPr>
+          <a:xfrm>
+            <a:off x="1185862" y="4650179"/>
+            <a:ext cx="2228851" cy="1861746"/>
+          </a:xfrm>
+          <a:prstGeom prst="rect">
+            <a:avLst/>
+          </a:prstGeom>
+        </p:spPr>
+      </p:pic>
+      <p:pic>
+        <p:nvPicPr>
+          <p:cNvPr id="5" name="图片 4" descr="图片包含 文字&#10;&#10;已生成极高可信度的说明">
+            <a:extLst>
+              <a:ext uri="{FF2B5EF4-FFF2-40B4-BE49-F238E27FC236}">
+                <a16:creationId xmlns:a16="http://schemas.microsoft.com/office/drawing/2014/main" id="{21E4FBD1-02F1-459E-8404-B61430E029AB}"/>
+              </a:ext>
+            </a:extLst>
+          </p:cNvPr>
+          <p:cNvPicPr>
+            <a:picLocks noChangeAspect="1"/>
+          </p:cNvPicPr>
+          <p:nvPr/>
+        </p:nvPicPr>
+        <p:blipFill>
+          <a:blip r:embed="rId3">
+            <a:extLst>
+              <a:ext uri="{28A0092B-C50C-407E-A947-70E740481C1C}">
+                <a14:useLocalDpi xmlns:a14="http://schemas.microsoft.com/office/drawing/2010/main" val="0"/>
+              </a:ext>
+            </a:extLst>
+          </a:blip>
+          <a:stretch>
+            <a:fillRect/>
+          </a:stretch>
+        </p:blipFill>
+        <p:spPr>
+          <a:xfrm>
+            <a:off x="3305357" y="3964977"/>
+            <a:ext cx="4078899" cy="2546948"/>
+          </a:xfrm>
+          <a:prstGeom prst="rect">
+            <a:avLst/>
+          </a:prstGeom>
+        </p:spPr>
+      </p:pic>
     </p:spTree>
     <p:extLst>
       <p:ext uri="{BB962C8B-B14F-4D97-AF65-F5344CB8AC3E}">
@@ -6191,6 +6894,14 @@
 <file path=ppt/slides/slide3.xml><?xml version="1.0" encoding="utf-8"?>
 <p:sld xmlns:a="http://schemas.openxmlformats.org/drawingml/2006/main" xmlns:r="http://schemas.openxmlformats.org/officeDocument/2006/relationships" xmlns:p="http://schemas.openxmlformats.org/presentationml/2006/main">
   <p:cSld>
+    <p:bg>
+      <p:bgPr>
+        <a:solidFill>
+          <a:schemeClr val="bg1"/>
+        </a:solidFill>
+        <a:effectLst/>
+      </p:bgPr>
+    </p:bg>
     <p:spTree>
       <p:nvGrpSpPr>
         <p:cNvPr id="1" name=""/>
@@ -6221,9 +6932,16 @@
             <p:ph type="title"/>
           </p:nvPr>
         </p:nvSpPr>
-        <p:spPr/>
-        <p:txBody>
-          <a:bodyPr/>
+        <p:spPr>
+          <a:xfrm>
+            <a:off x="1514292" y="513612"/>
+            <a:ext cx="9894133" cy="1031216"/>
+          </a:xfrm>
+        </p:spPr>
+        <p:txBody>
+          <a:bodyPr anchor="b">
+            <a:normAutofit/>
+          </a:bodyPr>
           <a:lstStyle/>
           <a:p>
             <a:r>
@@ -6233,6 +6951,287 @@
           </a:p>
         </p:txBody>
       </p:sp>
+      <p:pic>
+        <p:nvPicPr>
+          <p:cNvPr id="5" name="图片 4" descr="图片包含 文字&#10;&#10;已生成高可信度的说明">
+            <a:extLst>
+              <a:ext uri="{FF2B5EF4-FFF2-40B4-BE49-F238E27FC236}">
+                <a16:creationId xmlns:a16="http://schemas.microsoft.com/office/drawing/2014/main" id="{B452084C-E6F5-4145-BAB2-29E9CFC9D294}"/>
+              </a:ext>
+            </a:extLst>
+          </p:cNvPr>
+          <p:cNvPicPr>
+            <a:picLocks noChangeAspect="1"/>
+          </p:cNvPicPr>
+          <p:nvPr/>
+        </p:nvPicPr>
+        <p:blipFill>
+          <a:blip r:embed="rId2">
+            <a:extLst>
+              <a:ext uri="{28A0092B-C50C-407E-A947-70E740481C1C}">
+                <a14:useLocalDpi xmlns:a14="http://schemas.microsoft.com/office/drawing/2010/main" val="0"/>
+              </a:ext>
+            </a:extLst>
+          </a:blip>
+          <a:stretch>
+            <a:fillRect/>
+          </a:stretch>
+        </p:blipFill>
+        <p:spPr>
+          <a:xfrm>
+            <a:off x="1599670" y="2589086"/>
+            <a:ext cx="4898627" cy="2755478"/>
+          </a:xfrm>
+          <a:prstGeom prst="rect">
+            <a:avLst/>
+          </a:prstGeom>
+        </p:spPr>
+      </p:pic>
+      <p:sp>
+        <p:nvSpPr>
+          <p:cNvPr id="24" name="Freeform: Shape 23">
+            <a:extLst>
+              <a:ext uri="{FF2B5EF4-FFF2-40B4-BE49-F238E27FC236}">
+                <a16:creationId xmlns:a16="http://schemas.microsoft.com/office/drawing/2014/main" id="{C607803A-4E99-444E-94F7-8785CDDF5849}"/>
+              </a:ext>
+              <a:ext uri="{C183D7F6-B498-43B3-948B-1728B52AA6E4}">
+                <adec:decorative xmlns:adec="http://schemas.microsoft.com/office/drawing/2017/decorative" val="1"/>
+              </a:ext>
+            </a:extLst>
+          </p:cNvPr>
+          <p:cNvSpPr>
+            <a:spLocks noGrp="1" noRot="1" noChangeAspect="1" noMove="1" noResize="1" noEditPoints="1" noAdjustHandles="1" noChangeArrowheads="1" noChangeShapeType="1" noTextEdit="1"/>
+          </p:cNvSpPr>
+          <p:nvPr>
+            <p:extLst>
+              <p:ext uri="{386F3935-93C4-4BCD-93E2-E3B085C9AB24}">
+                <p16:designElem xmlns:p16="http://schemas.microsoft.com/office/powerpoint/2015/main" val="1"/>
+              </p:ext>
+            </p:extLst>
+          </p:nvPr>
+        </p:nvSpPr>
+        <p:spPr bwMode="auto">
+          <a:xfrm flipH="1" flipV="1">
+            <a:off x="780154" y="1884045"/>
+            <a:ext cx="3275668" cy="2853308"/>
+          </a:xfrm>
+          <a:custGeom>
+            <a:avLst/>
+            <a:gdLst>
+              <a:gd name="connsiteX0" fmla="*/ 3275668 w 3275668"/>
+              <a:gd name="connsiteY0" fmla="*/ 2853308 h 2853308"/>
+              <a:gd name="connsiteX1" fmla="*/ 655 w 3275668"/>
+              <a:gd name="connsiteY1" fmla="*/ 2853308 h 2853308"/>
+              <a:gd name="connsiteX2" fmla="*/ 0 w 3275668"/>
+              <a:gd name="connsiteY2" fmla="*/ 2467565 h 2853308"/>
+              <a:gd name="connsiteX3" fmla="*/ 2869894 w 3275668"/>
+              <a:gd name="connsiteY3" fmla="*/ 2468888 h 2853308"/>
+              <a:gd name="connsiteX4" fmla="*/ 2869894 w 3275668"/>
+              <a:gd name="connsiteY4" fmla="*/ 0 h 2853308"/>
+              <a:gd name="connsiteX5" fmla="*/ 3275668 w 3275668"/>
+              <a:gd name="connsiteY5" fmla="*/ 0 h 2853308"/>
+            </a:gdLst>
+            <a:ahLst/>
+            <a:cxnLst>
+              <a:cxn ang="0">
+                <a:pos x="connsiteX0" y="connsiteY0"/>
+              </a:cxn>
+              <a:cxn ang="0">
+                <a:pos x="connsiteX1" y="connsiteY1"/>
+              </a:cxn>
+              <a:cxn ang="0">
+                <a:pos x="connsiteX2" y="connsiteY2"/>
+              </a:cxn>
+              <a:cxn ang="0">
+                <a:pos x="connsiteX3" y="connsiteY3"/>
+              </a:cxn>
+              <a:cxn ang="0">
+                <a:pos x="connsiteX4" y="connsiteY4"/>
+              </a:cxn>
+              <a:cxn ang="0">
+                <a:pos x="connsiteX5" y="connsiteY5"/>
+              </a:cxn>
+            </a:cxnLst>
+            <a:rect l="l" t="t" r="r" b="b"/>
+            <a:pathLst>
+              <a:path w="3275668" h="2853308">
+                <a:moveTo>
+                  <a:pt x="3275668" y="2853308"/>
+                </a:moveTo>
+                <a:lnTo>
+                  <a:pt x="655" y="2853308"/>
+                </a:lnTo>
+                <a:cubicBezTo>
+                  <a:pt x="-655" y="2720171"/>
+                  <a:pt x="1310" y="2600702"/>
+                  <a:pt x="0" y="2467565"/>
+                </a:cubicBezTo>
+                <a:lnTo>
+                  <a:pt x="2869894" y="2468888"/>
+                </a:lnTo>
+                <a:lnTo>
+                  <a:pt x="2869894" y="0"/>
+                </a:lnTo>
+                <a:lnTo>
+                  <a:pt x="3275668" y="0"/>
+                </a:lnTo>
+                <a:close/>
+              </a:path>
+            </a:pathLst>
+          </a:custGeom>
+          <a:solidFill>
+            <a:srgbClr val="4C4C4C"/>
+          </a:solidFill>
+          <a:ln w="0">
+            <a:noFill/>
+            <a:prstDash val="solid"/>
+            <a:round/>
+            <a:headEnd/>
+            <a:tailEnd/>
+          </a:ln>
+        </p:spPr>
+      </p:sp>
+      <p:sp>
+        <p:nvSpPr>
+          <p:cNvPr id="26" name="Freeform: Shape 25">
+            <a:extLst>
+              <a:ext uri="{FF2B5EF4-FFF2-40B4-BE49-F238E27FC236}">
+                <a16:creationId xmlns:a16="http://schemas.microsoft.com/office/drawing/2014/main" id="{2989BE6A-C309-418E-8ADD-1616A980570D}"/>
+              </a:ext>
+              <a:ext uri="{C183D7F6-B498-43B3-948B-1728B52AA6E4}">
+                <adec:decorative xmlns:adec="http://schemas.microsoft.com/office/drawing/2017/decorative" val="1"/>
+              </a:ext>
+            </a:extLst>
+          </p:cNvPr>
+          <p:cNvSpPr>
+            <a:spLocks noGrp="1" noRot="1" noChangeAspect="1" noMove="1" noResize="1" noEditPoints="1" noAdjustHandles="1" noChangeArrowheads="1" noChangeShapeType="1" noTextEdit="1"/>
+          </p:cNvSpPr>
+          <p:nvPr>
+            <p:extLst>
+              <p:ext uri="{386F3935-93C4-4BCD-93E2-E3B085C9AB24}">
+                <p16:designElem xmlns:p16="http://schemas.microsoft.com/office/powerpoint/2015/main" val="1"/>
+              </p:ext>
+            </p:extLst>
+          </p:nvPr>
+        </p:nvSpPr>
+        <p:spPr bwMode="auto">
+          <a:xfrm>
+            <a:off x="4055822" y="3222529"/>
+            <a:ext cx="3242952" cy="2828156"/>
+          </a:xfrm>
+          <a:custGeom>
+            <a:avLst/>
+            <a:gdLst>
+              <a:gd name="connsiteX0" fmla="*/ 2837178 w 3242952"/>
+              <a:gd name="connsiteY0" fmla="*/ 0 h 2828156"/>
+              <a:gd name="connsiteX1" fmla="*/ 3242952 w 3242952"/>
+              <a:gd name="connsiteY1" fmla="*/ 0 h 2828156"/>
+              <a:gd name="connsiteX2" fmla="*/ 3242952 w 3242952"/>
+              <a:gd name="connsiteY2" fmla="*/ 2828156 h 2828156"/>
+              <a:gd name="connsiteX3" fmla="*/ 0 w 3242952"/>
+              <a:gd name="connsiteY3" fmla="*/ 2828156 h 2828156"/>
+              <a:gd name="connsiteX4" fmla="*/ 0 w 3242952"/>
+              <a:gd name="connsiteY4" fmla="*/ 2442859 h 2828156"/>
+              <a:gd name="connsiteX5" fmla="*/ 2837178 w 3242952"/>
+              <a:gd name="connsiteY5" fmla="*/ 2443295 h 2828156"/>
+            </a:gdLst>
+            <a:ahLst/>
+            <a:cxnLst>
+              <a:cxn ang="0">
+                <a:pos x="connsiteX0" y="connsiteY0"/>
+              </a:cxn>
+              <a:cxn ang="0">
+                <a:pos x="connsiteX1" y="connsiteY1"/>
+              </a:cxn>
+              <a:cxn ang="0">
+                <a:pos x="connsiteX2" y="connsiteY2"/>
+              </a:cxn>
+              <a:cxn ang="0">
+                <a:pos x="connsiteX3" y="connsiteY3"/>
+              </a:cxn>
+              <a:cxn ang="0">
+                <a:pos x="connsiteX4" y="connsiteY4"/>
+              </a:cxn>
+              <a:cxn ang="0">
+                <a:pos x="connsiteX5" y="connsiteY5"/>
+              </a:cxn>
+            </a:cxnLst>
+            <a:rect l="l" t="t" r="r" b="b"/>
+            <a:pathLst>
+              <a:path w="3242952" h="2828156">
+                <a:moveTo>
+                  <a:pt x="2837178" y="0"/>
+                </a:moveTo>
+                <a:lnTo>
+                  <a:pt x="3242952" y="0"/>
+                </a:lnTo>
+                <a:lnTo>
+                  <a:pt x="3242952" y="2828156"/>
+                </a:lnTo>
+                <a:lnTo>
+                  <a:pt x="0" y="2828156"/>
+                </a:lnTo>
+                <a:lnTo>
+                  <a:pt x="0" y="2442859"/>
+                </a:lnTo>
+                <a:lnTo>
+                  <a:pt x="2837178" y="2443295"/>
+                </a:lnTo>
+                <a:close/>
+              </a:path>
+            </a:pathLst>
+          </a:custGeom>
+          <a:solidFill>
+            <a:srgbClr val="4C4C4C"/>
+          </a:solidFill>
+          <a:ln w="0">
+            <a:noFill/>
+            <a:prstDash val="solid"/>
+            <a:round/>
+            <a:headEnd/>
+            <a:tailEnd/>
+          </a:ln>
+        </p:spPr>
+        <p:txBody>
+          <a:bodyPr wrap="square">
+            <a:noAutofit/>
+          </a:bodyPr>
+          <a:lstStyle/>
+          <a:p>
+            <a:pPr marL="0" marR="0" lvl="0" indent="0" algn="l" defTabSz="914400" rtl="0" eaLnBrk="1" fontAlgn="auto" latinLnBrk="0" hangingPunct="1">
+              <a:lnSpc>
+                <a:spcPct val="100000"/>
+              </a:lnSpc>
+              <a:spcBef>
+                <a:spcPts val="0"/>
+              </a:spcBef>
+              <a:spcAft>
+                <a:spcPts val="0"/>
+              </a:spcAft>
+              <a:buClrTx/>
+              <a:buSzTx/>
+              <a:buFontTx/>
+              <a:buNone/>
+              <a:tabLst/>
+              <a:defRPr/>
+            </a:pPr>
+            <a:endParaRPr kumimoji="0" lang="en-US" sz="1800" b="0" i="0" u="none" strike="noStrike" kern="1200" cap="none" spc="0" normalizeH="0" baseline="0" noProof="0">
+              <a:ln>
+                <a:noFill/>
+              </a:ln>
+              <a:solidFill>
+                <a:prstClr val="black"/>
+              </a:solidFill>
+              <a:effectLst/>
+              <a:uLnTx/>
+              <a:uFillTx/>
+              <a:latin typeface="Calibri" panose="020F0502020204030204"/>
+              <a:ea typeface="+mn-ea"/>
+              <a:cs typeface="+mn-cs"/>
+            </a:endParaRPr>
+          </a:p>
+        </p:txBody>
+      </p:sp>
       <p:sp>
         <p:nvSpPr>
           <p:cNvPr id="3" name="内容占位符 2">
@@ -6249,83 +7248,90 @@
             <p:ph idx="1"/>
           </p:nvPr>
         </p:nvSpPr>
-        <p:spPr/>
-        <p:txBody>
-          <a:bodyPr/>
-          <a:lstStyle/>
-          <a:p>
-            <a:r>
-              <a:rPr lang="en-US" dirty="0"/>
+        <p:spPr>
+          <a:xfrm>
+            <a:off x="7781373" y="2279151"/>
+            <a:ext cx="3627063" cy="3387145"/>
+          </a:xfrm>
+        </p:spPr>
+        <p:txBody>
+          <a:bodyPr anchor="ctr">
+            <a:normAutofit/>
+          </a:bodyPr>
+          <a:lstStyle/>
+          <a:p>
+            <a:r>
+              <a:rPr lang="en-US" sz="1700"/>
               <a:t>HTML: </a:t>
             </a:r>
             <a:r>
-              <a:rPr lang="zh-CN" altLang="en-US" u="sng" dirty="0">
-                <a:hlinkClick r:id="rId2"/>
+              <a:rPr lang="zh-CN" altLang="en-US" sz="1700" u="sng">
+                <a:hlinkClick r:id="rId3"/>
               </a:rPr>
               <a:t>超文本标记语言</a:t>
             </a:r>
             <a:r>
-              <a:rPr lang="zh-CN" altLang="en-US" u="sng" dirty="0"/>
+              <a:rPr lang="zh-CN" altLang="en-US" sz="1700" u="sng"/>
               <a:t> </a:t>
             </a:r>
-            <a:endParaRPr lang="en-US" altLang="zh-CN" u="sng" dirty="0"/>
-          </a:p>
-          <a:p>
-            <a:r>
-              <a:rPr lang="zh-CN" altLang="en-US" dirty="0"/>
+            <a:endParaRPr lang="en-US" altLang="zh-CN" sz="1700" u="sng"/>
+          </a:p>
+          <a:p>
+            <a:r>
+              <a:rPr lang="zh-CN" altLang="en-US" sz="1700"/>
               <a:t>超文本：不仅能显示文本，还能显示图片、视频，实现交互</a:t>
             </a:r>
             <a:r>
-              <a:rPr lang="en-US" altLang="zh-CN" dirty="0"/>
+              <a:rPr lang="en-US" altLang="zh-CN" sz="1700"/>
               <a:t>……</a:t>
             </a:r>
           </a:p>
           <a:p>
             <a:r>
-              <a:rPr lang="zh-CN" altLang="en-US" dirty="0"/>
+              <a:rPr lang="zh-CN" altLang="en-US" sz="1700"/>
               <a:t>标记语言：通过特定的标记格式描述并储存网页。</a:t>
             </a:r>
-            <a:endParaRPr lang="en-US" altLang="zh-CN" dirty="0"/>
-          </a:p>
-          <a:p>
-            <a:endParaRPr lang="en-US" altLang="zh-CN" dirty="0"/>
-          </a:p>
-          <a:p>
-            <a:r>
-              <a:rPr lang="en-US" dirty="0"/>
+            <a:endParaRPr lang="en-US" altLang="zh-CN" sz="1700"/>
+          </a:p>
+          <a:p>
+            <a:endParaRPr lang="en-US" altLang="zh-CN" sz="1700"/>
+          </a:p>
+          <a:p>
+            <a:r>
+              <a:rPr lang="en-US" sz="1700"/>
               <a:t>HTML5: HTML</a:t>
             </a:r>
             <a:r>
-              <a:rPr lang="zh-CN" altLang="en-US" dirty="0"/>
+              <a:rPr lang="zh-CN" altLang="en-US" sz="1700"/>
               <a:t>的第五版，于</a:t>
             </a:r>
             <a:r>
-              <a:rPr lang="en-US" altLang="zh-CN" dirty="0"/>
+              <a:rPr lang="en-US" altLang="zh-CN" sz="1700"/>
               <a:t>2014</a:t>
             </a:r>
             <a:r>
-              <a:rPr lang="zh-CN" altLang="en-US" dirty="0"/>
+              <a:rPr lang="zh-CN" altLang="en-US" sz="1700"/>
               <a:t>年修订完成。</a:t>
             </a:r>
-            <a:endParaRPr lang="en-US" altLang="zh-CN" dirty="0"/>
-          </a:p>
-          <a:p>
-            <a:endParaRPr lang="en-US" dirty="0"/>
-          </a:p>
-          <a:p>
-            <a:r>
-              <a:rPr lang="zh-CN" altLang="en-US" dirty="0"/>
+            <a:endParaRPr lang="en-US" altLang="zh-CN" sz="1700"/>
+          </a:p>
+          <a:p>
+            <a:endParaRPr lang="en-US" sz="1700"/>
+          </a:p>
+          <a:p>
+            <a:r>
+              <a:rPr lang="zh-CN" altLang="en-US" sz="1700"/>
               <a:t>现在的网页基本上都是</a:t>
             </a:r>
             <a:r>
-              <a:rPr lang="en-US" altLang="zh-CN" dirty="0"/>
+              <a:rPr lang="en-US" altLang="zh-CN" sz="1700"/>
               <a:t>HTML5</a:t>
             </a:r>
             <a:r>
-              <a:rPr lang="zh-CN" altLang="en-US" dirty="0"/>
+              <a:rPr lang="zh-CN" altLang="en-US" sz="1700"/>
               <a:t>！</a:t>
             </a:r>
-            <a:endParaRPr lang="en-US" dirty="0"/>
+            <a:endParaRPr lang="en-US" sz="1700"/>
           </a:p>
         </p:txBody>
       </p:sp>
@@ -6345,6 +7351,14 @@
 <file path=ppt/slides/slide4.xml><?xml version="1.0" encoding="utf-8"?>
 <p:sld xmlns:a="http://schemas.openxmlformats.org/drawingml/2006/main" xmlns:r="http://schemas.openxmlformats.org/officeDocument/2006/relationships" xmlns:p="http://schemas.openxmlformats.org/presentationml/2006/main">
   <p:cSld>
+    <p:bg>
+      <p:bgPr>
+        <a:solidFill>
+          <a:schemeClr val="bg1"/>
+        </a:solidFill>
+        <a:effectLst/>
+      </p:bgPr>
+    </p:bg>
     <p:spTree>
       <p:nvGrpSpPr>
         <p:cNvPr id="1" name=""/>
@@ -6375,19 +7389,61 @@
             <p:ph type="title"/>
           </p:nvPr>
         </p:nvSpPr>
-        <p:spPr/>
-        <p:txBody>
-          <a:bodyPr/>
-          <a:lstStyle/>
-          <a:p>
-            <a:r>
-              <a:rPr lang="en-US" altLang="zh-CN" dirty="0"/>
+        <p:spPr>
+          <a:xfrm>
+            <a:off x="8540496" y="640080"/>
+            <a:ext cx="2799907" cy="2306320"/>
+          </a:xfrm>
+        </p:spPr>
+        <p:txBody>
+          <a:bodyPr anchor="b">
+            <a:normAutofit/>
+          </a:bodyPr>
+          <a:lstStyle/>
+          <a:p>
+            <a:r>
+              <a:rPr lang="en-US" altLang="zh-CN" sz="4000"/>
               <a:t>Why learn HTML5?</a:t>
             </a:r>
-            <a:endParaRPr lang="en-US" dirty="0"/>
-          </a:p>
-        </p:txBody>
-      </p:sp>
+            <a:endParaRPr lang="en-US" sz="4000"/>
+          </a:p>
+        </p:txBody>
+      </p:sp>
+      <p:pic>
+        <p:nvPicPr>
+          <p:cNvPr id="5" name="图片 4" descr="图片包含 剪贴画&#10;&#10;已生成高可信度的说明">
+            <a:extLst>
+              <a:ext uri="{FF2B5EF4-FFF2-40B4-BE49-F238E27FC236}">
+                <a16:creationId xmlns:a16="http://schemas.microsoft.com/office/drawing/2014/main" id="{47B2B7AA-DDC0-4FB9-8076-34EA5957E660}"/>
+              </a:ext>
+            </a:extLst>
+          </p:cNvPr>
+          <p:cNvPicPr>
+            <a:picLocks noChangeAspect="1"/>
+          </p:cNvPicPr>
+          <p:nvPr/>
+        </p:nvPicPr>
+        <p:blipFill rotWithShape="1">
+          <a:blip r:embed="rId2">
+            <a:extLst>
+              <a:ext uri="{28A0092B-C50C-407E-A947-70E740481C1C}">
+                <a14:useLocalDpi xmlns:a14="http://schemas.microsoft.com/office/drawing/2010/main" val="0"/>
+              </a:ext>
+            </a:extLst>
+          </a:blip>
+          <a:srcRect l="12673" r="12475"/>
+          <a:stretch/>
+        </p:blipFill>
+        <p:spPr>
+          <a:xfrm>
+            <a:off x="1412851" y="1985963"/>
+            <a:ext cx="4776970" cy="3589812"/>
+          </a:xfrm>
+          <a:prstGeom prst="rect">
+            <a:avLst/>
+          </a:prstGeom>
+        </p:spPr>
+      </p:pic>
       <p:sp>
         <p:nvSpPr>
           <p:cNvPr id="3" name="内容占位符 2">
@@ -6404,44 +7460,51 @@
             <p:ph idx="1"/>
           </p:nvPr>
         </p:nvSpPr>
-        <p:spPr/>
-        <p:txBody>
-          <a:bodyPr/>
-          <a:lstStyle/>
-          <a:p>
-            <a:r>
-              <a:rPr lang="en-US" dirty="0"/>
+        <p:spPr>
+          <a:xfrm>
+            <a:off x="8566150" y="3136900"/>
+            <a:ext cx="2774253" cy="3077633"/>
+          </a:xfrm>
+        </p:spPr>
+        <p:txBody>
+          <a:bodyPr>
+            <a:normAutofit/>
+          </a:bodyPr>
+          <a:lstStyle/>
+          <a:p>
+            <a:r>
+              <a:rPr lang="en-US" sz="1800"/>
               <a:t>All platforms: Windows/ MacOS/ Linux/ Android/ iOS . . . As long as it has a browser(</a:t>
             </a:r>
             <a:r>
-              <a:rPr lang="zh-CN" altLang="en-US" dirty="0"/>
+              <a:rPr lang="zh-CN" altLang="en-US" sz="1800"/>
               <a:t>浏览器</a:t>
             </a:r>
             <a:r>
-              <a:rPr lang="en-US" altLang="zh-CN" dirty="0"/>
+              <a:rPr lang="en-US" altLang="zh-CN" sz="1800"/>
               <a:t>)</a:t>
             </a:r>
           </a:p>
           <a:p>
             <a:r>
-              <a:rPr lang="en-US" dirty="0"/>
+              <a:rPr lang="en-US" sz="1800"/>
               <a:t>Easy to learn!</a:t>
             </a:r>
           </a:p>
           <a:p>
             <a:r>
-              <a:rPr lang="en-US" dirty="0"/>
+              <a:rPr lang="en-US" sz="1800"/>
               <a:t>Powerful!</a:t>
             </a:r>
           </a:p>
           <a:p>
             <a:r>
-              <a:rPr lang="en-US" dirty="0"/>
+              <a:rPr lang="en-US" sz="1800"/>
               <a:t>Open source! (You can get the source code(HTML) from any website.)</a:t>
             </a:r>
           </a:p>
           <a:p>
-            <a:endParaRPr lang="en-US" dirty="0"/>
+            <a:endParaRPr lang="en-US" sz="1800"/>
           </a:p>
         </p:txBody>
       </p:sp>
@@ -6491,19 +7554,204 @@
             <p:ph type="title"/>
           </p:nvPr>
         </p:nvSpPr>
-        <p:spPr/>
+        <p:spPr>
+          <a:xfrm>
+            <a:off x="838200" y="365125"/>
+            <a:ext cx="10515600" cy="1325563"/>
+          </a:xfrm>
+        </p:spPr>
         <p:txBody>
           <a:bodyPr/>
           <a:lstStyle/>
           <a:p>
             <a:r>
-              <a:rPr lang="en-US" altLang="zh-CN" dirty="0"/>
+              <a:rPr lang="en-US" altLang="zh-CN"/>
               <a:t>What can we do with HTML5?</a:t>
             </a:r>
             <a:endParaRPr lang="en-US" dirty="0"/>
           </a:p>
         </p:txBody>
       </p:sp>
+      <p:pic>
+        <p:nvPicPr>
+          <p:cNvPr id="5" name="图片 4" descr="图片包含 屏幕截图&#10;&#10;已生成极高可信度的说明">
+            <a:extLst>
+              <a:ext uri="{FF2B5EF4-FFF2-40B4-BE49-F238E27FC236}">
+                <a16:creationId xmlns:a16="http://schemas.microsoft.com/office/drawing/2014/main" id="{C39EF53D-D30F-40B2-92E8-6D703397CE56}"/>
+              </a:ext>
+            </a:extLst>
+          </p:cNvPr>
+          <p:cNvPicPr>
+            <a:picLocks noChangeAspect="1"/>
+          </p:cNvPicPr>
+          <p:nvPr/>
+        </p:nvPicPr>
+        <p:blipFill>
+          <a:blip r:embed="rId3">
+            <a:extLst>
+              <a:ext uri="{28A0092B-C50C-407E-A947-70E740481C1C}">
+                <a14:useLocalDpi xmlns:a14="http://schemas.microsoft.com/office/drawing/2010/main" val="0"/>
+              </a:ext>
+            </a:extLst>
+          </a:blip>
+          <a:stretch>
+            <a:fillRect/>
+          </a:stretch>
+        </p:blipFill>
+        <p:spPr>
+          <a:xfrm>
+            <a:off x="635219" y="4951009"/>
+            <a:ext cx="2706080" cy="1906991"/>
+          </a:xfrm>
+          <a:prstGeom prst="rect">
+            <a:avLst/>
+          </a:prstGeom>
+        </p:spPr>
+      </p:pic>
+      <p:pic>
+        <p:nvPicPr>
+          <p:cNvPr id="9" name="图片 8" descr="图片包含 屏幕截图&#10;&#10;已生成极高可信度的说明">
+            <a:extLst>
+              <a:ext uri="{FF2B5EF4-FFF2-40B4-BE49-F238E27FC236}">
+                <a16:creationId xmlns:a16="http://schemas.microsoft.com/office/drawing/2014/main" id="{D22E65C5-0BE8-400E-9319-89EA8CE46625}"/>
+              </a:ext>
+            </a:extLst>
+          </p:cNvPr>
+          <p:cNvPicPr>
+            <a:picLocks noChangeAspect="1"/>
+          </p:cNvPicPr>
+          <p:nvPr/>
+        </p:nvPicPr>
+        <p:blipFill>
+          <a:blip r:embed="rId4">
+            <a:extLst>
+              <a:ext uri="{28A0092B-C50C-407E-A947-70E740481C1C}">
+                <a14:useLocalDpi xmlns:a14="http://schemas.microsoft.com/office/drawing/2010/main" val="0"/>
+              </a:ext>
+            </a:extLst>
+          </a:blip>
+          <a:stretch>
+            <a:fillRect/>
+          </a:stretch>
+        </p:blipFill>
+        <p:spPr>
+          <a:xfrm>
+            <a:off x="3671836" y="5054222"/>
+            <a:ext cx="2573390" cy="1700563"/>
+          </a:xfrm>
+          <a:prstGeom prst="rect">
+            <a:avLst/>
+          </a:prstGeom>
+        </p:spPr>
+      </p:pic>
+      <p:pic>
+        <p:nvPicPr>
+          <p:cNvPr id="11" name="图片 10" descr="图片包含 屏幕截图&#10;&#10;已生成极高可信度的说明">
+            <a:extLst>
+              <a:ext uri="{FF2B5EF4-FFF2-40B4-BE49-F238E27FC236}">
+                <a16:creationId xmlns:a16="http://schemas.microsoft.com/office/drawing/2014/main" id="{11272D0F-3E05-4403-8C43-2B69762EB539}"/>
+              </a:ext>
+            </a:extLst>
+          </p:cNvPr>
+          <p:cNvPicPr>
+            <a:picLocks noChangeAspect="1"/>
+          </p:cNvPicPr>
+          <p:nvPr/>
+        </p:nvPicPr>
+        <p:blipFill>
+          <a:blip r:embed="rId5">
+            <a:extLst>
+              <a:ext uri="{28A0092B-C50C-407E-A947-70E740481C1C}">
+                <a14:useLocalDpi xmlns:a14="http://schemas.microsoft.com/office/drawing/2010/main" val="0"/>
+              </a:ext>
+            </a:extLst>
+          </a:blip>
+          <a:stretch>
+            <a:fillRect/>
+          </a:stretch>
+        </p:blipFill>
+        <p:spPr>
+          <a:xfrm>
+            <a:off x="7729268" y="1027906"/>
+            <a:ext cx="4394189" cy="2093256"/>
+          </a:xfrm>
+          <a:prstGeom prst="rect">
+            <a:avLst/>
+          </a:prstGeom>
+        </p:spPr>
+      </p:pic>
+      <p:pic>
+        <p:nvPicPr>
+          <p:cNvPr id="13" name="图片 12" descr="图片包含 屏幕截图, 室内&#10;&#10;已生成极高可信度的说明">
+            <a:extLst>
+              <a:ext uri="{FF2B5EF4-FFF2-40B4-BE49-F238E27FC236}">
+                <a16:creationId xmlns:a16="http://schemas.microsoft.com/office/drawing/2014/main" id="{F9873BEA-A68D-4925-99EC-B42D024CB765}"/>
+              </a:ext>
+            </a:extLst>
+          </p:cNvPr>
+          <p:cNvPicPr>
+            <a:picLocks noChangeAspect="1"/>
+          </p:cNvPicPr>
+          <p:nvPr/>
+        </p:nvPicPr>
+        <p:blipFill>
+          <a:blip r:embed="rId6">
+            <a:extLst>
+              <a:ext uri="{28A0092B-C50C-407E-A947-70E740481C1C}">
+                <a14:useLocalDpi xmlns:a14="http://schemas.microsoft.com/office/drawing/2010/main" val="0"/>
+              </a:ext>
+            </a:extLst>
+          </a:blip>
+          <a:stretch>
+            <a:fillRect/>
+          </a:stretch>
+        </p:blipFill>
+        <p:spPr>
+          <a:xfrm>
+            <a:off x="7332453" y="3651300"/>
+            <a:ext cx="5361486" cy="2805844"/>
+          </a:xfrm>
+          <a:prstGeom prst="rect">
+            <a:avLst/>
+          </a:prstGeom>
+        </p:spPr>
+      </p:pic>
+      <p:pic>
+        <p:nvPicPr>
+          <p:cNvPr id="15" name="图片 14">
+            <a:extLst>
+              <a:ext uri="{FF2B5EF4-FFF2-40B4-BE49-F238E27FC236}">
+                <a16:creationId xmlns:a16="http://schemas.microsoft.com/office/drawing/2014/main" id="{BE099A98-7487-474E-98D2-1A71895D7CC9}"/>
+              </a:ext>
+            </a:extLst>
+          </p:cNvPr>
+          <p:cNvPicPr>
+            <a:picLocks noChangeAspect="1"/>
+          </p:cNvPicPr>
+          <p:nvPr/>
+        </p:nvPicPr>
+        <p:blipFill>
+          <a:blip r:embed="rId7">
+            <a:extLst>
+              <a:ext uri="{28A0092B-C50C-407E-A947-70E740481C1C}">
+                <a14:useLocalDpi xmlns:a14="http://schemas.microsoft.com/office/drawing/2010/main" val="0"/>
+              </a:ext>
+            </a:extLst>
+          </a:blip>
+          <a:stretch>
+            <a:fillRect/>
+          </a:stretch>
+        </p:blipFill>
+        <p:spPr>
+          <a:xfrm>
+            <a:off x="6346716" y="5510927"/>
+            <a:ext cx="1325563" cy="1325563"/>
+          </a:xfrm>
+          <a:prstGeom prst="rect">
+            <a:avLst/>
+          </a:prstGeom>
+        </p:spPr>
+      </p:pic>
       <p:sp>
         <p:nvSpPr>
           <p:cNvPr id="3" name="内容占位符 2">
@@ -6520,7 +7768,12 @@
             <p:ph idx="1"/>
           </p:nvPr>
         </p:nvSpPr>
-        <p:spPr/>
+        <p:spPr>
+          <a:xfrm>
+            <a:off x="838200" y="1825625"/>
+            <a:ext cx="10515600" cy="4351338"/>
+          </a:xfrm>
+        </p:spPr>
         <p:txBody>
           <a:bodyPr/>
           <a:lstStyle/>
